--- a/documentation/csci_poster.pptx
+++ b/documentation/csci_poster.pptx
@@ -127,19 +127,43 @@
 <pc:chgInfo xmlns:a="http://schemas.openxmlformats.org/drawingml/2006/main" xmlns:r="http://schemas.openxmlformats.org/officeDocument/2006/relationships" xmlns:ac="http://schemas.microsoft.com/office/drawing/2013/main/command" xmlns:pc="http://schemas.microsoft.com/office/powerpoint/2013/main/command">
   <pc:docChgLst>
     <pc:chgData name="lily thompson" userId="b73c81c5cd046671" providerId="LiveId" clId="{3BAA5E30-ABAD-4DB3-AEAC-D33BFF4F00D1}"/>
-    <pc:docChg chg="modSld">
-      <pc:chgData name="lily thompson" userId="b73c81c5cd046671" providerId="LiveId" clId="{3BAA5E30-ABAD-4DB3-AEAC-D33BFF4F00D1}" dt="2022-04-05T18:06:50.537" v="53" actId="1035"/>
+    <pc:docChg chg="undo redo custSel modSld">
+      <pc:chgData name="lily thompson" userId="b73c81c5cd046671" providerId="LiveId" clId="{3BAA5E30-ABAD-4DB3-AEAC-D33BFF4F00D1}" dt="2022-04-05T18:24:19.152" v="195" actId="20577"/>
       <pc:docMkLst>
         <pc:docMk/>
       </pc:docMkLst>
       <pc:sldChg chg="modSp mod">
-        <pc:chgData name="lily thompson" userId="b73c81c5cd046671" providerId="LiveId" clId="{3BAA5E30-ABAD-4DB3-AEAC-D33BFF4F00D1}" dt="2022-04-05T18:06:50.537" v="53" actId="1035"/>
+        <pc:chgData name="lily thompson" userId="b73c81c5cd046671" providerId="LiveId" clId="{3BAA5E30-ABAD-4DB3-AEAC-D33BFF4F00D1}" dt="2022-04-05T18:24:19.152" v="195" actId="20577"/>
         <pc:sldMkLst>
           <pc:docMk/>
           <pc:sldMk cId="2709660663" sldId="257"/>
         </pc:sldMkLst>
         <pc:spChg chg="mod">
-          <ac:chgData name="lily thompson" userId="b73c81c5cd046671" providerId="LiveId" clId="{3BAA5E30-ABAD-4DB3-AEAC-D33BFF4F00D1}" dt="2022-04-05T18:06:50.537" v="53" actId="1035"/>
+          <ac:chgData name="lily thompson" userId="b73c81c5cd046671" providerId="LiveId" clId="{3BAA5E30-ABAD-4DB3-AEAC-D33BFF4F00D1}" dt="2022-04-05T18:09:21.253" v="67" actId="20577"/>
+          <ac:spMkLst>
+            <pc:docMk/>
+            <pc:sldMk cId="2709660663" sldId="257"/>
+            <ac:spMk id="9" creationId="{00000000-0000-0000-0000-000000000000}"/>
+          </ac:spMkLst>
+        </pc:spChg>
+        <pc:spChg chg="mod">
+          <ac:chgData name="lily thompson" userId="b73c81c5cd046671" providerId="LiveId" clId="{3BAA5E30-ABAD-4DB3-AEAC-D33BFF4F00D1}" dt="2022-04-05T18:09:56.324" v="74"/>
+          <ac:spMkLst>
+            <pc:docMk/>
+            <pc:sldMk cId="2709660663" sldId="257"/>
+            <ac:spMk id="11" creationId="{00000000-0000-0000-0000-000000000000}"/>
+          </ac:spMkLst>
+        </pc:spChg>
+        <pc:spChg chg="mod">
+          <ac:chgData name="lily thompson" userId="b73c81c5cd046671" providerId="LiveId" clId="{3BAA5E30-ABAD-4DB3-AEAC-D33BFF4F00D1}" dt="2022-04-05T18:24:19.152" v="195" actId="20577"/>
+          <ac:spMkLst>
+            <pc:docMk/>
+            <pc:sldMk cId="2709660663" sldId="257"/>
+            <ac:spMk id="52" creationId="{122B8F71-E134-414F-9A2A-89B6A9482606}"/>
+          </ac:spMkLst>
+        </pc:spChg>
+        <pc:spChg chg="mod">
+          <ac:chgData name="lily thompson" userId="b73c81c5cd046671" providerId="LiveId" clId="{3BAA5E30-ABAD-4DB3-AEAC-D33BFF4F00D1}" dt="2022-04-05T18:23:58.818" v="192" actId="1035"/>
           <ac:spMkLst>
             <pc:docMk/>
             <pc:sldMk cId="2709660663" sldId="257"/>
@@ -147,7 +171,7 @@
           </ac:spMkLst>
         </pc:spChg>
         <pc:picChg chg="mod">
-          <ac:chgData name="lily thompson" userId="b73c81c5cd046671" providerId="LiveId" clId="{3BAA5E30-ABAD-4DB3-AEAC-D33BFF4F00D1}" dt="2022-04-05T18:06:34.721" v="49" actId="1076"/>
+          <ac:chgData name="lily thompson" userId="b73c81c5cd046671" providerId="LiveId" clId="{3BAA5E30-ABAD-4DB3-AEAC-D33BFF4F00D1}" dt="2022-04-05T18:23:47.511" v="189" actId="1036"/>
           <ac:picMkLst>
             <pc:docMk/>
             <pc:sldMk cId="2709660663" sldId="257"/>
@@ -4479,7 +4503,7 @@
                   <a:srgbClr val="BB1C3F"/>
                 </a:solidFill>
               </a:rPr>
-              <a:t>This is the title of the poster</a:t>
+              <a:t>Palette Picker</a:t>
             </a:r>
           </a:p>
         </p:txBody>
@@ -4509,7 +4533,15 @@
             <a:pPr algn="ctr"/>
             <a:r>
               <a:rPr lang="en-US" sz="5400" dirty="0"/>
-              <a:t>Comma separated list of authors</a:t>
+              <a:t>Simon Stockton, Lily Thompson, Victoria </a:t>
+            </a:r>
+            <a:r>
+              <a:rPr lang="en-US" sz="5400" dirty="0" err="1"/>
+              <a:t>Senn</a:t>
+            </a:r>
+            <a:r>
+              <a:rPr lang="en-US" sz="5400" dirty="0"/>
+              <a:t>, Eric Brewer</a:t>
             </a:r>
           </a:p>
         </p:txBody>
@@ -4545,11 +4577,7 @@
             <a:pPr algn="ctr"/>
             <a:r>
               <a:rPr lang="en-US" sz="5400" dirty="0"/>
-              <a:t>Dept. Of Computer Science and </a:t>
-            </a:r>
-            <a:r>
-              <a:rPr lang="en-US" sz="5400"/>
-              <a:t>Information Technology</a:t>
+              <a:t>Dept. Of Computer Science and Information Technology</a:t>
             </a:r>
           </a:p>
         </p:txBody>
@@ -5841,7 +5869,7 @@
         <p:spPr>
           <a:xfrm>
             <a:off x="20116800" y="7315200"/>
-            <a:ext cx="7543800" cy="10433625"/>
+            <a:ext cx="7543800" cy="10926068"/>
           </a:xfrm>
           <a:prstGeom prst="rect">
             <a:avLst/>
@@ -5870,647 +5898,55 @@
             <a:pPr algn="just"/>
             <a:r>
               <a:rPr lang="en-US" sz="3200" dirty="0"/>
-              <a:t> Lorem ipsum dolor sit </a:t>
-            </a:r>
-            <a:r>
-              <a:rPr lang="en-US" sz="3200" dirty="0" err="1"/>
-              <a:t>amet</a:t>
-            </a:r>
-            <a:r>
-              <a:rPr lang="en-US" sz="3200" dirty="0"/>
-              <a:t>, </a:t>
-            </a:r>
-            <a:r>
-              <a:rPr lang="en-US" sz="3200" dirty="0" err="1"/>
-              <a:t>consectetur</a:t>
-            </a:r>
-            <a:r>
-              <a:rPr lang="en-US" sz="3200" dirty="0"/>
-              <a:t> </a:t>
-            </a:r>
-            <a:r>
-              <a:rPr lang="en-US" sz="3200" dirty="0" err="1"/>
-              <a:t>adipiscing</a:t>
-            </a:r>
-            <a:r>
-              <a:rPr lang="en-US" sz="3200" dirty="0"/>
-              <a:t> </a:t>
-            </a:r>
-            <a:r>
-              <a:rPr lang="en-US" sz="3200" dirty="0" err="1"/>
-              <a:t>elit</a:t>
-            </a:r>
-            <a:r>
-              <a:rPr lang="en-US" sz="3200" dirty="0"/>
-              <a:t>. </a:t>
-            </a:r>
-            <a:r>
-              <a:rPr lang="en-US" sz="3200" dirty="0" err="1"/>
-              <a:t>Aliquam</a:t>
-            </a:r>
-            <a:r>
-              <a:rPr lang="en-US" sz="3200" dirty="0"/>
-              <a:t> </a:t>
-            </a:r>
-            <a:r>
-              <a:rPr lang="en-US" sz="3200" dirty="0" err="1"/>
-              <a:t>hendrerit</a:t>
-            </a:r>
-            <a:r>
-              <a:rPr lang="en-US" sz="3200" dirty="0"/>
-              <a:t> </a:t>
-            </a:r>
-            <a:r>
-              <a:rPr lang="en-US" sz="3200" dirty="0" err="1"/>
-              <a:t>laoreet</a:t>
-            </a:r>
-            <a:r>
-              <a:rPr lang="en-US" sz="3200" dirty="0"/>
-              <a:t> ante </a:t>
-            </a:r>
-            <a:r>
-              <a:rPr lang="en-US" sz="3200" dirty="0" err="1"/>
-              <a:t>eget</a:t>
-            </a:r>
-            <a:r>
-              <a:rPr lang="en-US" sz="3200" dirty="0"/>
-              <a:t> </a:t>
-            </a:r>
-            <a:r>
-              <a:rPr lang="en-US" sz="3200" dirty="0" err="1"/>
-              <a:t>commodo</a:t>
-            </a:r>
-            <a:r>
-              <a:rPr lang="en-US" sz="3200" dirty="0"/>
-              <a:t>. </a:t>
-            </a:r>
-            <a:r>
-              <a:rPr lang="en-US" sz="3200" dirty="0" err="1"/>
-              <a:t>Aliquam</a:t>
-            </a:r>
-            <a:r>
-              <a:rPr lang="en-US" sz="3200" dirty="0"/>
-              <a:t> </a:t>
-            </a:r>
-            <a:r>
-              <a:rPr lang="en-US" sz="3200" dirty="0" err="1"/>
-              <a:t>erat</a:t>
-            </a:r>
-            <a:r>
-              <a:rPr lang="en-US" sz="3200" dirty="0"/>
-              <a:t> </a:t>
-            </a:r>
-            <a:r>
-              <a:rPr lang="en-US" sz="3200" dirty="0" err="1"/>
-              <a:t>volutpat</a:t>
-            </a:r>
-            <a:r>
-              <a:rPr lang="en-US" sz="3200" dirty="0"/>
-              <a:t>. </a:t>
-            </a:r>
-            <a:r>
-              <a:rPr lang="en-US" sz="3200" dirty="0" err="1"/>
-              <a:t>Curabitur</a:t>
-            </a:r>
-            <a:r>
-              <a:rPr lang="en-US" sz="3200" dirty="0"/>
-              <a:t> </a:t>
-            </a:r>
-            <a:r>
-              <a:rPr lang="en-US" sz="3200" dirty="0" err="1"/>
-              <a:t>nunc</a:t>
-            </a:r>
-            <a:r>
-              <a:rPr lang="en-US" sz="3200" dirty="0"/>
-              <a:t> </a:t>
-            </a:r>
-            <a:r>
-              <a:rPr lang="en-US" sz="3200" dirty="0" err="1"/>
-              <a:t>nibh</a:t>
-            </a:r>
-            <a:r>
-              <a:rPr lang="en-US" sz="3200" dirty="0"/>
-              <a:t>, </a:t>
-            </a:r>
-            <a:r>
-              <a:rPr lang="en-US" sz="3200" dirty="0" err="1"/>
-              <a:t>luctus</a:t>
-            </a:r>
-            <a:r>
-              <a:rPr lang="en-US" sz="3200" dirty="0"/>
-              <a:t> </a:t>
-            </a:r>
-            <a:r>
-              <a:rPr lang="en-US" sz="3200" dirty="0" err="1"/>
-              <a:t>quis</a:t>
-            </a:r>
-            <a:r>
-              <a:rPr lang="en-US" sz="3200" dirty="0"/>
-              <a:t> eros vel, </a:t>
-            </a:r>
-            <a:r>
-              <a:rPr lang="en-US" sz="3200" dirty="0" err="1"/>
-              <a:t>aliquet</a:t>
-            </a:r>
-            <a:r>
-              <a:rPr lang="en-US" sz="3200" dirty="0"/>
-              <a:t> </a:t>
-            </a:r>
-            <a:r>
-              <a:rPr lang="en-US" sz="3200" dirty="0" err="1"/>
-              <a:t>laoreet</a:t>
-            </a:r>
-            <a:r>
-              <a:rPr lang="en-US" sz="3200" dirty="0"/>
-              <a:t> </a:t>
-            </a:r>
-            <a:r>
-              <a:rPr lang="en-US" sz="3200" dirty="0" err="1"/>
-              <a:t>urna</a:t>
-            </a:r>
-            <a:r>
-              <a:rPr lang="en-US" sz="3200" dirty="0"/>
-              <a:t>. </a:t>
-            </a:r>
-            <a:r>
-              <a:rPr lang="en-US" sz="3200" dirty="0" err="1"/>
-              <a:t>Aliquam</a:t>
-            </a:r>
-            <a:r>
-              <a:rPr lang="en-US" sz="3200" dirty="0"/>
-              <a:t> </a:t>
-            </a:r>
-            <a:r>
-              <a:rPr lang="en-US" sz="3200" dirty="0" err="1"/>
-              <a:t>erat</a:t>
-            </a:r>
-            <a:r>
-              <a:rPr lang="en-US" sz="3200" dirty="0"/>
-              <a:t> </a:t>
-            </a:r>
-            <a:r>
-              <a:rPr lang="en-US" sz="3200" dirty="0" err="1"/>
-              <a:t>volutpat</a:t>
-            </a:r>
-            <a:r>
-              <a:rPr lang="en-US" sz="3200" dirty="0"/>
-              <a:t>. </a:t>
-            </a:r>
-            <a:r>
-              <a:rPr lang="en-US" sz="3200" dirty="0" err="1"/>
-              <a:t>Mauris</a:t>
-            </a:r>
-            <a:r>
-              <a:rPr lang="en-US" sz="3200" dirty="0"/>
-              <a:t> </a:t>
-            </a:r>
-            <a:r>
-              <a:rPr lang="en-US" sz="3200" dirty="0" err="1"/>
-              <a:t>ultrices</a:t>
-            </a:r>
-            <a:r>
-              <a:rPr lang="en-US" sz="3200" dirty="0"/>
-              <a:t> mi id </a:t>
-            </a:r>
-            <a:r>
-              <a:rPr lang="en-US" sz="3200" dirty="0" err="1"/>
-              <a:t>erat</a:t>
-            </a:r>
-            <a:r>
-              <a:rPr lang="en-US" sz="3200" dirty="0"/>
-              <a:t> </a:t>
-            </a:r>
-            <a:r>
-              <a:rPr lang="en-US" sz="3200" dirty="0" err="1"/>
-              <a:t>efficitur</a:t>
-            </a:r>
-            <a:r>
-              <a:rPr lang="en-US" sz="3200" dirty="0"/>
-              <a:t>, at </a:t>
-            </a:r>
-            <a:r>
-              <a:rPr lang="en-US" sz="3200" dirty="0" err="1"/>
-              <a:t>mattis</a:t>
-            </a:r>
-            <a:r>
-              <a:rPr lang="en-US" sz="3200" dirty="0"/>
-              <a:t> lorem </a:t>
-            </a:r>
-            <a:r>
-              <a:rPr lang="en-US" sz="3200" dirty="0" err="1"/>
-              <a:t>mattis</a:t>
-            </a:r>
-            <a:r>
-              <a:rPr lang="en-US" sz="3200" dirty="0"/>
-              <a:t>. </a:t>
-            </a:r>
-            <a:r>
-              <a:rPr lang="en-US" sz="3200" dirty="0" err="1"/>
-              <a:t>Aliquam</a:t>
-            </a:r>
-            <a:r>
-              <a:rPr lang="en-US" sz="3200" dirty="0"/>
-              <a:t> </a:t>
-            </a:r>
-            <a:r>
-              <a:rPr lang="en-US" sz="3200" dirty="0" err="1"/>
-              <a:t>eu</a:t>
-            </a:r>
-            <a:r>
-              <a:rPr lang="en-US" sz="3200" dirty="0"/>
-              <a:t> lacinia eros. Sed </a:t>
-            </a:r>
-            <a:r>
-              <a:rPr lang="en-US" sz="3200" dirty="0" err="1"/>
-              <a:t>facilisis</a:t>
-            </a:r>
-            <a:r>
-              <a:rPr lang="en-US" sz="3200" dirty="0"/>
-              <a:t> </a:t>
-            </a:r>
-            <a:r>
-              <a:rPr lang="en-US" sz="3200" dirty="0" err="1"/>
-              <a:t>neque</a:t>
-            </a:r>
-            <a:r>
-              <a:rPr lang="en-US" sz="3200" dirty="0"/>
-              <a:t> </a:t>
-            </a:r>
-            <a:r>
-              <a:rPr lang="en-US" sz="3200" dirty="0" err="1"/>
-              <a:t>tortor</a:t>
-            </a:r>
-            <a:r>
-              <a:rPr lang="en-US" sz="3200" dirty="0"/>
-              <a:t>, id porta </a:t>
-            </a:r>
-            <a:r>
-              <a:rPr lang="en-US" sz="3200" dirty="0" err="1"/>
-              <a:t>sem</a:t>
-            </a:r>
-            <a:r>
-              <a:rPr lang="en-US" sz="3200" dirty="0"/>
-              <a:t> </a:t>
-            </a:r>
-            <a:r>
-              <a:rPr lang="en-US" sz="3200" dirty="0" err="1"/>
-              <a:t>pellentesque</a:t>
-            </a:r>
-            <a:r>
-              <a:rPr lang="en-US" sz="3200" dirty="0"/>
-              <a:t> dictum. </a:t>
-            </a:r>
-            <a:r>
-              <a:rPr lang="en-US" sz="3200" dirty="0" err="1"/>
-              <a:t>Pellentesque</a:t>
-            </a:r>
-            <a:r>
-              <a:rPr lang="en-US" sz="3200" dirty="0"/>
-              <a:t> habitant </a:t>
-            </a:r>
-            <a:r>
-              <a:rPr lang="en-US" sz="3200" dirty="0" err="1"/>
-              <a:t>morbi</a:t>
-            </a:r>
-            <a:r>
-              <a:rPr lang="en-US" sz="3200" dirty="0"/>
-              <a:t> </a:t>
-            </a:r>
-            <a:r>
-              <a:rPr lang="en-US" sz="3200" dirty="0" err="1"/>
-              <a:t>tristique</a:t>
-            </a:r>
-            <a:r>
-              <a:rPr lang="en-US" sz="3200" dirty="0"/>
-              <a:t> </a:t>
-            </a:r>
-            <a:r>
-              <a:rPr lang="en-US" sz="3200" dirty="0" err="1"/>
-              <a:t>senectus</a:t>
-            </a:r>
-            <a:r>
-              <a:rPr lang="en-US" sz="3200" dirty="0"/>
-              <a:t> et </a:t>
-            </a:r>
-            <a:r>
-              <a:rPr lang="en-US" sz="3200" dirty="0" err="1"/>
-              <a:t>netus</a:t>
-            </a:r>
-            <a:r>
-              <a:rPr lang="en-US" sz="3200" dirty="0"/>
-              <a:t> et </a:t>
-            </a:r>
-            <a:r>
-              <a:rPr lang="en-US" sz="3200" dirty="0" err="1"/>
-              <a:t>malesuada</a:t>
-            </a:r>
-            <a:r>
-              <a:rPr lang="en-US" sz="3200" dirty="0"/>
-              <a:t> fames ac </a:t>
-            </a:r>
-            <a:r>
-              <a:rPr lang="en-US" sz="3200" dirty="0" err="1"/>
-              <a:t>turpis</a:t>
-            </a:r>
-            <a:r>
-              <a:rPr lang="en-US" sz="3200" dirty="0"/>
-              <a:t> </a:t>
-            </a:r>
-            <a:r>
-              <a:rPr lang="en-US" sz="3200" dirty="0" err="1"/>
-              <a:t>egestas</a:t>
-            </a:r>
-            <a:r>
-              <a:rPr lang="en-US" sz="3200" dirty="0"/>
-              <a:t>. Vestibulum </a:t>
-            </a:r>
-            <a:r>
-              <a:rPr lang="en-US" sz="3200" dirty="0" err="1"/>
-              <a:t>sem</a:t>
-            </a:r>
-            <a:r>
-              <a:rPr lang="en-US" sz="3200" dirty="0"/>
-              <a:t> </a:t>
-            </a:r>
-            <a:r>
-              <a:rPr lang="en-US" sz="3200" dirty="0" err="1"/>
-              <a:t>turpis</a:t>
-            </a:r>
-            <a:r>
-              <a:rPr lang="en-US" sz="3200" dirty="0"/>
-              <a:t>, </a:t>
-            </a:r>
-            <a:r>
-              <a:rPr lang="en-US" sz="3200" dirty="0" err="1"/>
-              <a:t>iaculis</a:t>
-            </a:r>
-            <a:r>
-              <a:rPr lang="en-US" sz="3200" dirty="0"/>
-              <a:t> et </a:t>
-            </a:r>
-            <a:r>
-              <a:rPr lang="en-US" sz="3200" dirty="0" err="1"/>
-              <a:t>lacus</a:t>
-            </a:r>
-            <a:r>
-              <a:rPr lang="en-US" sz="3200" dirty="0"/>
-              <a:t> </a:t>
-            </a:r>
-            <a:r>
-              <a:rPr lang="en-US" sz="3200" dirty="0" err="1"/>
-              <a:t>nec</a:t>
-            </a:r>
-            <a:r>
-              <a:rPr lang="en-US" sz="3200" dirty="0"/>
-              <a:t>, </a:t>
-            </a:r>
-            <a:r>
-              <a:rPr lang="en-US" sz="3200" dirty="0" err="1"/>
-              <a:t>rutrum</a:t>
-            </a:r>
-            <a:r>
-              <a:rPr lang="en-US" sz="3200" dirty="0"/>
-              <a:t> </a:t>
-            </a:r>
-            <a:r>
-              <a:rPr lang="en-US" sz="3200" dirty="0" err="1"/>
-              <a:t>laoreet</a:t>
-            </a:r>
-            <a:r>
-              <a:rPr lang="en-US" sz="3200" dirty="0"/>
-              <a:t> mi. Donec ligula </a:t>
-            </a:r>
-            <a:r>
-              <a:rPr lang="en-US" sz="3200" dirty="0" err="1"/>
-              <a:t>felis</a:t>
-            </a:r>
-            <a:r>
-              <a:rPr lang="en-US" sz="3200" dirty="0"/>
-              <a:t>, </a:t>
-            </a:r>
-            <a:r>
-              <a:rPr lang="en-US" sz="3200" dirty="0" err="1"/>
-              <a:t>eleifend</a:t>
-            </a:r>
-            <a:r>
-              <a:rPr lang="en-US" sz="3200" dirty="0"/>
-              <a:t> </a:t>
-            </a:r>
-            <a:r>
-              <a:rPr lang="en-US" sz="3200" dirty="0" err="1"/>
-              <a:t>imperdiet</a:t>
-            </a:r>
-            <a:r>
-              <a:rPr lang="en-US" sz="3200" dirty="0"/>
-              <a:t> </a:t>
-            </a:r>
-            <a:r>
-              <a:rPr lang="en-US" sz="3200" dirty="0" err="1"/>
-              <a:t>ullamcorper</a:t>
-            </a:r>
-            <a:r>
-              <a:rPr lang="en-US" sz="3200" dirty="0"/>
-              <a:t> non, </a:t>
-            </a:r>
-            <a:r>
-              <a:rPr lang="en-US" sz="3200" dirty="0" err="1"/>
-              <a:t>tincidunt</a:t>
-            </a:r>
-            <a:r>
-              <a:rPr lang="en-US" sz="3200" dirty="0"/>
-              <a:t> vel </a:t>
-            </a:r>
-            <a:r>
-              <a:rPr lang="en-US" sz="3200" dirty="0" err="1"/>
-              <a:t>nunc</a:t>
-            </a:r>
-            <a:r>
-              <a:rPr lang="en-US" sz="3200" dirty="0"/>
-              <a:t>. Sed sed </a:t>
-            </a:r>
-            <a:r>
-              <a:rPr lang="en-US" sz="3200" dirty="0" err="1"/>
-              <a:t>congue</a:t>
-            </a:r>
-            <a:r>
-              <a:rPr lang="en-US" sz="3200" dirty="0"/>
-              <a:t> </a:t>
-            </a:r>
-            <a:r>
-              <a:rPr lang="en-US" sz="3200" dirty="0" err="1"/>
-              <a:t>lacus</a:t>
-            </a:r>
-            <a:r>
-              <a:rPr lang="en-US" sz="3200" dirty="0"/>
-              <a:t>, sit </a:t>
-            </a:r>
-            <a:r>
-              <a:rPr lang="en-US" sz="3200" dirty="0" err="1"/>
-              <a:t>amet</a:t>
-            </a:r>
-            <a:r>
-              <a:rPr lang="en-US" sz="3200" dirty="0"/>
-              <a:t> </a:t>
-            </a:r>
-            <a:r>
-              <a:rPr lang="en-US" sz="3200" dirty="0" err="1"/>
-              <a:t>elementum</a:t>
-            </a:r>
-            <a:r>
-              <a:rPr lang="en-US" sz="3200" dirty="0"/>
-              <a:t> </a:t>
-            </a:r>
-            <a:r>
-              <a:rPr lang="en-US" sz="3200" dirty="0" err="1"/>
-              <a:t>purus</a:t>
-            </a:r>
-            <a:r>
-              <a:rPr lang="en-US" sz="3200" dirty="0"/>
-              <a:t>. </a:t>
-            </a:r>
-            <a:r>
-              <a:rPr lang="en-US" sz="3200" dirty="0" err="1"/>
-              <a:t>Orci</a:t>
-            </a:r>
-            <a:r>
-              <a:rPr lang="en-US" sz="3200" dirty="0"/>
-              <a:t> </a:t>
-            </a:r>
-            <a:r>
-              <a:rPr lang="en-US" sz="3200" dirty="0" err="1"/>
-              <a:t>varius</a:t>
-            </a:r>
-            <a:r>
-              <a:rPr lang="en-US" sz="3200" dirty="0"/>
-              <a:t> </a:t>
-            </a:r>
-            <a:r>
-              <a:rPr lang="en-US" sz="3200" dirty="0" err="1"/>
-              <a:t>natoque</a:t>
-            </a:r>
-            <a:r>
-              <a:rPr lang="en-US" sz="3200" dirty="0"/>
-              <a:t> </a:t>
-            </a:r>
-            <a:r>
-              <a:rPr lang="en-US" sz="3200" dirty="0" err="1"/>
-              <a:t>penatibus</a:t>
-            </a:r>
-            <a:r>
-              <a:rPr lang="en-US" sz="3200" dirty="0"/>
-              <a:t> et </a:t>
-            </a:r>
-            <a:r>
-              <a:rPr lang="en-US" sz="3200" dirty="0" err="1"/>
-              <a:t>magnis</a:t>
-            </a:r>
-            <a:r>
-              <a:rPr lang="en-US" sz="3200" dirty="0"/>
-              <a:t> dis parturient </a:t>
-            </a:r>
-            <a:r>
-              <a:rPr lang="en-US" sz="3200" dirty="0" err="1"/>
-              <a:t>montes</a:t>
-            </a:r>
-            <a:r>
-              <a:rPr lang="en-US" sz="3200" dirty="0"/>
-              <a:t>, </a:t>
-            </a:r>
-            <a:r>
-              <a:rPr lang="en-US" sz="3200" dirty="0" err="1"/>
-              <a:t>nascetur</a:t>
-            </a:r>
-            <a:r>
-              <a:rPr lang="en-US" sz="3200" dirty="0"/>
-              <a:t> </a:t>
-            </a:r>
-            <a:r>
-              <a:rPr lang="en-US" sz="3200" dirty="0" err="1"/>
-              <a:t>ridiculus</a:t>
-            </a:r>
-            <a:r>
-              <a:rPr lang="en-US" sz="3200" dirty="0"/>
-              <a:t> mus. In vel </a:t>
-            </a:r>
-            <a:r>
-              <a:rPr lang="en-US" sz="3200" dirty="0" err="1"/>
-              <a:t>ultrices</a:t>
-            </a:r>
-            <a:r>
-              <a:rPr lang="en-US" sz="3200" dirty="0"/>
-              <a:t> magna. In vel </a:t>
-            </a:r>
-            <a:r>
-              <a:rPr lang="en-US" sz="3200" dirty="0" err="1"/>
-              <a:t>justo</a:t>
-            </a:r>
-            <a:r>
-              <a:rPr lang="en-US" sz="3200" dirty="0"/>
-              <a:t> </a:t>
-            </a:r>
-            <a:r>
-              <a:rPr lang="en-US" sz="3200" dirty="0" err="1"/>
-              <a:t>nec</a:t>
-            </a:r>
-            <a:r>
-              <a:rPr lang="en-US" sz="3200" dirty="0"/>
-              <a:t> </a:t>
-            </a:r>
-            <a:r>
-              <a:rPr lang="en-US" sz="3200" dirty="0" err="1"/>
-              <a:t>turpis</a:t>
-            </a:r>
-            <a:r>
-              <a:rPr lang="en-US" sz="3200" dirty="0"/>
-              <a:t> </a:t>
-            </a:r>
-            <a:r>
-              <a:rPr lang="en-US" sz="3200" dirty="0" err="1"/>
-              <a:t>malesuada</a:t>
-            </a:r>
-            <a:r>
-              <a:rPr lang="en-US" sz="3200" dirty="0"/>
-              <a:t> </a:t>
-            </a:r>
-            <a:r>
-              <a:rPr lang="en-US" sz="3200" dirty="0" err="1"/>
-              <a:t>elementum</a:t>
-            </a:r>
-            <a:r>
-              <a:rPr lang="en-US" sz="3200" dirty="0"/>
-              <a:t>. Sed </a:t>
-            </a:r>
-            <a:r>
-              <a:rPr lang="en-US" sz="3200" dirty="0" err="1"/>
-              <a:t>ultricies</a:t>
-            </a:r>
-            <a:r>
-              <a:rPr lang="en-US" sz="3200" dirty="0"/>
-              <a:t> ipsum </a:t>
-            </a:r>
-            <a:r>
-              <a:rPr lang="en-US" sz="3200" dirty="0" err="1"/>
-              <a:t>ut</a:t>
-            </a:r>
-            <a:r>
-              <a:rPr lang="en-US" sz="3200" dirty="0"/>
-              <a:t> </a:t>
-            </a:r>
-            <a:r>
-              <a:rPr lang="en-US" sz="3200" dirty="0" err="1"/>
-              <a:t>malesuada</a:t>
-            </a:r>
-            <a:r>
-              <a:rPr lang="en-US" sz="3200" dirty="0"/>
-              <a:t> </a:t>
-            </a:r>
-            <a:r>
-              <a:rPr lang="en-US" sz="3200" dirty="0" err="1"/>
-              <a:t>eleifend</a:t>
-            </a:r>
-            <a:r>
-              <a:rPr lang="en-US" sz="3200" dirty="0"/>
-              <a:t>.</a:t>
+              <a:t>The database will include four tables: a User table, a Palette table, a </a:t>
+            </a:r>
+            <a:r>
+              <a:rPr lang="en-US" sz="3200" dirty="0" err="1"/>
+              <a:t>User_Friend</a:t>
+            </a:r>
+            <a:r>
+              <a:rPr lang="en-US" sz="3200" dirty="0"/>
+              <a:t> table, and a </a:t>
+            </a:r>
+            <a:r>
+              <a:rPr lang="en-US" sz="3200" dirty="0" err="1"/>
+              <a:t>Saved_Palette</a:t>
+            </a:r>
+            <a:r>
+              <a:rPr lang="en-US" sz="3200" dirty="0"/>
+              <a:t> table. The User table will have 3 classes: an integer ID as the primary key, a 255 varchar username, and a 255 varchar password. The Palette table has ten classes: an integer ID as a primary key, an integer user id that is a foreign key, a </a:t>
+            </a:r>
+            <a:r>
+              <a:rPr lang="en-US" sz="3200"/>
+              <a:t>255 varchar title</a:t>
+            </a:r>
+            <a:r>
+              <a:rPr lang="en-US" sz="3200" dirty="0"/>
+              <a:t>, 6 integer hex codes representing each color in the palette, a date representing the day the palette was created, and the number of times a person has clicked the palette’s page. The </a:t>
+            </a:r>
+            <a:r>
+              <a:rPr lang="en-US" sz="3200" dirty="0" err="1"/>
+              <a:t>User_friend</a:t>
+            </a:r>
+            <a:r>
+              <a:rPr lang="en-US" sz="3200" dirty="0"/>
+              <a:t> table has two classes that make its primary key: an integer user id and another integer </a:t>
+            </a:r>
+            <a:r>
+              <a:rPr lang="en-US" sz="3200" dirty="0" err="1"/>
+              <a:t>user_id</a:t>
+            </a:r>
+            <a:r>
+              <a:rPr lang="en-US" sz="3200" dirty="0"/>
+              <a:t> representing the person’s friend. The </a:t>
+            </a:r>
+            <a:r>
+              <a:rPr lang="en-US" sz="3200" dirty="0" err="1"/>
+              <a:t>Saved_palette</a:t>
+            </a:r>
+            <a:r>
+              <a:rPr lang="en-US" sz="3200" dirty="0"/>
+              <a:t> table also has two fields as a primary key: an integer user id and an integer palette id. All classes must not be null. All primary keys for every table must be unique. A User’s username must also be unique.</a:t>
             </a:r>
           </a:p>
         </p:txBody>
@@ -9172,7 +8608,7 @@
         </p:blipFill>
         <p:spPr>
           <a:xfrm>
-            <a:off x="20116800" y="18013684"/>
+            <a:off x="20116800" y="18974970"/>
             <a:ext cx="7543800" cy="3960906"/>
           </a:xfrm>
           <a:prstGeom prst="rect">
@@ -9194,8 +8630,8 @@
         </p:nvSpPr>
         <p:spPr>
           <a:xfrm>
-            <a:off x="20116800" y="22104679"/>
-            <a:ext cx="7543800" cy="3046988"/>
+            <a:off x="20116800" y="23136309"/>
+            <a:ext cx="7543800" cy="1077218"/>
           </a:xfrm>
           <a:prstGeom prst="rect">
             <a:avLst/>
@@ -9235,191 +8671,7 @@
             </a:r>
             <a:r>
               <a:rPr lang="en-US" sz="3200" dirty="0"/>
-              <a:t>Lorem ipsum dolor sit </a:t>
-            </a:r>
-            <a:r>
-              <a:rPr lang="en-US" sz="3200" dirty="0" err="1"/>
-              <a:t>amet</a:t>
-            </a:r>
-            <a:r>
-              <a:rPr lang="en-US" sz="3200" dirty="0"/>
-              <a:t>, </a:t>
-            </a:r>
-            <a:r>
-              <a:rPr lang="en-US" sz="3200" dirty="0" err="1"/>
-              <a:t>consectetur</a:t>
-            </a:r>
-            <a:r>
-              <a:rPr lang="en-US" sz="3200" dirty="0"/>
-              <a:t> </a:t>
-            </a:r>
-            <a:r>
-              <a:rPr lang="en-US" sz="3200" dirty="0" err="1"/>
-              <a:t>adipiscing</a:t>
-            </a:r>
-            <a:r>
-              <a:rPr lang="en-US" sz="3200" dirty="0"/>
-              <a:t> </a:t>
-            </a:r>
-            <a:r>
-              <a:rPr lang="en-US" sz="3200" dirty="0" err="1"/>
-              <a:t>elit</a:t>
-            </a:r>
-            <a:r>
-              <a:rPr lang="en-US" sz="3200" dirty="0"/>
-              <a:t>. </a:t>
-            </a:r>
-            <a:r>
-              <a:rPr lang="en-US" sz="3200" dirty="0" err="1"/>
-              <a:t>Aliquam</a:t>
-            </a:r>
-            <a:r>
-              <a:rPr lang="en-US" sz="3200" dirty="0"/>
-              <a:t> </a:t>
-            </a:r>
-            <a:r>
-              <a:rPr lang="en-US" sz="3200" dirty="0" err="1"/>
-              <a:t>hendrerit</a:t>
-            </a:r>
-            <a:r>
-              <a:rPr lang="en-US" sz="3200" dirty="0"/>
-              <a:t> </a:t>
-            </a:r>
-            <a:r>
-              <a:rPr lang="en-US" sz="3200" dirty="0" err="1"/>
-              <a:t>laoreet</a:t>
-            </a:r>
-            <a:r>
-              <a:rPr lang="en-US" sz="3200" dirty="0"/>
-              <a:t> ante </a:t>
-            </a:r>
-            <a:r>
-              <a:rPr lang="en-US" sz="3200" dirty="0" err="1"/>
-              <a:t>eget</a:t>
-            </a:r>
-            <a:r>
-              <a:rPr lang="en-US" sz="3200" dirty="0"/>
-              <a:t> </a:t>
-            </a:r>
-            <a:r>
-              <a:rPr lang="en-US" sz="3200" dirty="0" err="1"/>
-              <a:t>commodo</a:t>
-            </a:r>
-            <a:r>
-              <a:rPr lang="en-US" sz="3200" dirty="0"/>
-              <a:t>. </a:t>
-            </a:r>
-            <a:r>
-              <a:rPr lang="en-US" sz="3200" dirty="0" err="1"/>
-              <a:t>Aliquam</a:t>
-            </a:r>
-            <a:r>
-              <a:rPr lang="en-US" sz="3200" dirty="0"/>
-              <a:t> </a:t>
-            </a:r>
-            <a:r>
-              <a:rPr lang="en-US" sz="3200" dirty="0" err="1"/>
-              <a:t>erat</a:t>
-            </a:r>
-            <a:r>
-              <a:rPr lang="en-US" sz="3200" dirty="0"/>
-              <a:t> </a:t>
-            </a:r>
-            <a:r>
-              <a:rPr lang="en-US" sz="3200" dirty="0" err="1"/>
-              <a:t>volutpat</a:t>
-            </a:r>
-            <a:r>
-              <a:rPr lang="en-US" sz="3200" dirty="0"/>
-              <a:t>. </a:t>
-            </a:r>
-            <a:r>
-              <a:rPr lang="en-US" sz="3200" dirty="0" err="1"/>
-              <a:t>Curabitur</a:t>
-            </a:r>
-            <a:r>
-              <a:rPr lang="en-US" sz="3200" dirty="0"/>
-              <a:t> </a:t>
-            </a:r>
-            <a:r>
-              <a:rPr lang="en-US" sz="3200" dirty="0" err="1"/>
-              <a:t>nunc</a:t>
-            </a:r>
-            <a:r>
-              <a:rPr lang="en-US" sz="3200" dirty="0"/>
-              <a:t> </a:t>
-            </a:r>
-            <a:r>
-              <a:rPr lang="en-US" sz="3200" dirty="0" err="1"/>
-              <a:t>nibh</a:t>
-            </a:r>
-            <a:r>
-              <a:rPr lang="en-US" sz="3200" dirty="0"/>
-              <a:t>, </a:t>
-            </a:r>
-            <a:r>
-              <a:rPr lang="en-US" sz="3200" dirty="0" err="1"/>
-              <a:t>luctus</a:t>
-            </a:r>
-            <a:r>
-              <a:rPr lang="en-US" sz="3200" dirty="0"/>
-              <a:t> </a:t>
-            </a:r>
-            <a:r>
-              <a:rPr lang="en-US" sz="3200" dirty="0" err="1"/>
-              <a:t>quis</a:t>
-            </a:r>
-            <a:r>
-              <a:rPr lang="en-US" sz="3200" dirty="0"/>
-              <a:t> eros vel, </a:t>
-            </a:r>
-            <a:r>
-              <a:rPr lang="en-US" sz="3200" dirty="0" err="1"/>
-              <a:t>aliquet</a:t>
-            </a:r>
-            <a:r>
-              <a:rPr lang="en-US" sz="3200" dirty="0"/>
-              <a:t> </a:t>
-            </a:r>
-            <a:r>
-              <a:rPr lang="en-US" sz="3200" dirty="0" err="1"/>
-              <a:t>laoreet</a:t>
-            </a:r>
-            <a:r>
-              <a:rPr lang="en-US" sz="3200" dirty="0"/>
-              <a:t> </a:t>
-            </a:r>
-            <a:r>
-              <a:rPr lang="en-US" sz="3200" dirty="0" err="1"/>
-              <a:t>urna</a:t>
-            </a:r>
-            <a:r>
-              <a:rPr lang="en-US" sz="3200" dirty="0"/>
-              <a:t>. </a:t>
-            </a:r>
-            <a:r>
-              <a:rPr lang="en-US" sz="3200" dirty="0" err="1"/>
-              <a:t>Aliquam</a:t>
-            </a:r>
-            <a:r>
-              <a:rPr lang="en-US" sz="3200" dirty="0"/>
-              <a:t> </a:t>
-            </a:r>
-            <a:r>
-              <a:rPr lang="en-US" sz="3200" dirty="0" err="1"/>
-              <a:t>erat</a:t>
-            </a:r>
-            <a:r>
-              <a:rPr lang="en-US" sz="3200" dirty="0"/>
-              <a:t> </a:t>
-            </a:r>
-            <a:r>
-              <a:rPr lang="en-US" sz="3200" dirty="0" err="1"/>
-              <a:t>volutpat</a:t>
-            </a:r>
-            <a:r>
-              <a:rPr lang="en-US" sz="3200" dirty="0"/>
-              <a:t>. </a:t>
+              <a:t>The database Entity Relationship Diagram is shown above. </a:t>
             </a:r>
           </a:p>
         </p:txBody>

--- a/documentation/csci_poster.pptx
+++ b/documentation/csci_poster.pptx
@@ -127,19 +127,43 @@
 <pc:chgInfo xmlns:a="http://schemas.openxmlformats.org/drawingml/2006/main" xmlns:r="http://schemas.openxmlformats.org/officeDocument/2006/relationships" xmlns:ac="http://schemas.microsoft.com/office/drawing/2013/main/command" xmlns:pc="http://schemas.microsoft.com/office/powerpoint/2013/main/command">
   <pc:docChgLst>
     <pc:chgData name="lily thompson" userId="b73c81c5cd046671" providerId="LiveId" clId="{3BAA5E30-ABAD-4DB3-AEAC-D33BFF4F00D1}"/>
-    <pc:docChg chg="modSld">
-      <pc:chgData name="lily thompson" userId="b73c81c5cd046671" providerId="LiveId" clId="{3BAA5E30-ABAD-4DB3-AEAC-D33BFF4F00D1}" dt="2022-04-05T18:06:50.537" v="53" actId="1035"/>
+    <pc:docChg chg="undo redo custSel modSld">
+      <pc:chgData name="lily thompson" userId="b73c81c5cd046671" providerId="LiveId" clId="{3BAA5E30-ABAD-4DB3-AEAC-D33BFF4F00D1}" dt="2022-04-05T18:24:19.152" v="195" actId="20577"/>
       <pc:docMkLst>
         <pc:docMk/>
       </pc:docMkLst>
       <pc:sldChg chg="modSp mod">
-        <pc:chgData name="lily thompson" userId="b73c81c5cd046671" providerId="LiveId" clId="{3BAA5E30-ABAD-4DB3-AEAC-D33BFF4F00D1}" dt="2022-04-05T18:06:50.537" v="53" actId="1035"/>
+        <pc:chgData name="lily thompson" userId="b73c81c5cd046671" providerId="LiveId" clId="{3BAA5E30-ABAD-4DB3-AEAC-D33BFF4F00D1}" dt="2022-04-05T18:24:19.152" v="195" actId="20577"/>
         <pc:sldMkLst>
           <pc:docMk/>
           <pc:sldMk cId="2709660663" sldId="257"/>
         </pc:sldMkLst>
         <pc:spChg chg="mod">
-          <ac:chgData name="lily thompson" userId="b73c81c5cd046671" providerId="LiveId" clId="{3BAA5E30-ABAD-4DB3-AEAC-D33BFF4F00D1}" dt="2022-04-05T18:06:50.537" v="53" actId="1035"/>
+          <ac:chgData name="lily thompson" userId="b73c81c5cd046671" providerId="LiveId" clId="{3BAA5E30-ABAD-4DB3-AEAC-D33BFF4F00D1}" dt="2022-04-05T18:09:21.253" v="67" actId="20577"/>
+          <ac:spMkLst>
+            <pc:docMk/>
+            <pc:sldMk cId="2709660663" sldId="257"/>
+            <ac:spMk id="9" creationId="{00000000-0000-0000-0000-000000000000}"/>
+          </ac:spMkLst>
+        </pc:spChg>
+        <pc:spChg chg="mod">
+          <ac:chgData name="lily thompson" userId="b73c81c5cd046671" providerId="LiveId" clId="{3BAA5E30-ABAD-4DB3-AEAC-D33BFF4F00D1}" dt="2022-04-05T18:09:56.324" v="74"/>
+          <ac:spMkLst>
+            <pc:docMk/>
+            <pc:sldMk cId="2709660663" sldId="257"/>
+            <ac:spMk id="11" creationId="{00000000-0000-0000-0000-000000000000}"/>
+          </ac:spMkLst>
+        </pc:spChg>
+        <pc:spChg chg="mod">
+          <ac:chgData name="lily thompson" userId="b73c81c5cd046671" providerId="LiveId" clId="{3BAA5E30-ABAD-4DB3-AEAC-D33BFF4F00D1}" dt="2022-04-05T18:24:19.152" v="195" actId="20577"/>
+          <ac:spMkLst>
+            <pc:docMk/>
+            <pc:sldMk cId="2709660663" sldId="257"/>
+            <ac:spMk id="52" creationId="{122B8F71-E134-414F-9A2A-89B6A9482606}"/>
+          </ac:spMkLst>
+        </pc:spChg>
+        <pc:spChg chg="mod">
+          <ac:chgData name="lily thompson" userId="b73c81c5cd046671" providerId="LiveId" clId="{3BAA5E30-ABAD-4DB3-AEAC-D33BFF4F00D1}" dt="2022-04-05T18:23:58.818" v="192" actId="1035"/>
           <ac:spMkLst>
             <pc:docMk/>
             <pc:sldMk cId="2709660663" sldId="257"/>
@@ -147,7 +171,7 @@
           </ac:spMkLst>
         </pc:spChg>
         <pc:picChg chg="mod">
-          <ac:chgData name="lily thompson" userId="b73c81c5cd046671" providerId="LiveId" clId="{3BAA5E30-ABAD-4DB3-AEAC-D33BFF4F00D1}" dt="2022-04-05T18:06:34.721" v="49" actId="1076"/>
+          <ac:chgData name="lily thompson" userId="b73c81c5cd046671" providerId="LiveId" clId="{3BAA5E30-ABAD-4DB3-AEAC-D33BFF4F00D1}" dt="2022-04-05T18:23:47.511" v="189" actId="1036"/>
           <ac:picMkLst>
             <pc:docMk/>
             <pc:sldMk cId="2709660663" sldId="257"/>
@@ -250,7 +274,7 @@
           <a:p>
             <a:fld id="{64ED9595-0AE4-4B15-B393-D0F1DD0EB94B}" type="datetimeFigureOut">
               <a:rPr lang="en-US" smtClean="0"/>
-              <a:t>4/5/2022</a:t>
+              <a:t>4/7/2022</a:t>
             </a:fld>
             <a:endParaRPr lang="en-US"/>
           </a:p>
@@ -737,7 +761,7 @@
           <a:p>
             <a:fld id="{41C03D7F-B796-4B92-B0C7-6D4C9CC8C787}" type="datetimeFigureOut">
               <a:rPr lang="en-US" smtClean="0"/>
-              <a:t>4/5/2022</a:t>
+              <a:t>4/7/2022</a:t>
             </a:fld>
             <a:endParaRPr lang="en-US"/>
           </a:p>
@@ -907,7 +931,7 @@
           <a:p>
             <a:fld id="{41C03D7F-B796-4B92-B0C7-6D4C9CC8C787}" type="datetimeFigureOut">
               <a:rPr lang="en-US" smtClean="0"/>
-              <a:t>4/5/2022</a:t>
+              <a:t>4/7/2022</a:t>
             </a:fld>
             <a:endParaRPr lang="en-US"/>
           </a:p>
@@ -1087,7 +1111,7 @@
           <a:p>
             <a:fld id="{41C03D7F-B796-4B92-B0C7-6D4C9CC8C787}" type="datetimeFigureOut">
               <a:rPr lang="en-US" smtClean="0"/>
-              <a:t>4/5/2022</a:t>
+              <a:t>4/7/2022</a:t>
             </a:fld>
             <a:endParaRPr lang="en-US"/>
           </a:p>
@@ -1257,7 +1281,7 @@
           <a:p>
             <a:fld id="{41C03D7F-B796-4B92-B0C7-6D4C9CC8C787}" type="datetimeFigureOut">
               <a:rPr lang="en-US" smtClean="0"/>
-              <a:t>4/5/2022</a:t>
+              <a:t>4/7/2022</a:t>
             </a:fld>
             <a:endParaRPr lang="en-US"/>
           </a:p>
@@ -1501,7 +1525,7 @@
           <a:p>
             <a:fld id="{41C03D7F-B796-4B92-B0C7-6D4C9CC8C787}" type="datetimeFigureOut">
               <a:rPr lang="en-US" smtClean="0"/>
-              <a:t>4/5/2022</a:t>
+              <a:t>4/7/2022</a:t>
             </a:fld>
             <a:endParaRPr lang="en-US"/>
           </a:p>
@@ -1733,7 +1757,7 @@
           <a:p>
             <a:fld id="{41C03D7F-B796-4B92-B0C7-6D4C9CC8C787}" type="datetimeFigureOut">
               <a:rPr lang="en-US" smtClean="0"/>
-              <a:t>4/5/2022</a:t>
+              <a:t>4/7/2022</a:t>
             </a:fld>
             <a:endParaRPr lang="en-US"/>
           </a:p>
@@ -2100,7 +2124,7 @@
           <a:p>
             <a:fld id="{41C03D7F-B796-4B92-B0C7-6D4C9CC8C787}" type="datetimeFigureOut">
               <a:rPr lang="en-US" smtClean="0"/>
-              <a:t>4/5/2022</a:t>
+              <a:t>4/7/2022</a:t>
             </a:fld>
             <a:endParaRPr lang="en-US"/>
           </a:p>
@@ -2218,7 +2242,7 @@
           <a:p>
             <a:fld id="{41C03D7F-B796-4B92-B0C7-6D4C9CC8C787}" type="datetimeFigureOut">
               <a:rPr lang="en-US" smtClean="0"/>
-              <a:t>4/5/2022</a:t>
+              <a:t>4/7/2022</a:t>
             </a:fld>
             <a:endParaRPr lang="en-US"/>
           </a:p>
@@ -2313,7 +2337,7 @@
           <a:p>
             <a:fld id="{41C03D7F-B796-4B92-B0C7-6D4C9CC8C787}" type="datetimeFigureOut">
               <a:rPr lang="en-US" smtClean="0"/>
-              <a:t>4/5/2022</a:t>
+              <a:t>4/7/2022</a:t>
             </a:fld>
             <a:endParaRPr lang="en-US"/>
           </a:p>
@@ -2590,7 +2614,7 @@
           <a:p>
             <a:fld id="{41C03D7F-B796-4B92-B0C7-6D4C9CC8C787}" type="datetimeFigureOut">
               <a:rPr lang="en-US" smtClean="0"/>
-              <a:t>4/5/2022</a:t>
+              <a:t>4/7/2022</a:t>
             </a:fld>
             <a:endParaRPr lang="en-US"/>
           </a:p>
@@ -2847,7 +2871,7 @@
           <a:p>
             <a:fld id="{41C03D7F-B796-4B92-B0C7-6D4C9CC8C787}" type="datetimeFigureOut">
               <a:rPr lang="en-US" smtClean="0"/>
-              <a:t>4/5/2022</a:t>
+              <a:t>4/7/2022</a:t>
             </a:fld>
             <a:endParaRPr lang="en-US"/>
           </a:p>
@@ -3060,7 +3084,7 @@
           <a:p>
             <a:fld id="{41C03D7F-B796-4B92-B0C7-6D4C9CC8C787}" type="datetimeFigureOut">
               <a:rPr lang="en-US" smtClean="0"/>
-              <a:t>4/5/2022</a:t>
+              <a:t>4/7/2022</a:t>
             </a:fld>
             <a:endParaRPr lang="en-US"/>
           </a:p>
@@ -3474,7 +3498,7 @@
         <p:spPr>
           <a:xfrm>
             <a:off x="1371600" y="7315200"/>
-            <a:ext cx="7543800" cy="14373165"/>
+            <a:ext cx="7543800" cy="5139869"/>
           </a:xfrm>
           <a:prstGeom prst="rect">
             <a:avLst/>
@@ -3500,898 +3524,54 @@
           </a:bodyPr>
           <a:lstStyle/>
           <a:p>
-            <a:pPr algn="just"/>
-            <a:r>
-              <a:rPr lang="en-US" sz="3200" dirty="0"/>
-              <a:t> Lorem ipsum dolor sit </a:t>
-            </a:r>
-            <a:r>
-              <a:rPr lang="en-US" sz="3200" dirty="0" err="1"/>
-              <a:t>amet</a:t>
-            </a:r>
-            <a:r>
-              <a:rPr lang="en-US" sz="3200" dirty="0"/>
-              <a:t>, </a:t>
-            </a:r>
-            <a:r>
-              <a:rPr lang="en-US" sz="3200" dirty="0" err="1"/>
-              <a:t>consectetur</a:t>
-            </a:r>
-            <a:r>
-              <a:rPr lang="en-US" sz="3200" dirty="0"/>
-              <a:t> </a:t>
-            </a:r>
-            <a:r>
-              <a:rPr lang="en-US" sz="3200" dirty="0" err="1"/>
-              <a:t>adipiscing</a:t>
-            </a:r>
-            <a:r>
-              <a:rPr lang="en-US" sz="3200" dirty="0"/>
-              <a:t> </a:t>
-            </a:r>
-            <a:r>
-              <a:rPr lang="en-US" sz="3200" dirty="0" err="1"/>
-              <a:t>elit</a:t>
-            </a:r>
-            <a:r>
-              <a:rPr lang="en-US" sz="3200" dirty="0"/>
-              <a:t>. </a:t>
-            </a:r>
-            <a:r>
-              <a:rPr lang="en-US" sz="3200" dirty="0" err="1"/>
-              <a:t>Aliquam</a:t>
-            </a:r>
-            <a:r>
-              <a:rPr lang="en-US" sz="3200" dirty="0"/>
-              <a:t> </a:t>
-            </a:r>
-            <a:r>
-              <a:rPr lang="en-US" sz="3200" dirty="0" err="1"/>
-              <a:t>hendrerit</a:t>
-            </a:r>
-            <a:r>
-              <a:rPr lang="en-US" sz="3200" dirty="0"/>
-              <a:t> </a:t>
-            </a:r>
-            <a:r>
-              <a:rPr lang="en-US" sz="3200" dirty="0" err="1"/>
-              <a:t>laoreet</a:t>
-            </a:r>
-            <a:r>
-              <a:rPr lang="en-US" sz="3200" dirty="0"/>
-              <a:t> ante </a:t>
-            </a:r>
-            <a:r>
-              <a:rPr lang="en-US" sz="3200" dirty="0" err="1"/>
-              <a:t>eget</a:t>
-            </a:r>
-            <a:r>
-              <a:rPr lang="en-US" sz="3200" dirty="0"/>
-              <a:t> </a:t>
-            </a:r>
-            <a:r>
-              <a:rPr lang="en-US" sz="3200" dirty="0" err="1"/>
-              <a:t>commodo</a:t>
-            </a:r>
-            <a:r>
-              <a:rPr lang="en-US" sz="3200" dirty="0"/>
-              <a:t>. </a:t>
-            </a:r>
-            <a:r>
-              <a:rPr lang="en-US" sz="3200" dirty="0" err="1"/>
-              <a:t>Aliquam</a:t>
-            </a:r>
-            <a:r>
-              <a:rPr lang="en-US" sz="3200" dirty="0"/>
-              <a:t> </a:t>
-            </a:r>
-            <a:r>
-              <a:rPr lang="en-US" sz="3200" dirty="0" err="1"/>
-              <a:t>erat</a:t>
-            </a:r>
-            <a:r>
-              <a:rPr lang="en-US" sz="3200" dirty="0"/>
-              <a:t> </a:t>
-            </a:r>
-            <a:r>
-              <a:rPr lang="en-US" sz="3200" dirty="0" err="1"/>
-              <a:t>volutpat</a:t>
-            </a:r>
-            <a:r>
-              <a:rPr lang="en-US" sz="3200" dirty="0"/>
-              <a:t>. </a:t>
-            </a:r>
-            <a:r>
-              <a:rPr lang="en-US" sz="3200" dirty="0" err="1"/>
-              <a:t>Curabitur</a:t>
-            </a:r>
-            <a:r>
-              <a:rPr lang="en-US" sz="3200" dirty="0"/>
-              <a:t> </a:t>
-            </a:r>
-            <a:r>
-              <a:rPr lang="en-US" sz="3200" dirty="0" err="1"/>
-              <a:t>nunc</a:t>
-            </a:r>
-            <a:r>
-              <a:rPr lang="en-US" sz="3200" dirty="0"/>
-              <a:t> </a:t>
-            </a:r>
-            <a:r>
-              <a:rPr lang="en-US" sz="3200" dirty="0" err="1"/>
-              <a:t>nibh</a:t>
-            </a:r>
-            <a:r>
-              <a:rPr lang="en-US" sz="3200" dirty="0"/>
-              <a:t>, </a:t>
-            </a:r>
-            <a:r>
-              <a:rPr lang="en-US" sz="3200" dirty="0" err="1"/>
-              <a:t>luctus</a:t>
-            </a:r>
-            <a:r>
-              <a:rPr lang="en-US" sz="3200" dirty="0"/>
-              <a:t> </a:t>
-            </a:r>
-            <a:r>
-              <a:rPr lang="en-US" sz="3200" dirty="0" err="1"/>
-              <a:t>quis</a:t>
-            </a:r>
-            <a:r>
-              <a:rPr lang="en-US" sz="3200" dirty="0"/>
-              <a:t> eros vel, </a:t>
-            </a:r>
-            <a:r>
-              <a:rPr lang="en-US" sz="3200" dirty="0" err="1"/>
-              <a:t>aliquet</a:t>
-            </a:r>
-            <a:r>
-              <a:rPr lang="en-US" sz="3200" dirty="0"/>
-              <a:t> </a:t>
-            </a:r>
-            <a:r>
-              <a:rPr lang="en-US" sz="3200" dirty="0" err="1"/>
-              <a:t>laoreet</a:t>
-            </a:r>
-            <a:r>
-              <a:rPr lang="en-US" sz="3200" dirty="0"/>
-              <a:t> </a:t>
-            </a:r>
-            <a:r>
-              <a:rPr lang="en-US" sz="3200" dirty="0" err="1"/>
-              <a:t>urna</a:t>
-            </a:r>
-            <a:r>
-              <a:rPr lang="en-US" sz="3200" dirty="0"/>
-              <a:t>. </a:t>
-            </a:r>
-            <a:r>
-              <a:rPr lang="en-US" sz="3200" dirty="0" err="1"/>
-              <a:t>Aliquam</a:t>
-            </a:r>
-            <a:r>
-              <a:rPr lang="en-US" sz="3200" dirty="0"/>
-              <a:t> </a:t>
-            </a:r>
-            <a:r>
-              <a:rPr lang="en-US" sz="3200" dirty="0" err="1"/>
-              <a:t>erat</a:t>
-            </a:r>
-            <a:r>
-              <a:rPr lang="en-US" sz="3200" dirty="0"/>
-              <a:t> </a:t>
-            </a:r>
-            <a:r>
-              <a:rPr lang="en-US" sz="3200" dirty="0" err="1"/>
-              <a:t>volutpat</a:t>
-            </a:r>
-            <a:r>
-              <a:rPr lang="en-US" sz="3200" dirty="0"/>
-              <a:t>. </a:t>
-            </a:r>
-            <a:r>
-              <a:rPr lang="en-US" sz="3200" dirty="0" err="1"/>
-              <a:t>Mauris</a:t>
-            </a:r>
-            <a:r>
-              <a:rPr lang="en-US" sz="3200" dirty="0"/>
-              <a:t> </a:t>
-            </a:r>
-            <a:r>
-              <a:rPr lang="en-US" sz="3200" dirty="0" err="1"/>
-              <a:t>ultrices</a:t>
-            </a:r>
-            <a:r>
-              <a:rPr lang="en-US" sz="3200" dirty="0"/>
-              <a:t> mi id </a:t>
-            </a:r>
-            <a:r>
-              <a:rPr lang="en-US" sz="3200" dirty="0" err="1"/>
-              <a:t>erat</a:t>
-            </a:r>
-            <a:r>
-              <a:rPr lang="en-US" sz="3200" dirty="0"/>
-              <a:t> </a:t>
-            </a:r>
-            <a:r>
-              <a:rPr lang="en-US" sz="3200" dirty="0" err="1"/>
-              <a:t>efficitur</a:t>
-            </a:r>
-            <a:r>
-              <a:rPr lang="en-US" sz="3200" dirty="0"/>
-              <a:t>, at </a:t>
-            </a:r>
-            <a:r>
-              <a:rPr lang="en-US" sz="3200" dirty="0" err="1"/>
-              <a:t>mattis</a:t>
-            </a:r>
-            <a:r>
-              <a:rPr lang="en-US" sz="3200" dirty="0"/>
-              <a:t> lorem </a:t>
-            </a:r>
-            <a:r>
-              <a:rPr lang="en-US" sz="3200" dirty="0" err="1"/>
-              <a:t>mattis</a:t>
-            </a:r>
-            <a:r>
-              <a:rPr lang="en-US" sz="3200" dirty="0"/>
-              <a:t>. </a:t>
-            </a:r>
-            <a:r>
-              <a:rPr lang="en-US" sz="3200" dirty="0" err="1"/>
-              <a:t>Aliquam</a:t>
-            </a:r>
-            <a:r>
-              <a:rPr lang="en-US" sz="3200" dirty="0"/>
-              <a:t> </a:t>
-            </a:r>
-            <a:r>
-              <a:rPr lang="en-US" sz="3200" dirty="0" err="1"/>
-              <a:t>eu</a:t>
-            </a:r>
-            <a:r>
-              <a:rPr lang="en-US" sz="3200" dirty="0"/>
-              <a:t> lacinia eros. Sed </a:t>
-            </a:r>
-            <a:r>
-              <a:rPr lang="en-US" sz="3200" dirty="0" err="1"/>
-              <a:t>facilisis</a:t>
-            </a:r>
-            <a:r>
-              <a:rPr lang="en-US" sz="3200" dirty="0"/>
-              <a:t> </a:t>
-            </a:r>
-            <a:r>
-              <a:rPr lang="en-US" sz="3200" dirty="0" err="1"/>
-              <a:t>neque</a:t>
-            </a:r>
-            <a:r>
-              <a:rPr lang="en-US" sz="3200" dirty="0"/>
-              <a:t> </a:t>
-            </a:r>
-            <a:r>
-              <a:rPr lang="en-US" sz="3200" dirty="0" err="1"/>
-              <a:t>tortor</a:t>
-            </a:r>
-            <a:r>
-              <a:rPr lang="en-US" sz="3200" dirty="0"/>
-              <a:t>, id porta </a:t>
-            </a:r>
-            <a:r>
-              <a:rPr lang="en-US" sz="3200" dirty="0" err="1"/>
-              <a:t>sem</a:t>
-            </a:r>
-            <a:r>
-              <a:rPr lang="en-US" sz="3200" dirty="0"/>
-              <a:t> </a:t>
-            </a:r>
-            <a:r>
-              <a:rPr lang="en-US" sz="3200" dirty="0" err="1"/>
-              <a:t>pellentesque</a:t>
-            </a:r>
-            <a:r>
-              <a:rPr lang="en-US" sz="3200" dirty="0"/>
-              <a:t> dictum. </a:t>
-            </a:r>
-            <a:r>
-              <a:rPr lang="en-US" sz="3200" dirty="0" err="1"/>
-              <a:t>Pellentesque</a:t>
-            </a:r>
-            <a:r>
-              <a:rPr lang="en-US" sz="3200" dirty="0"/>
-              <a:t> habitant </a:t>
-            </a:r>
-            <a:r>
-              <a:rPr lang="en-US" sz="3200" dirty="0" err="1"/>
-              <a:t>morbi</a:t>
-            </a:r>
-            <a:r>
-              <a:rPr lang="en-US" sz="3200" dirty="0"/>
-              <a:t> </a:t>
-            </a:r>
-            <a:r>
-              <a:rPr lang="en-US" sz="3200" dirty="0" err="1"/>
-              <a:t>tristique</a:t>
-            </a:r>
-            <a:r>
-              <a:rPr lang="en-US" sz="3200" dirty="0"/>
-              <a:t> </a:t>
-            </a:r>
-            <a:r>
-              <a:rPr lang="en-US" sz="3200" dirty="0" err="1"/>
-              <a:t>senectus</a:t>
-            </a:r>
-            <a:r>
-              <a:rPr lang="en-US" sz="3200" dirty="0"/>
-              <a:t> et </a:t>
-            </a:r>
-            <a:r>
-              <a:rPr lang="en-US" sz="3200" dirty="0" err="1"/>
-              <a:t>netus</a:t>
-            </a:r>
-            <a:r>
-              <a:rPr lang="en-US" sz="3200" dirty="0"/>
-              <a:t> et </a:t>
-            </a:r>
-            <a:r>
-              <a:rPr lang="en-US" sz="3200" dirty="0" err="1"/>
-              <a:t>malesuada</a:t>
-            </a:r>
-            <a:r>
-              <a:rPr lang="en-US" sz="3200" dirty="0"/>
-              <a:t> fames ac </a:t>
-            </a:r>
-            <a:r>
-              <a:rPr lang="en-US" sz="3200" dirty="0" err="1"/>
-              <a:t>turpis</a:t>
-            </a:r>
-            <a:r>
-              <a:rPr lang="en-US" sz="3200" dirty="0"/>
-              <a:t> </a:t>
-            </a:r>
-            <a:r>
-              <a:rPr lang="en-US" sz="3200" dirty="0" err="1"/>
-              <a:t>egestas</a:t>
-            </a:r>
-            <a:r>
-              <a:rPr lang="en-US" sz="3200" dirty="0"/>
-              <a:t>. Vestibulum </a:t>
-            </a:r>
-            <a:r>
-              <a:rPr lang="en-US" sz="3200" dirty="0" err="1"/>
-              <a:t>sem</a:t>
-            </a:r>
-            <a:r>
-              <a:rPr lang="en-US" sz="3200" dirty="0"/>
-              <a:t> </a:t>
-            </a:r>
-            <a:r>
-              <a:rPr lang="en-US" sz="3200" dirty="0" err="1"/>
-              <a:t>turpis</a:t>
-            </a:r>
-            <a:r>
-              <a:rPr lang="en-US" sz="3200" dirty="0"/>
-              <a:t>, </a:t>
-            </a:r>
-            <a:r>
-              <a:rPr lang="en-US" sz="3200" dirty="0" err="1"/>
-              <a:t>iaculis</a:t>
-            </a:r>
-            <a:r>
-              <a:rPr lang="en-US" sz="3200" dirty="0"/>
-              <a:t> et </a:t>
-            </a:r>
-            <a:r>
-              <a:rPr lang="en-US" sz="3200" dirty="0" err="1"/>
-              <a:t>lacus</a:t>
-            </a:r>
-            <a:r>
-              <a:rPr lang="en-US" sz="3200" dirty="0"/>
-              <a:t> </a:t>
-            </a:r>
-            <a:r>
-              <a:rPr lang="en-US" sz="3200" dirty="0" err="1"/>
-              <a:t>nec</a:t>
-            </a:r>
-            <a:r>
-              <a:rPr lang="en-US" sz="3200" dirty="0"/>
-              <a:t>, </a:t>
-            </a:r>
-            <a:r>
-              <a:rPr lang="en-US" sz="3200" dirty="0" err="1"/>
-              <a:t>rutrum</a:t>
-            </a:r>
-            <a:r>
-              <a:rPr lang="en-US" sz="3200" dirty="0"/>
-              <a:t> </a:t>
-            </a:r>
-            <a:r>
-              <a:rPr lang="en-US" sz="3200" dirty="0" err="1"/>
-              <a:t>laoreet</a:t>
-            </a:r>
-            <a:r>
-              <a:rPr lang="en-US" sz="3200" dirty="0"/>
-              <a:t> mi. Donec ligula </a:t>
-            </a:r>
-            <a:r>
-              <a:rPr lang="en-US" sz="3200" dirty="0" err="1"/>
-              <a:t>felis</a:t>
-            </a:r>
-            <a:r>
-              <a:rPr lang="en-US" sz="3200" dirty="0"/>
-              <a:t>, </a:t>
-            </a:r>
-            <a:r>
-              <a:rPr lang="en-US" sz="3200" dirty="0" err="1"/>
-              <a:t>eleifend</a:t>
-            </a:r>
-            <a:r>
-              <a:rPr lang="en-US" sz="3200" dirty="0"/>
-              <a:t> </a:t>
-            </a:r>
-            <a:r>
-              <a:rPr lang="en-US" sz="3200" dirty="0" err="1"/>
-              <a:t>imperdiet</a:t>
-            </a:r>
-            <a:r>
-              <a:rPr lang="en-US" sz="3200" dirty="0"/>
-              <a:t> </a:t>
-            </a:r>
-            <a:r>
-              <a:rPr lang="en-US" sz="3200" dirty="0" err="1"/>
-              <a:t>ullamcorper</a:t>
-            </a:r>
-            <a:r>
-              <a:rPr lang="en-US" sz="3200" dirty="0"/>
-              <a:t> non, </a:t>
-            </a:r>
-            <a:r>
-              <a:rPr lang="en-US" sz="3200" dirty="0" err="1"/>
-              <a:t>tincidunt</a:t>
-            </a:r>
-            <a:r>
-              <a:rPr lang="en-US" sz="3200" dirty="0"/>
-              <a:t> vel </a:t>
-            </a:r>
-            <a:r>
-              <a:rPr lang="en-US" sz="3200" dirty="0" err="1"/>
-              <a:t>nunc</a:t>
-            </a:r>
-            <a:r>
-              <a:rPr lang="en-US" sz="3200" dirty="0"/>
-              <a:t>. Sed sed </a:t>
-            </a:r>
-            <a:r>
-              <a:rPr lang="en-US" sz="3200" dirty="0" err="1"/>
-              <a:t>congue</a:t>
-            </a:r>
-            <a:r>
-              <a:rPr lang="en-US" sz="3200" dirty="0"/>
-              <a:t> </a:t>
-            </a:r>
-            <a:r>
-              <a:rPr lang="en-US" sz="3200" dirty="0" err="1"/>
-              <a:t>lacus</a:t>
-            </a:r>
-            <a:r>
-              <a:rPr lang="en-US" sz="3200" dirty="0"/>
-              <a:t>, sit </a:t>
-            </a:r>
-            <a:r>
-              <a:rPr lang="en-US" sz="3200" dirty="0" err="1"/>
-              <a:t>amet</a:t>
-            </a:r>
-            <a:r>
-              <a:rPr lang="en-US" sz="3200" dirty="0"/>
-              <a:t> </a:t>
-            </a:r>
-            <a:r>
-              <a:rPr lang="en-US" sz="3200" dirty="0" err="1"/>
-              <a:t>elementum</a:t>
-            </a:r>
-            <a:r>
-              <a:rPr lang="en-US" sz="3200" dirty="0"/>
-              <a:t> </a:t>
-            </a:r>
-            <a:r>
-              <a:rPr lang="en-US" sz="3200" dirty="0" err="1"/>
-              <a:t>purus</a:t>
-            </a:r>
-            <a:r>
-              <a:rPr lang="en-US" sz="3200" dirty="0"/>
-              <a:t>. </a:t>
-            </a:r>
-            <a:r>
-              <a:rPr lang="en-US" sz="3200" dirty="0" err="1"/>
-              <a:t>Orci</a:t>
-            </a:r>
-            <a:r>
-              <a:rPr lang="en-US" sz="3200" dirty="0"/>
-              <a:t> </a:t>
-            </a:r>
-            <a:r>
-              <a:rPr lang="en-US" sz="3200" dirty="0" err="1"/>
-              <a:t>varius</a:t>
-            </a:r>
-            <a:r>
-              <a:rPr lang="en-US" sz="3200" dirty="0"/>
-              <a:t> </a:t>
-            </a:r>
-            <a:r>
-              <a:rPr lang="en-US" sz="3200" dirty="0" err="1"/>
-              <a:t>natoque</a:t>
-            </a:r>
-            <a:r>
-              <a:rPr lang="en-US" sz="3200" dirty="0"/>
-              <a:t> </a:t>
-            </a:r>
-            <a:r>
-              <a:rPr lang="en-US" sz="3200" dirty="0" err="1"/>
-              <a:t>penatibus</a:t>
-            </a:r>
-            <a:r>
-              <a:rPr lang="en-US" sz="3200" dirty="0"/>
-              <a:t> et </a:t>
-            </a:r>
-            <a:r>
-              <a:rPr lang="en-US" sz="3200" dirty="0" err="1"/>
-              <a:t>magnis</a:t>
-            </a:r>
-            <a:r>
-              <a:rPr lang="en-US" sz="3200" dirty="0"/>
-              <a:t> dis parturient </a:t>
-            </a:r>
-            <a:r>
-              <a:rPr lang="en-US" sz="3200" dirty="0" err="1"/>
-              <a:t>montes</a:t>
-            </a:r>
-            <a:r>
-              <a:rPr lang="en-US" sz="3200" dirty="0"/>
-              <a:t>, </a:t>
-            </a:r>
-            <a:r>
-              <a:rPr lang="en-US" sz="3200" dirty="0" err="1"/>
-              <a:t>nascetur</a:t>
-            </a:r>
-            <a:r>
-              <a:rPr lang="en-US" sz="3200" dirty="0"/>
-              <a:t> </a:t>
-            </a:r>
-            <a:r>
-              <a:rPr lang="en-US" sz="3200" dirty="0" err="1"/>
-              <a:t>ridiculus</a:t>
-            </a:r>
-            <a:r>
-              <a:rPr lang="en-US" sz="3200" dirty="0"/>
-              <a:t> mus. In vel </a:t>
-            </a:r>
-            <a:r>
-              <a:rPr lang="en-US" sz="3200" dirty="0" err="1"/>
-              <a:t>ultrices</a:t>
-            </a:r>
-            <a:r>
-              <a:rPr lang="en-US" sz="3200" dirty="0"/>
-              <a:t> magna. In vel </a:t>
-            </a:r>
-            <a:r>
-              <a:rPr lang="en-US" sz="3200" dirty="0" err="1"/>
-              <a:t>justo</a:t>
-            </a:r>
-            <a:r>
-              <a:rPr lang="en-US" sz="3200" dirty="0"/>
-              <a:t> </a:t>
-            </a:r>
-            <a:r>
-              <a:rPr lang="en-US" sz="3200" dirty="0" err="1"/>
-              <a:t>nec</a:t>
-            </a:r>
-            <a:r>
-              <a:rPr lang="en-US" sz="3200" dirty="0"/>
-              <a:t> </a:t>
-            </a:r>
-            <a:r>
-              <a:rPr lang="en-US" sz="3200" dirty="0" err="1"/>
-              <a:t>turpis</a:t>
-            </a:r>
-            <a:r>
-              <a:rPr lang="en-US" sz="3200" dirty="0"/>
-              <a:t> </a:t>
-            </a:r>
-            <a:r>
-              <a:rPr lang="en-US" sz="3200" dirty="0" err="1"/>
-              <a:t>malesuada</a:t>
-            </a:r>
-            <a:r>
-              <a:rPr lang="en-US" sz="3200" dirty="0"/>
-              <a:t> </a:t>
-            </a:r>
-            <a:r>
-              <a:rPr lang="en-US" sz="3200" dirty="0" err="1"/>
-              <a:t>elementum</a:t>
-            </a:r>
-            <a:r>
-              <a:rPr lang="en-US" sz="3200" dirty="0"/>
-              <a:t>. Sed </a:t>
-            </a:r>
-            <a:r>
-              <a:rPr lang="en-US" sz="3200" dirty="0" err="1"/>
-              <a:t>ultricies</a:t>
-            </a:r>
-            <a:r>
-              <a:rPr lang="en-US" sz="3200" dirty="0"/>
-              <a:t> ipsum </a:t>
-            </a:r>
-            <a:r>
-              <a:rPr lang="en-US" sz="3200" dirty="0" err="1"/>
-              <a:t>ut</a:t>
-            </a:r>
-            <a:r>
-              <a:rPr lang="en-US" sz="3200" dirty="0"/>
-              <a:t> </a:t>
-            </a:r>
-            <a:r>
-              <a:rPr lang="en-US" sz="3200" dirty="0" err="1"/>
-              <a:t>malesuada</a:t>
-            </a:r>
-            <a:r>
-              <a:rPr lang="en-US" sz="3200" dirty="0"/>
-              <a:t> </a:t>
-            </a:r>
-            <a:r>
-              <a:rPr lang="en-US" sz="3200" dirty="0" err="1"/>
-              <a:t>eleifend</a:t>
-            </a:r>
-            <a:r>
-              <a:rPr lang="en-US" sz="3200" dirty="0"/>
+            <a:pPr rtl="0">
+              <a:spcBef>
+                <a:spcPts val="0"/>
+              </a:spcBef>
+              <a:spcAft>
+                <a:spcPts val="0"/>
+              </a:spcAft>
+            </a:pPr>
+            <a:r>
+              <a:rPr lang="en-US" sz="3200" dirty="0"/>
+              <a:t> </a:t>
+            </a:r>
+            <a:r>
+              <a:rPr lang="en-US" sz="3200" b="0" i="0" u="none" strike="noStrike" dirty="0">
+                <a:solidFill>
+                  <a:srgbClr val="000000"/>
+                </a:solidFill>
+                <a:effectLst/>
+              </a:rPr>
+              <a:t>Our proposal is for a web based application called The Palette Picker. The Palette Picker will allow users to create personalized five color sets, and then share those patterns with friends and the community. These palettes can be referenced when creating pottery, painting your home, using a digital art program, or other activities that utilize color and require a cohesive look or feel</a:t>
+            </a:r>
+            <a:r>
+              <a:rPr lang="en-US" sz="3200" b="0" i="0" u="none" strike="noStrike" dirty="0">
+                <a:solidFill>
+                  <a:srgbClr val="000000"/>
+                </a:solidFill>
+                <a:effectLst/>
+                <a:latin typeface="Arial" panose="020B0604020202020204" pitchFamily="34" charset="0"/>
+              </a:rPr>
               <a:t>.</a:t>
             </a:r>
-          </a:p>
-          <a:p>
-            <a:pPr algn="just"/>
+            <a:endParaRPr lang="en-US" sz="3200" b="0" dirty="0">
+              <a:effectLst/>
+            </a:endParaRPr>
+          </a:p>
+          <a:p>
+            <a:pPr rtl="0" fontAlgn="base">
+              <a:spcBef>
+                <a:spcPts val="0"/>
+              </a:spcBef>
+              <a:spcAft>
+                <a:spcPts val="0"/>
+              </a:spcAft>
+            </a:pPr>
+            <a:br>
+              <a:rPr lang="en-US" sz="800" dirty="0"/>
+            </a:br>
             <a:endParaRPr lang="en-US" sz="3200" dirty="0"/>
-          </a:p>
-          <a:p>
-            <a:pPr algn="just"/>
-            <a:r>
-              <a:rPr lang="en-US" sz="3200" dirty="0" err="1"/>
-              <a:t>Nulla</a:t>
-            </a:r>
-            <a:r>
-              <a:rPr lang="en-US" sz="3200" dirty="0"/>
-              <a:t> </a:t>
-            </a:r>
-            <a:r>
-              <a:rPr lang="en-US" sz="3200" dirty="0" err="1"/>
-              <a:t>facilisi</a:t>
-            </a:r>
-            <a:r>
-              <a:rPr lang="en-US" sz="3200" dirty="0"/>
-              <a:t>. </a:t>
-            </a:r>
-            <a:r>
-              <a:rPr lang="en-US" sz="3200" dirty="0" err="1"/>
-              <a:t>Praesent</a:t>
-            </a:r>
-            <a:r>
-              <a:rPr lang="en-US" sz="3200" dirty="0"/>
-              <a:t> id dui a </a:t>
-            </a:r>
-            <a:r>
-              <a:rPr lang="en-US" sz="3200" dirty="0" err="1"/>
-              <a:t>orci</a:t>
-            </a:r>
-            <a:r>
-              <a:rPr lang="en-US" sz="3200" dirty="0"/>
-              <a:t> </a:t>
-            </a:r>
-            <a:r>
-              <a:rPr lang="en-US" sz="3200" dirty="0" err="1"/>
-              <a:t>molestie</a:t>
-            </a:r>
-            <a:r>
-              <a:rPr lang="en-US" sz="3200" dirty="0"/>
-              <a:t> </a:t>
-            </a:r>
-            <a:r>
-              <a:rPr lang="en-US" sz="3200" dirty="0" err="1"/>
-              <a:t>hendrerit</a:t>
-            </a:r>
-            <a:r>
-              <a:rPr lang="en-US" sz="3200" dirty="0"/>
-              <a:t>. Donec eros </a:t>
-            </a:r>
-            <a:r>
-              <a:rPr lang="en-US" sz="3200" dirty="0" err="1"/>
-              <a:t>turpis</a:t>
-            </a:r>
-            <a:r>
-              <a:rPr lang="en-US" sz="3200" dirty="0"/>
-              <a:t>, </a:t>
-            </a:r>
-            <a:r>
-              <a:rPr lang="en-US" sz="3200" dirty="0" err="1"/>
-              <a:t>eleifend</a:t>
-            </a:r>
-            <a:r>
-              <a:rPr lang="en-US" sz="3200" dirty="0"/>
-              <a:t> </a:t>
-            </a:r>
-            <a:r>
-              <a:rPr lang="en-US" sz="3200" dirty="0" err="1"/>
-              <a:t>nec</a:t>
-            </a:r>
-            <a:r>
-              <a:rPr lang="en-US" sz="3200" dirty="0"/>
-              <a:t> convallis vitae, </a:t>
-            </a:r>
-            <a:r>
-              <a:rPr lang="en-US" sz="3200" dirty="0" err="1"/>
-              <a:t>venenatis</a:t>
-            </a:r>
-            <a:r>
-              <a:rPr lang="en-US" sz="3200" dirty="0"/>
-              <a:t> </a:t>
-            </a:r>
-            <a:r>
-              <a:rPr lang="en-US" sz="3200" dirty="0" err="1"/>
-              <a:t>quis</a:t>
-            </a:r>
-            <a:r>
-              <a:rPr lang="en-US" sz="3200" dirty="0"/>
-              <a:t> </a:t>
-            </a:r>
-            <a:r>
-              <a:rPr lang="en-US" sz="3200" dirty="0" err="1"/>
-              <a:t>justo</a:t>
-            </a:r>
-            <a:r>
-              <a:rPr lang="en-US" sz="3200" dirty="0"/>
-              <a:t>. Cras vel </a:t>
-            </a:r>
-            <a:r>
-              <a:rPr lang="en-US" sz="3200" dirty="0" err="1"/>
-              <a:t>malesuada</a:t>
-            </a:r>
-            <a:r>
-              <a:rPr lang="en-US" sz="3200" dirty="0"/>
-              <a:t> </a:t>
-            </a:r>
-            <a:r>
-              <a:rPr lang="en-US" sz="3200" dirty="0" err="1"/>
-              <a:t>metus</a:t>
-            </a:r>
-            <a:r>
-              <a:rPr lang="en-US" sz="3200" dirty="0"/>
-              <a:t>. Donec </a:t>
-            </a:r>
-            <a:r>
-              <a:rPr lang="en-US" sz="3200" dirty="0" err="1"/>
-              <a:t>ut</a:t>
-            </a:r>
-            <a:r>
-              <a:rPr lang="en-US" sz="3200" dirty="0"/>
-              <a:t> </a:t>
-            </a:r>
-            <a:r>
-              <a:rPr lang="en-US" sz="3200" dirty="0" err="1"/>
-              <a:t>elit</a:t>
-            </a:r>
-            <a:r>
-              <a:rPr lang="en-US" sz="3200" dirty="0"/>
-              <a:t> id ex </a:t>
-            </a:r>
-            <a:r>
-              <a:rPr lang="en-US" sz="3200" dirty="0" err="1"/>
-              <a:t>tincidunt</a:t>
-            </a:r>
-            <a:r>
-              <a:rPr lang="en-US" sz="3200" dirty="0"/>
-              <a:t> </a:t>
-            </a:r>
-            <a:r>
-              <a:rPr lang="en-US" sz="3200" dirty="0" err="1"/>
-              <a:t>tristique</a:t>
-            </a:r>
-            <a:r>
-              <a:rPr lang="en-US" sz="3200" dirty="0"/>
-              <a:t>. Cras </a:t>
-            </a:r>
-            <a:r>
-              <a:rPr lang="en-US" sz="3200" dirty="0" err="1"/>
-              <a:t>facilisis</a:t>
-            </a:r>
-            <a:r>
-              <a:rPr lang="en-US" sz="3200" dirty="0"/>
-              <a:t> </a:t>
-            </a:r>
-            <a:r>
-              <a:rPr lang="en-US" sz="3200" dirty="0" err="1"/>
-              <a:t>sapien</a:t>
-            </a:r>
-            <a:r>
-              <a:rPr lang="en-US" sz="3200" dirty="0"/>
-              <a:t> </a:t>
-            </a:r>
-            <a:r>
-              <a:rPr lang="en-US" sz="3200" dirty="0" err="1"/>
-              <a:t>lacus</a:t>
-            </a:r>
-            <a:r>
-              <a:rPr lang="en-US" sz="3200" dirty="0"/>
-              <a:t>, </a:t>
-            </a:r>
-            <a:r>
-              <a:rPr lang="en-US" sz="3200" dirty="0" err="1"/>
-              <a:t>quis</a:t>
-            </a:r>
-            <a:r>
-              <a:rPr lang="en-US" sz="3200" dirty="0"/>
-              <a:t> </a:t>
-            </a:r>
-            <a:r>
-              <a:rPr lang="en-US" sz="3200" dirty="0" err="1"/>
-              <a:t>commodo</a:t>
-            </a:r>
-            <a:r>
-              <a:rPr lang="en-US" sz="3200" dirty="0"/>
-              <a:t> </a:t>
-            </a:r>
-            <a:r>
-              <a:rPr lang="en-US" sz="3200" dirty="0" err="1"/>
-              <a:t>est</a:t>
-            </a:r>
-            <a:r>
-              <a:rPr lang="en-US" sz="3200" dirty="0"/>
-              <a:t> </a:t>
-            </a:r>
-            <a:r>
-              <a:rPr lang="en-US" sz="3200" dirty="0" err="1"/>
-              <a:t>posuere</a:t>
-            </a:r>
-            <a:r>
-              <a:rPr lang="en-US" sz="3200" dirty="0"/>
-              <a:t> ac. </a:t>
-            </a:r>
-            <a:r>
-              <a:rPr lang="en-US" sz="3200" dirty="0" err="1"/>
-              <a:t>Fusce</a:t>
-            </a:r>
-            <a:r>
-              <a:rPr lang="en-US" sz="3200" dirty="0"/>
-              <a:t> </a:t>
-            </a:r>
-            <a:r>
-              <a:rPr lang="en-US" sz="3200" dirty="0" err="1"/>
-              <a:t>tincidunt</a:t>
-            </a:r>
-            <a:r>
-              <a:rPr lang="en-US" sz="3200" dirty="0"/>
-              <a:t> </a:t>
-            </a:r>
-            <a:r>
-              <a:rPr lang="en-US" sz="3200" dirty="0" err="1"/>
-              <a:t>ullamcorper</a:t>
-            </a:r>
-            <a:r>
-              <a:rPr lang="en-US" sz="3200" dirty="0"/>
-              <a:t> </a:t>
-            </a:r>
-            <a:r>
-              <a:rPr lang="en-US" sz="3200" dirty="0" err="1"/>
-              <a:t>leo</a:t>
-            </a:r>
-            <a:r>
-              <a:rPr lang="en-US" sz="3200" dirty="0"/>
-              <a:t> at </a:t>
-            </a:r>
-            <a:r>
-              <a:rPr lang="en-US" sz="3200" dirty="0" err="1"/>
-              <a:t>egestas</a:t>
-            </a:r>
-            <a:r>
-              <a:rPr lang="en-US" sz="3200" dirty="0"/>
-              <a:t>. </a:t>
-            </a:r>
           </a:p>
         </p:txBody>
       </p:sp>
@@ -4479,7 +3659,7 @@
                   <a:srgbClr val="BB1C3F"/>
                 </a:solidFill>
               </a:rPr>
-              <a:t>This is the title of the poster</a:t>
+              <a:t>Palette Picker</a:t>
             </a:r>
           </a:p>
         </p:txBody>
@@ -4509,7 +3689,15 @@
             <a:pPr algn="ctr"/>
             <a:r>
               <a:rPr lang="en-US" sz="5400" dirty="0"/>
-              <a:t>Comma separated list of authors</a:t>
+              <a:t>Simon Stockton, Lily Thompson, Victoria </a:t>
+            </a:r>
+            <a:r>
+              <a:rPr lang="en-US" sz="5400" dirty="0" err="1"/>
+              <a:t>Senn</a:t>
+            </a:r>
+            <a:r>
+              <a:rPr lang="en-US" sz="5400" dirty="0"/>
+              <a:t>, Eric Brewer</a:t>
             </a:r>
           </a:p>
         </p:txBody>
@@ -4545,11 +3733,7 @@
             <a:pPr algn="ctr"/>
             <a:r>
               <a:rPr lang="en-US" sz="5400" dirty="0"/>
-              <a:t>Dept. Of Computer Science and </a:t>
-            </a:r>
-            <a:r>
-              <a:rPr lang="en-US" sz="5400"/>
-              <a:t>Information Technology</a:t>
+              <a:t>Dept. Of Computer Science and Information Technology</a:t>
             </a:r>
           </a:p>
         </p:txBody>
@@ -5841,7 +5025,7 @@
         <p:spPr>
           <a:xfrm>
             <a:off x="20116800" y="7315200"/>
-            <a:ext cx="7543800" cy="10433625"/>
+            <a:ext cx="7543800" cy="10926068"/>
           </a:xfrm>
           <a:prstGeom prst="rect">
             <a:avLst/>
@@ -5870,647 +5054,55 @@
             <a:pPr algn="just"/>
             <a:r>
               <a:rPr lang="en-US" sz="3200" dirty="0"/>
-              <a:t> Lorem ipsum dolor sit </a:t>
-            </a:r>
-            <a:r>
-              <a:rPr lang="en-US" sz="3200" dirty="0" err="1"/>
-              <a:t>amet</a:t>
-            </a:r>
-            <a:r>
-              <a:rPr lang="en-US" sz="3200" dirty="0"/>
-              <a:t>, </a:t>
-            </a:r>
-            <a:r>
-              <a:rPr lang="en-US" sz="3200" dirty="0" err="1"/>
-              <a:t>consectetur</a:t>
-            </a:r>
-            <a:r>
-              <a:rPr lang="en-US" sz="3200" dirty="0"/>
-              <a:t> </a:t>
-            </a:r>
-            <a:r>
-              <a:rPr lang="en-US" sz="3200" dirty="0" err="1"/>
-              <a:t>adipiscing</a:t>
-            </a:r>
-            <a:r>
-              <a:rPr lang="en-US" sz="3200" dirty="0"/>
-              <a:t> </a:t>
-            </a:r>
-            <a:r>
-              <a:rPr lang="en-US" sz="3200" dirty="0" err="1"/>
-              <a:t>elit</a:t>
-            </a:r>
-            <a:r>
-              <a:rPr lang="en-US" sz="3200" dirty="0"/>
-              <a:t>. </a:t>
-            </a:r>
-            <a:r>
-              <a:rPr lang="en-US" sz="3200" dirty="0" err="1"/>
-              <a:t>Aliquam</a:t>
-            </a:r>
-            <a:r>
-              <a:rPr lang="en-US" sz="3200" dirty="0"/>
-              <a:t> </a:t>
-            </a:r>
-            <a:r>
-              <a:rPr lang="en-US" sz="3200" dirty="0" err="1"/>
-              <a:t>hendrerit</a:t>
-            </a:r>
-            <a:r>
-              <a:rPr lang="en-US" sz="3200" dirty="0"/>
-              <a:t> </a:t>
-            </a:r>
-            <a:r>
-              <a:rPr lang="en-US" sz="3200" dirty="0" err="1"/>
-              <a:t>laoreet</a:t>
-            </a:r>
-            <a:r>
-              <a:rPr lang="en-US" sz="3200" dirty="0"/>
-              <a:t> ante </a:t>
-            </a:r>
-            <a:r>
-              <a:rPr lang="en-US" sz="3200" dirty="0" err="1"/>
-              <a:t>eget</a:t>
-            </a:r>
-            <a:r>
-              <a:rPr lang="en-US" sz="3200" dirty="0"/>
-              <a:t> </a:t>
-            </a:r>
-            <a:r>
-              <a:rPr lang="en-US" sz="3200" dirty="0" err="1"/>
-              <a:t>commodo</a:t>
-            </a:r>
-            <a:r>
-              <a:rPr lang="en-US" sz="3200" dirty="0"/>
-              <a:t>. </a:t>
-            </a:r>
-            <a:r>
-              <a:rPr lang="en-US" sz="3200" dirty="0" err="1"/>
-              <a:t>Aliquam</a:t>
-            </a:r>
-            <a:r>
-              <a:rPr lang="en-US" sz="3200" dirty="0"/>
-              <a:t> </a:t>
-            </a:r>
-            <a:r>
-              <a:rPr lang="en-US" sz="3200" dirty="0" err="1"/>
-              <a:t>erat</a:t>
-            </a:r>
-            <a:r>
-              <a:rPr lang="en-US" sz="3200" dirty="0"/>
-              <a:t> </a:t>
-            </a:r>
-            <a:r>
-              <a:rPr lang="en-US" sz="3200" dirty="0" err="1"/>
-              <a:t>volutpat</a:t>
-            </a:r>
-            <a:r>
-              <a:rPr lang="en-US" sz="3200" dirty="0"/>
-              <a:t>. </a:t>
-            </a:r>
-            <a:r>
-              <a:rPr lang="en-US" sz="3200" dirty="0" err="1"/>
-              <a:t>Curabitur</a:t>
-            </a:r>
-            <a:r>
-              <a:rPr lang="en-US" sz="3200" dirty="0"/>
-              <a:t> </a:t>
-            </a:r>
-            <a:r>
-              <a:rPr lang="en-US" sz="3200" dirty="0" err="1"/>
-              <a:t>nunc</a:t>
-            </a:r>
-            <a:r>
-              <a:rPr lang="en-US" sz="3200" dirty="0"/>
-              <a:t> </a:t>
-            </a:r>
-            <a:r>
-              <a:rPr lang="en-US" sz="3200" dirty="0" err="1"/>
-              <a:t>nibh</a:t>
-            </a:r>
-            <a:r>
-              <a:rPr lang="en-US" sz="3200" dirty="0"/>
-              <a:t>, </a:t>
-            </a:r>
-            <a:r>
-              <a:rPr lang="en-US" sz="3200" dirty="0" err="1"/>
-              <a:t>luctus</a:t>
-            </a:r>
-            <a:r>
-              <a:rPr lang="en-US" sz="3200" dirty="0"/>
-              <a:t> </a:t>
-            </a:r>
-            <a:r>
-              <a:rPr lang="en-US" sz="3200" dirty="0" err="1"/>
-              <a:t>quis</a:t>
-            </a:r>
-            <a:r>
-              <a:rPr lang="en-US" sz="3200" dirty="0"/>
-              <a:t> eros vel, </a:t>
-            </a:r>
-            <a:r>
-              <a:rPr lang="en-US" sz="3200" dirty="0" err="1"/>
-              <a:t>aliquet</a:t>
-            </a:r>
-            <a:r>
-              <a:rPr lang="en-US" sz="3200" dirty="0"/>
-              <a:t> </a:t>
-            </a:r>
-            <a:r>
-              <a:rPr lang="en-US" sz="3200" dirty="0" err="1"/>
-              <a:t>laoreet</a:t>
-            </a:r>
-            <a:r>
-              <a:rPr lang="en-US" sz="3200" dirty="0"/>
-              <a:t> </a:t>
-            </a:r>
-            <a:r>
-              <a:rPr lang="en-US" sz="3200" dirty="0" err="1"/>
-              <a:t>urna</a:t>
-            </a:r>
-            <a:r>
-              <a:rPr lang="en-US" sz="3200" dirty="0"/>
-              <a:t>. </a:t>
-            </a:r>
-            <a:r>
-              <a:rPr lang="en-US" sz="3200" dirty="0" err="1"/>
-              <a:t>Aliquam</a:t>
-            </a:r>
-            <a:r>
-              <a:rPr lang="en-US" sz="3200" dirty="0"/>
-              <a:t> </a:t>
-            </a:r>
-            <a:r>
-              <a:rPr lang="en-US" sz="3200" dirty="0" err="1"/>
-              <a:t>erat</a:t>
-            </a:r>
-            <a:r>
-              <a:rPr lang="en-US" sz="3200" dirty="0"/>
-              <a:t> </a:t>
-            </a:r>
-            <a:r>
-              <a:rPr lang="en-US" sz="3200" dirty="0" err="1"/>
-              <a:t>volutpat</a:t>
-            </a:r>
-            <a:r>
-              <a:rPr lang="en-US" sz="3200" dirty="0"/>
-              <a:t>. </a:t>
-            </a:r>
-            <a:r>
-              <a:rPr lang="en-US" sz="3200" dirty="0" err="1"/>
-              <a:t>Mauris</a:t>
-            </a:r>
-            <a:r>
-              <a:rPr lang="en-US" sz="3200" dirty="0"/>
-              <a:t> </a:t>
-            </a:r>
-            <a:r>
-              <a:rPr lang="en-US" sz="3200" dirty="0" err="1"/>
-              <a:t>ultrices</a:t>
-            </a:r>
-            <a:r>
-              <a:rPr lang="en-US" sz="3200" dirty="0"/>
-              <a:t> mi id </a:t>
-            </a:r>
-            <a:r>
-              <a:rPr lang="en-US" sz="3200" dirty="0" err="1"/>
-              <a:t>erat</a:t>
-            </a:r>
-            <a:r>
-              <a:rPr lang="en-US" sz="3200" dirty="0"/>
-              <a:t> </a:t>
-            </a:r>
-            <a:r>
-              <a:rPr lang="en-US" sz="3200" dirty="0" err="1"/>
-              <a:t>efficitur</a:t>
-            </a:r>
-            <a:r>
-              <a:rPr lang="en-US" sz="3200" dirty="0"/>
-              <a:t>, at </a:t>
-            </a:r>
-            <a:r>
-              <a:rPr lang="en-US" sz="3200" dirty="0" err="1"/>
-              <a:t>mattis</a:t>
-            </a:r>
-            <a:r>
-              <a:rPr lang="en-US" sz="3200" dirty="0"/>
-              <a:t> lorem </a:t>
-            </a:r>
-            <a:r>
-              <a:rPr lang="en-US" sz="3200" dirty="0" err="1"/>
-              <a:t>mattis</a:t>
-            </a:r>
-            <a:r>
-              <a:rPr lang="en-US" sz="3200" dirty="0"/>
-              <a:t>. </a:t>
-            </a:r>
-            <a:r>
-              <a:rPr lang="en-US" sz="3200" dirty="0" err="1"/>
-              <a:t>Aliquam</a:t>
-            </a:r>
-            <a:r>
-              <a:rPr lang="en-US" sz="3200" dirty="0"/>
-              <a:t> </a:t>
-            </a:r>
-            <a:r>
-              <a:rPr lang="en-US" sz="3200" dirty="0" err="1"/>
-              <a:t>eu</a:t>
-            </a:r>
-            <a:r>
-              <a:rPr lang="en-US" sz="3200" dirty="0"/>
-              <a:t> lacinia eros. Sed </a:t>
-            </a:r>
-            <a:r>
-              <a:rPr lang="en-US" sz="3200" dirty="0" err="1"/>
-              <a:t>facilisis</a:t>
-            </a:r>
-            <a:r>
-              <a:rPr lang="en-US" sz="3200" dirty="0"/>
-              <a:t> </a:t>
-            </a:r>
-            <a:r>
-              <a:rPr lang="en-US" sz="3200" dirty="0" err="1"/>
-              <a:t>neque</a:t>
-            </a:r>
-            <a:r>
-              <a:rPr lang="en-US" sz="3200" dirty="0"/>
-              <a:t> </a:t>
-            </a:r>
-            <a:r>
-              <a:rPr lang="en-US" sz="3200" dirty="0" err="1"/>
-              <a:t>tortor</a:t>
-            </a:r>
-            <a:r>
-              <a:rPr lang="en-US" sz="3200" dirty="0"/>
-              <a:t>, id porta </a:t>
-            </a:r>
-            <a:r>
-              <a:rPr lang="en-US" sz="3200" dirty="0" err="1"/>
-              <a:t>sem</a:t>
-            </a:r>
-            <a:r>
-              <a:rPr lang="en-US" sz="3200" dirty="0"/>
-              <a:t> </a:t>
-            </a:r>
-            <a:r>
-              <a:rPr lang="en-US" sz="3200" dirty="0" err="1"/>
-              <a:t>pellentesque</a:t>
-            </a:r>
-            <a:r>
-              <a:rPr lang="en-US" sz="3200" dirty="0"/>
-              <a:t> dictum. </a:t>
-            </a:r>
-            <a:r>
-              <a:rPr lang="en-US" sz="3200" dirty="0" err="1"/>
-              <a:t>Pellentesque</a:t>
-            </a:r>
-            <a:r>
-              <a:rPr lang="en-US" sz="3200" dirty="0"/>
-              <a:t> habitant </a:t>
-            </a:r>
-            <a:r>
-              <a:rPr lang="en-US" sz="3200" dirty="0" err="1"/>
-              <a:t>morbi</a:t>
-            </a:r>
-            <a:r>
-              <a:rPr lang="en-US" sz="3200" dirty="0"/>
-              <a:t> </a:t>
-            </a:r>
-            <a:r>
-              <a:rPr lang="en-US" sz="3200" dirty="0" err="1"/>
-              <a:t>tristique</a:t>
-            </a:r>
-            <a:r>
-              <a:rPr lang="en-US" sz="3200" dirty="0"/>
-              <a:t> </a:t>
-            </a:r>
-            <a:r>
-              <a:rPr lang="en-US" sz="3200" dirty="0" err="1"/>
-              <a:t>senectus</a:t>
-            </a:r>
-            <a:r>
-              <a:rPr lang="en-US" sz="3200" dirty="0"/>
-              <a:t> et </a:t>
-            </a:r>
-            <a:r>
-              <a:rPr lang="en-US" sz="3200" dirty="0" err="1"/>
-              <a:t>netus</a:t>
-            </a:r>
-            <a:r>
-              <a:rPr lang="en-US" sz="3200" dirty="0"/>
-              <a:t> et </a:t>
-            </a:r>
-            <a:r>
-              <a:rPr lang="en-US" sz="3200" dirty="0" err="1"/>
-              <a:t>malesuada</a:t>
-            </a:r>
-            <a:r>
-              <a:rPr lang="en-US" sz="3200" dirty="0"/>
-              <a:t> fames ac </a:t>
-            </a:r>
-            <a:r>
-              <a:rPr lang="en-US" sz="3200" dirty="0" err="1"/>
-              <a:t>turpis</a:t>
-            </a:r>
-            <a:r>
-              <a:rPr lang="en-US" sz="3200" dirty="0"/>
-              <a:t> </a:t>
-            </a:r>
-            <a:r>
-              <a:rPr lang="en-US" sz="3200" dirty="0" err="1"/>
-              <a:t>egestas</a:t>
-            </a:r>
-            <a:r>
-              <a:rPr lang="en-US" sz="3200" dirty="0"/>
-              <a:t>. Vestibulum </a:t>
-            </a:r>
-            <a:r>
-              <a:rPr lang="en-US" sz="3200" dirty="0" err="1"/>
-              <a:t>sem</a:t>
-            </a:r>
-            <a:r>
-              <a:rPr lang="en-US" sz="3200" dirty="0"/>
-              <a:t> </a:t>
-            </a:r>
-            <a:r>
-              <a:rPr lang="en-US" sz="3200" dirty="0" err="1"/>
-              <a:t>turpis</a:t>
-            </a:r>
-            <a:r>
-              <a:rPr lang="en-US" sz="3200" dirty="0"/>
-              <a:t>, </a:t>
-            </a:r>
-            <a:r>
-              <a:rPr lang="en-US" sz="3200" dirty="0" err="1"/>
-              <a:t>iaculis</a:t>
-            </a:r>
-            <a:r>
-              <a:rPr lang="en-US" sz="3200" dirty="0"/>
-              <a:t> et </a:t>
-            </a:r>
-            <a:r>
-              <a:rPr lang="en-US" sz="3200" dirty="0" err="1"/>
-              <a:t>lacus</a:t>
-            </a:r>
-            <a:r>
-              <a:rPr lang="en-US" sz="3200" dirty="0"/>
-              <a:t> </a:t>
-            </a:r>
-            <a:r>
-              <a:rPr lang="en-US" sz="3200" dirty="0" err="1"/>
-              <a:t>nec</a:t>
-            </a:r>
-            <a:r>
-              <a:rPr lang="en-US" sz="3200" dirty="0"/>
-              <a:t>, </a:t>
-            </a:r>
-            <a:r>
-              <a:rPr lang="en-US" sz="3200" dirty="0" err="1"/>
-              <a:t>rutrum</a:t>
-            </a:r>
-            <a:r>
-              <a:rPr lang="en-US" sz="3200" dirty="0"/>
-              <a:t> </a:t>
-            </a:r>
-            <a:r>
-              <a:rPr lang="en-US" sz="3200" dirty="0" err="1"/>
-              <a:t>laoreet</a:t>
-            </a:r>
-            <a:r>
-              <a:rPr lang="en-US" sz="3200" dirty="0"/>
-              <a:t> mi. Donec ligula </a:t>
-            </a:r>
-            <a:r>
-              <a:rPr lang="en-US" sz="3200" dirty="0" err="1"/>
-              <a:t>felis</a:t>
-            </a:r>
-            <a:r>
-              <a:rPr lang="en-US" sz="3200" dirty="0"/>
-              <a:t>, </a:t>
-            </a:r>
-            <a:r>
-              <a:rPr lang="en-US" sz="3200" dirty="0" err="1"/>
-              <a:t>eleifend</a:t>
-            </a:r>
-            <a:r>
-              <a:rPr lang="en-US" sz="3200" dirty="0"/>
-              <a:t> </a:t>
-            </a:r>
-            <a:r>
-              <a:rPr lang="en-US" sz="3200" dirty="0" err="1"/>
-              <a:t>imperdiet</a:t>
-            </a:r>
-            <a:r>
-              <a:rPr lang="en-US" sz="3200" dirty="0"/>
-              <a:t> </a:t>
-            </a:r>
-            <a:r>
-              <a:rPr lang="en-US" sz="3200" dirty="0" err="1"/>
-              <a:t>ullamcorper</a:t>
-            </a:r>
-            <a:r>
-              <a:rPr lang="en-US" sz="3200" dirty="0"/>
-              <a:t> non, </a:t>
-            </a:r>
-            <a:r>
-              <a:rPr lang="en-US" sz="3200" dirty="0" err="1"/>
-              <a:t>tincidunt</a:t>
-            </a:r>
-            <a:r>
-              <a:rPr lang="en-US" sz="3200" dirty="0"/>
-              <a:t> vel </a:t>
-            </a:r>
-            <a:r>
-              <a:rPr lang="en-US" sz="3200" dirty="0" err="1"/>
-              <a:t>nunc</a:t>
-            </a:r>
-            <a:r>
-              <a:rPr lang="en-US" sz="3200" dirty="0"/>
-              <a:t>. Sed sed </a:t>
-            </a:r>
-            <a:r>
-              <a:rPr lang="en-US" sz="3200" dirty="0" err="1"/>
-              <a:t>congue</a:t>
-            </a:r>
-            <a:r>
-              <a:rPr lang="en-US" sz="3200" dirty="0"/>
-              <a:t> </a:t>
-            </a:r>
-            <a:r>
-              <a:rPr lang="en-US" sz="3200" dirty="0" err="1"/>
-              <a:t>lacus</a:t>
-            </a:r>
-            <a:r>
-              <a:rPr lang="en-US" sz="3200" dirty="0"/>
-              <a:t>, sit </a:t>
-            </a:r>
-            <a:r>
-              <a:rPr lang="en-US" sz="3200" dirty="0" err="1"/>
-              <a:t>amet</a:t>
-            </a:r>
-            <a:r>
-              <a:rPr lang="en-US" sz="3200" dirty="0"/>
-              <a:t> </a:t>
-            </a:r>
-            <a:r>
-              <a:rPr lang="en-US" sz="3200" dirty="0" err="1"/>
-              <a:t>elementum</a:t>
-            </a:r>
-            <a:r>
-              <a:rPr lang="en-US" sz="3200" dirty="0"/>
-              <a:t> </a:t>
-            </a:r>
-            <a:r>
-              <a:rPr lang="en-US" sz="3200" dirty="0" err="1"/>
-              <a:t>purus</a:t>
-            </a:r>
-            <a:r>
-              <a:rPr lang="en-US" sz="3200" dirty="0"/>
-              <a:t>. </a:t>
-            </a:r>
-            <a:r>
-              <a:rPr lang="en-US" sz="3200" dirty="0" err="1"/>
-              <a:t>Orci</a:t>
-            </a:r>
-            <a:r>
-              <a:rPr lang="en-US" sz="3200" dirty="0"/>
-              <a:t> </a:t>
-            </a:r>
-            <a:r>
-              <a:rPr lang="en-US" sz="3200" dirty="0" err="1"/>
-              <a:t>varius</a:t>
-            </a:r>
-            <a:r>
-              <a:rPr lang="en-US" sz="3200" dirty="0"/>
-              <a:t> </a:t>
-            </a:r>
-            <a:r>
-              <a:rPr lang="en-US" sz="3200" dirty="0" err="1"/>
-              <a:t>natoque</a:t>
-            </a:r>
-            <a:r>
-              <a:rPr lang="en-US" sz="3200" dirty="0"/>
-              <a:t> </a:t>
-            </a:r>
-            <a:r>
-              <a:rPr lang="en-US" sz="3200" dirty="0" err="1"/>
-              <a:t>penatibus</a:t>
-            </a:r>
-            <a:r>
-              <a:rPr lang="en-US" sz="3200" dirty="0"/>
-              <a:t> et </a:t>
-            </a:r>
-            <a:r>
-              <a:rPr lang="en-US" sz="3200" dirty="0" err="1"/>
-              <a:t>magnis</a:t>
-            </a:r>
-            <a:r>
-              <a:rPr lang="en-US" sz="3200" dirty="0"/>
-              <a:t> dis parturient </a:t>
-            </a:r>
-            <a:r>
-              <a:rPr lang="en-US" sz="3200" dirty="0" err="1"/>
-              <a:t>montes</a:t>
-            </a:r>
-            <a:r>
-              <a:rPr lang="en-US" sz="3200" dirty="0"/>
-              <a:t>, </a:t>
-            </a:r>
-            <a:r>
-              <a:rPr lang="en-US" sz="3200" dirty="0" err="1"/>
-              <a:t>nascetur</a:t>
-            </a:r>
-            <a:r>
-              <a:rPr lang="en-US" sz="3200" dirty="0"/>
-              <a:t> </a:t>
-            </a:r>
-            <a:r>
-              <a:rPr lang="en-US" sz="3200" dirty="0" err="1"/>
-              <a:t>ridiculus</a:t>
-            </a:r>
-            <a:r>
-              <a:rPr lang="en-US" sz="3200" dirty="0"/>
-              <a:t> mus. In vel </a:t>
-            </a:r>
-            <a:r>
-              <a:rPr lang="en-US" sz="3200" dirty="0" err="1"/>
-              <a:t>ultrices</a:t>
-            </a:r>
-            <a:r>
-              <a:rPr lang="en-US" sz="3200" dirty="0"/>
-              <a:t> magna. In vel </a:t>
-            </a:r>
-            <a:r>
-              <a:rPr lang="en-US" sz="3200" dirty="0" err="1"/>
-              <a:t>justo</a:t>
-            </a:r>
-            <a:r>
-              <a:rPr lang="en-US" sz="3200" dirty="0"/>
-              <a:t> </a:t>
-            </a:r>
-            <a:r>
-              <a:rPr lang="en-US" sz="3200" dirty="0" err="1"/>
-              <a:t>nec</a:t>
-            </a:r>
-            <a:r>
-              <a:rPr lang="en-US" sz="3200" dirty="0"/>
-              <a:t> </a:t>
-            </a:r>
-            <a:r>
-              <a:rPr lang="en-US" sz="3200" dirty="0" err="1"/>
-              <a:t>turpis</a:t>
-            </a:r>
-            <a:r>
-              <a:rPr lang="en-US" sz="3200" dirty="0"/>
-              <a:t> </a:t>
-            </a:r>
-            <a:r>
-              <a:rPr lang="en-US" sz="3200" dirty="0" err="1"/>
-              <a:t>malesuada</a:t>
-            </a:r>
-            <a:r>
-              <a:rPr lang="en-US" sz="3200" dirty="0"/>
-              <a:t> </a:t>
-            </a:r>
-            <a:r>
-              <a:rPr lang="en-US" sz="3200" dirty="0" err="1"/>
-              <a:t>elementum</a:t>
-            </a:r>
-            <a:r>
-              <a:rPr lang="en-US" sz="3200" dirty="0"/>
-              <a:t>. Sed </a:t>
-            </a:r>
-            <a:r>
-              <a:rPr lang="en-US" sz="3200" dirty="0" err="1"/>
-              <a:t>ultricies</a:t>
-            </a:r>
-            <a:r>
-              <a:rPr lang="en-US" sz="3200" dirty="0"/>
-              <a:t> ipsum </a:t>
-            </a:r>
-            <a:r>
-              <a:rPr lang="en-US" sz="3200" dirty="0" err="1"/>
-              <a:t>ut</a:t>
-            </a:r>
-            <a:r>
-              <a:rPr lang="en-US" sz="3200" dirty="0"/>
-              <a:t> </a:t>
-            </a:r>
-            <a:r>
-              <a:rPr lang="en-US" sz="3200" dirty="0" err="1"/>
-              <a:t>malesuada</a:t>
-            </a:r>
-            <a:r>
-              <a:rPr lang="en-US" sz="3200" dirty="0"/>
-              <a:t> </a:t>
-            </a:r>
-            <a:r>
-              <a:rPr lang="en-US" sz="3200" dirty="0" err="1"/>
-              <a:t>eleifend</a:t>
-            </a:r>
-            <a:r>
-              <a:rPr lang="en-US" sz="3200" dirty="0"/>
-              <a:t>.</a:t>
+              <a:t>The database will include four tables: a User table, a Palette table, a </a:t>
+            </a:r>
+            <a:r>
+              <a:rPr lang="en-US" sz="3200" dirty="0" err="1"/>
+              <a:t>User_Friend</a:t>
+            </a:r>
+            <a:r>
+              <a:rPr lang="en-US" sz="3200" dirty="0"/>
+              <a:t> table, and a </a:t>
+            </a:r>
+            <a:r>
+              <a:rPr lang="en-US" sz="3200" dirty="0" err="1"/>
+              <a:t>Saved_Palette</a:t>
+            </a:r>
+            <a:r>
+              <a:rPr lang="en-US" sz="3200" dirty="0"/>
+              <a:t> table. The User table will have 3 classes: an integer ID as the primary key, a 255 varchar username, and a 255 varchar password. The Palette table has ten classes: an integer ID as a primary key, an integer user id that is a foreign key, a </a:t>
+            </a:r>
+            <a:r>
+              <a:rPr lang="en-US" sz="3200"/>
+              <a:t>255 varchar title</a:t>
+            </a:r>
+            <a:r>
+              <a:rPr lang="en-US" sz="3200" dirty="0"/>
+              <a:t>, 6 integer hex codes representing each color in the palette, a date representing the day the palette was created, and the number of times a person has clicked the palette’s page. The </a:t>
+            </a:r>
+            <a:r>
+              <a:rPr lang="en-US" sz="3200" dirty="0" err="1"/>
+              <a:t>User_friend</a:t>
+            </a:r>
+            <a:r>
+              <a:rPr lang="en-US" sz="3200" dirty="0"/>
+              <a:t> table has two classes that make its primary key: an integer user id and another integer </a:t>
+            </a:r>
+            <a:r>
+              <a:rPr lang="en-US" sz="3200" dirty="0" err="1"/>
+              <a:t>user_id</a:t>
+            </a:r>
+            <a:r>
+              <a:rPr lang="en-US" sz="3200" dirty="0"/>
+              <a:t> representing the person’s friend. The </a:t>
+            </a:r>
+            <a:r>
+              <a:rPr lang="en-US" sz="3200" dirty="0" err="1"/>
+              <a:t>Saved_palette</a:t>
+            </a:r>
+            <a:r>
+              <a:rPr lang="en-US" sz="3200" dirty="0"/>
+              <a:t> table also has two fields as a primary key: an integer user id and an integer palette id. All classes must not be null. All primary keys for every table must be unique. A User’s username must also be unique.</a:t>
             </a:r>
           </a:p>
         </p:txBody>
@@ -7884,7 +6476,7 @@
         </p:nvSpPr>
         <p:spPr>
           <a:xfrm>
-            <a:off x="1371600" y="21945599"/>
+            <a:off x="1371600" y="13144499"/>
             <a:ext cx="7543800" cy="914400"/>
           </a:xfrm>
           <a:prstGeom prst="rect">
@@ -7943,8 +6535,8 @@
         </p:nvSpPr>
         <p:spPr>
           <a:xfrm>
-            <a:off x="1371600" y="22860000"/>
-            <a:ext cx="7543800" cy="14373165"/>
+            <a:off x="1466850" y="14625219"/>
+            <a:ext cx="7543800" cy="20405586"/>
           </a:xfrm>
           <a:prstGeom prst="rect">
             <a:avLst/>
@@ -7970,898 +6562,80 @@
           </a:bodyPr>
           <a:lstStyle/>
           <a:p>
-            <a:pPr algn="just"/>
-            <a:r>
-              <a:rPr lang="en-US" sz="3200" dirty="0"/>
-              <a:t> Lorem ipsum dolor sit </a:t>
-            </a:r>
-            <a:r>
-              <a:rPr lang="en-US" sz="3200" dirty="0" err="1"/>
-              <a:t>amet</a:t>
-            </a:r>
-            <a:r>
-              <a:rPr lang="en-US" sz="3200" dirty="0"/>
-              <a:t>, </a:t>
-            </a:r>
-            <a:r>
-              <a:rPr lang="en-US" sz="3200" dirty="0" err="1"/>
-              <a:t>consectetur</a:t>
-            </a:r>
-            <a:r>
-              <a:rPr lang="en-US" sz="3200" dirty="0"/>
-              <a:t> </a:t>
-            </a:r>
-            <a:r>
-              <a:rPr lang="en-US" sz="3200" dirty="0" err="1"/>
-              <a:t>adipiscing</a:t>
-            </a:r>
-            <a:r>
-              <a:rPr lang="en-US" sz="3200" dirty="0"/>
-              <a:t> </a:t>
-            </a:r>
-            <a:r>
-              <a:rPr lang="en-US" sz="3200" dirty="0" err="1"/>
-              <a:t>elit</a:t>
-            </a:r>
-            <a:r>
-              <a:rPr lang="en-US" sz="3200" dirty="0"/>
-              <a:t>. </a:t>
-            </a:r>
-            <a:r>
-              <a:rPr lang="en-US" sz="3200" dirty="0" err="1"/>
-              <a:t>Aliquam</a:t>
-            </a:r>
-            <a:r>
-              <a:rPr lang="en-US" sz="3200" dirty="0"/>
-              <a:t> </a:t>
-            </a:r>
-            <a:r>
-              <a:rPr lang="en-US" sz="3200" dirty="0" err="1"/>
-              <a:t>hendrerit</a:t>
-            </a:r>
-            <a:r>
-              <a:rPr lang="en-US" sz="3200" dirty="0"/>
-              <a:t> </a:t>
-            </a:r>
-            <a:r>
-              <a:rPr lang="en-US" sz="3200" dirty="0" err="1"/>
-              <a:t>laoreet</a:t>
-            </a:r>
-            <a:r>
-              <a:rPr lang="en-US" sz="3200" dirty="0"/>
-              <a:t> ante </a:t>
-            </a:r>
-            <a:r>
-              <a:rPr lang="en-US" sz="3200" dirty="0" err="1"/>
-              <a:t>eget</a:t>
-            </a:r>
-            <a:r>
-              <a:rPr lang="en-US" sz="3200" dirty="0"/>
-              <a:t> </a:t>
-            </a:r>
-            <a:r>
-              <a:rPr lang="en-US" sz="3200" dirty="0" err="1"/>
-              <a:t>commodo</a:t>
-            </a:r>
-            <a:r>
-              <a:rPr lang="en-US" sz="3200" dirty="0"/>
-              <a:t>. </a:t>
-            </a:r>
-            <a:r>
-              <a:rPr lang="en-US" sz="3200" dirty="0" err="1"/>
-              <a:t>Aliquam</a:t>
-            </a:r>
-            <a:r>
-              <a:rPr lang="en-US" sz="3200" dirty="0"/>
-              <a:t> </a:t>
-            </a:r>
-            <a:r>
-              <a:rPr lang="en-US" sz="3200" dirty="0" err="1"/>
-              <a:t>erat</a:t>
-            </a:r>
-            <a:r>
-              <a:rPr lang="en-US" sz="3200" dirty="0"/>
-              <a:t> </a:t>
-            </a:r>
-            <a:r>
-              <a:rPr lang="en-US" sz="3200" dirty="0" err="1"/>
-              <a:t>volutpat</a:t>
-            </a:r>
-            <a:r>
-              <a:rPr lang="en-US" sz="3200" dirty="0"/>
-              <a:t>. </a:t>
-            </a:r>
-            <a:r>
-              <a:rPr lang="en-US" sz="3200" dirty="0" err="1"/>
-              <a:t>Curabitur</a:t>
-            </a:r>
-            <a:r>
-              <a:rPr lang="en-US" sz="3200" dirty="0"/>
-              <a:t> </a:t>
-            </a:r>
-            <a:r>
-              <a:rPr lang="en-US" sz="3200" dirty="0" err="1"/>
-              <a:t>nunc</a:t>
-            </a:r>
-            <a:r>
-              <a:rPr lang="en-US" sz="3200" dirty="0"/>
-              <a:t> </a:t>
-            </a:r>
-            <a:r>
-              <a:rPr lang="en-US" sz="3200" dirty="0" err="1"/>
-              <a:t>nibh</a:t>
-            </a:r>
-            <a:r>
-              <a:rPr lang="en-US" sz="3200" dirty="0"/>
-              <a:t>, </a:t>
-            </a:r>
-            <a:r>
-              <a:rPr lang="en-US" sz="3200" dirty="0" err="1"/>
-              <a:t>luctus</a:t>
-            </a:r>
-            <a:r>
-              <a:rPr lang="en-US" sz="3200" dirty="0"/>
-              <a:t> </a:t>
-            </a:r>
-            <a:r>
-              <a:rPr lang="en-US" sz="3200" dirty="0" err="1"/>
-              <a:t>quis</a:t>
-            </a:r>
-            <a:r>
-              <a:rPr lang="en-US" sz="3200" dirty="0"/>
-              <a:t> eros vel, </a:t>
-            </a:r>
-            <a:r>
-              <a:rPr lang="en-US" sz="3200" dirty="0" err="1"/>
-              <a:t>aliquet</a:t>
-            </a:r>
-            <a:r>
-              <a:rPr lang="en-US" sz="3200" dirty="0"/>
-              <a:t> </a:t>
-            </a:r>
-            <a:r>
-              <a:rPr lang="en-US" sz="3200" dirty="0" err="1"/>
-              <a:t>laoreet</a:t>
-            </a:r>
-            <a:r>
-              <a:rPr lang="en-US" sz="3200" dirty="0"/>
-              <a:t> </a:t>
-            </a:r>
-            <a:r>
-              <a:rPr lang="en-US" sz="3200" dirty="0" err="1"/>
-              <a:t>urna</a:t>
-            </a:r>
-            <a:r>
-              <a:rPr lang="en-US" sz="3200" dirty="0"/>
-              <a:t>. </a:t>
-            </a:r>
-            <a:r>
-              <a:rPr lang="en-US" sz="3200" dirty="0" err="1"/>
-              <a:t>Aliquam</a:t>
-            </a:r>
-            <a:r>
-              <a:rPr lang="en-US" sz="3200" dirty="0"/>
-              <a:t> </a:t>
-            </a:r>
-            <a:r>
-              <a:rPr lang="en-US" sz="3200" dirty="0" err="1"/>
-              <a:t>erat</a:t>
-            </a:r>
-            <a:r>
-              <a:rPr lang="en-US" sz="3200" dirty="0"/>
-              <a:t> </a:t>
-            </a:r>
-            <a:r>
-              <a:rPr lang="en-US" sz="3200" dirty="0" err="1"/>
-              <a:t>volutpat</a:t>
-            </a:r>
-            <a:r>
-              <a:rPr lang="en-US" sz="3200" dirty="0"/>
-              <a:t>. </a:t>
-            </a:r>
-            <a:r>
-              <a:rPr lang="en-US" sz="3200" dirty="0" err="1"/>
-              <a:t>Mauris</a:t>
-            </a:r>
-            <a:r>
-              <a:rPr lang="en-US" sz="3200" dirty="0"/>
-              <a:t> </a:t>
-            </a:r>
-            <a:r>
-              <a:rPr lang="en-US" sz="3200" dirty="0" err="1"/>
-              <a:t>ultrices</a:t>
-            </a:r>
-            <a:r>
-              <a:rPr lang="en-US" sz="3200" dirty="0"/>
-              <a:t> mi id </a:t>
-            </a:r>
-            <a:r>
-              <a:rPr lang="en-US" sz="3200" dirty="0" err="1"/>
-              <a:t>erat</a:t>
-            </a:r>
-            <a:r>
-              <a:rPr lang="en-US" sz="3200" dirty="0"/>
-              <a:t> </a:t>
-            </a:r>
-            <a:r>
-              <a:rPr lang="en-US" sz="3200" dirty="0" err="1"/>
-              <a:t>efficitur</a:t>
-            </a:r>
-            <a:r>
-              <a:rPr lang="en-US" sz="3200" dirty="0"/>
-              <a:t>, at </a:t>
-            </a:r>
-            <a:r>
-              <a:rPr lang="en-US" sz="3200" dirty="0" err="1"/>
-              <a:t>mattis</a:t>
-            </a:r>
-            <a:r>
-              <a:rPr lang="en-US" sz="3200" dirty="0"/>
-              <a:t> lorem </a:t>
-            </a:r>
-            <a:r>
-              <a:rPr lang="en-US" sz="3200" dirty="0" err="1"/>
-              <a:t>mattis</a:t>
-            </a:r>
-            <a:r>
-              <a:rPr lang="en-US" sz="3200" dirty="0"/>
-              <a:t>. </a:t>
-            </a:r>
-            <a:r>
-              <a:rPr lang="en-US" sz="3200" dirty="0" err="1"/>
-              <a:t>Aliquam</a:t>
-            </a:r>
-            <a:r>
-              <a:rPr lang="en-US" sz="3200" dirty="0"/>
-              <a:t> </a:t>
-            </a:r>
-            <a:r>
-              <a:rPr lang="en-US" sz="3200" dirty="0" err="1"/>
-              <a:t>eu</a:t>
-            </a:r>
-            <a:r>
-              <a:rPr lang="en-US" sz="3200" dirty="0"/>
-              <a:t> lacinia eros. Sed </a:t>
-            </a:r>
-            <a:r>
-              <a:rPr lang="en-US" sz="3200" dirty="0" err="1"/>
-              <a:t>facilisis</a:t>
-            </a:r>
-            <a:r>
-              <a:rPr lang="en-US" sz="3200" dirty="0"/>
-              <a:t> </a:t>
-            </a:r>
-            <a:r>
-              <a:rPr lang="en-US" sz="3200" dirty="0" err="1"/>
-              <a:t>neque</a:t>
-            </a:r>
-            <a:r>
-              <a:rPr lang="en-US" sz="3200" dirty="0"/>
-              <a:t> </a:t>
-            </a:r>
-            <a:r>
-              <a:rPr lang="en-US" sz="3200" dirty="0" err="1"/>
-              <a:t>tortor</a:t>
-            </a:r>
-            <a:r>
-              <a:rPr lang="en-US" sz="3200" dirty="0"/>
-              <a:t>, id porta </a:t>
-            </a:r>
-            <a:r>
-              <a:rPr lang="en-US" sz="3200" dirty="0" err="1"/>
-              <a:t>sem</a:t>
-            </a:r>
-            <a:r>
-              <a:rPr lang="en-US" sz="3200" dirty="0"/>
-              <a:t> </a:t>
-            </a:r>
-            <a:r>
-              <a:rPr lang="en-US" sz="3200" dirty="0" err="1"/>
-              <a:t>pellentesque</a:t>
-            </a:r>
-            <a:r>
-              <a:rPr lang="en-US" sz="3200" dirty="0"/>
-              <a:t> dictum. </a:t>
-            </a:r>
-            <a:r>
-              <a:rPr lang="en-US" sz="3200" dirty="0" err="1"/>
-              <a:t>Pellentesque</a:t>
-            </a:r>
-            <a:r>
-              <a:rPr lang="en-US" sz="3200" dirty="0"/>
-              <a:t> habitant </a:t>
-            </a:r>
-            <a:r>
-              <a:rPr lang="en-US" sz="3200" dirty="0" err="1"/>
-              <a:t>morbi</a:t>
-            </a:r>
-            <a:r>
-              <a:rPr lang="en-US" sz="3200" dirty="0"/>
-              <a:t> </a:t>
-            </a:r>
-            <a:r>
-              <a:rPr lang="en-US" sz="3200" dirty="0" err="1"/>
-              <a:t>tristique</a:t>
-            </a:r>
-            <a:r>
-              <a:rPr lang="en-US" sz="3200" dirty="0"/>
-              <a:t> </a:t>
-            </a:r>
-            <a:r>
-              <a:rPr lang="en-US" sz="3200" dirty="0" err="1"/>
-              <a:t>senectus</a:t>
-            </a:r>
-            <a:r>
-              <a:rPr lang="en-US" sz="3200" dirty="0"/>
-              <a:t> et </a:t>
-            </a:r>
-            <a:r>
-              <a:rPr lang="en-US" sz="3200" dirty="0" err="1"/>
-              <a:t>netus</a:t>
-            </a:r>
-            <a:r>
-              <a:rPr lang="en-US" sz="3200" dirty="0"/>
-              <a:t> et </a:t>
-            </a:r>
-            <a:r>
-              <a:rPr lang="en-US" sz="3200" dirty="0" err="1"/>
-              <a:t>malesuada</a:t>
-            </a:r>
-            <a:r>
-              <a:rPr lang="en-US" sz="3200" dirty="0"/>
-              <a:t> fames ac </a:t>
-            </a:r>
-            <a:r>
-              <a:rPr lang="en-US" sz="3200" dirty="0" err="1"/>
-              <a:t>turpis</a:t>
-            </a:r>
-            <a:r>
-              <a:rPr lang="en-US" sz="3200" dirty="0"/>
-              <a:t> </a:t>
-            </a:r>
-            <a:r>
-              <a:rPr lang="en-US" sz="3200" dirty="0" err="1"/>
-              <a:t>egestas</a:t>
-            </a:r>
-            <a:r>
-              <a:rPr lang="en-US" sz="3200" dirty="0"/>
-              <a:t>. Vestibulum </a:t>
-            </a:r>
-            <a:r>
-              <a:rPr lang="en-US" sz="3200" dirty="0" err="1"/>
-              <a:t>sem</a:t>
-            </a:r>
-            <a:r>
-              <a:rPr lang="en-US" sz="3200" dirty="0"/>
-              <a:t> </a:t>
-            </a:r>
-            <a:r>
-              <a:rPr lang="en-US" sz="3200" dirty="0" err="1"/>
-              <a:t>turpis</a:t>
-            </a:r>
-            <a:r>
-              <a:rPr lang="en-US" sz="3200" dirty="0"/>
-              <a:t>, </a:t>
-            </a:r>
-            <a:r>
-              <a:rPr lang="en-US" sz="3200" dirty="0" err="1"/>
-              <a:t>iaculis</a:t>
-            </a:r>
-            <a:r>
-              <a:rPr lang="en-US" sz="3200" dirty="0"/>
-              <a:t> et </a:t>
-            </a:r>
-            <a:r>
-              <a:rPr lang="en-US" sz="3200" dirty="0" err="1"/>
-              <a:t>lacus</a:t>
-            </a:r>
-            <a:r>
-              <a:rPr lang="en-US" sz="3200" dirty="0"/>
-              <a:t> </a:t>
-            </a:r>
-            <a:r>
-              <a:rPr lang="en-US" sz="3200" dirty="0" err="1"/>
-              <a:t>nec</a:t>
-            </a:r>
-            <a:r>
-              <a:rPr lang="en-US" sz="3200" dirty="0"/>
-              <a:t>, </a:t>
-            </a:r>
-            <a:r>
-              <a:rPr lang="en-US" sz="3200" dirty="0" err="1"/>
-              <a:t>rutrum</a:t>
-            </a:r>
-            <a:r>
-              <a:rPr lang="en-US" sz="3200" dirty="0"/>
-              <a:t> </a:t>
-            </a:r>
-            <a:r>
-              <a:rPr lang="en-US" sz="3200" dirty="0" err="1"/>
-              <a:t>laoreet</a:t>
-            </a:r>
-            <a:r>
-              <a:rPr lang="en-US" sz="3200" dirty="0"/>
-              <a:t> mi. Donec ligula </a:t>
-            </a:r>
-            <a:r>
-              <a:rPr lang="en-US" sz="3200" dirty="0" err="1"/>
-              <a:t>felis</a:t>
-            </a:r>
-            <a:r>
-              <a:rPr lang="en-US" sz="3200" dirty="0"/>
-              <a:t>, </a:t>
-            </a:r>
-            <a:r>
-              <a:rPr lang="en-US" sz="3200" dirty="0" err="1"/>
-              <a:t>eleifend</a:t>
-            </a:r>
-            <a:r>
-              <a:rPr lang="en-US" sz="3200" dirty="0"/>
-              <a:t> </a:t>
-            </a:r>
-            <a:r>
-              <a:rPr lang="en-US" sz="3200" dirty="0" err="1"/>
-              <a:t>imperdiet</a:t>
-            </a:r>
-            <a:r>
-              <a:rPr lang="en-US" sz="3200" dirty="0"/>
-              <a:t> </a:t>
-            </a:r>
-            <a:r>
-              <a:rPr lang="en-US" sz="3200" dirty="0" err="1"/>
-              <a:t>ullamcorper</a:t>
-            </a:r>
-            <a:r>
-              <a:rPr lang="en-US" sz="3200" dirty="0"/>
-              <a:t> non, </a:t>
-            </a:r>
-            <a:r>
-              <a:rPr lang="en-US" sz="3200" dirty="0" err="1"/>
-              <a:t>tincidunt</a:t>
-            </a:r>
-            <a:r>
-              <a:rPr lang="en-US" sz="3200" dirty="0"/>
-              <a:t> vel </a:t>
-            </a:r>
-            <a:r>
-              <a:rPr lang="en-US" sz="3200" dirty="0" err="1"/>
-              <a:t>nunc</a:t>
-            </a:r>
-            <a:r>
-              <a:rPr lang="en-US" sz="3200" dirty="0"/>
-              <a:t>. Sed sed </a:t>
-            </a:r>
-            <a:r>
-              <a:rPr lang="en-US" sz="3200" dirty="0" err="1"/>
-              <a:t>congue</a:t>
-            </a:r>
-            <a:r>
-              <a:rPr lang="en-US" sz="3200" dirty="0"/>
-              <a:t> </a:t>
-            </a:r>
-            <a:r>
-              <a:rPr lang="en-US" sz="3200" dirty="0" err="1"/>
-              <a:t>lacus</a:t>
-            </a:r>
-            <a:r>
-              <a:rPr lang="en-US" sz="3200" dirty="0"/>
-              <a:t>, sit </a:t>
-            </a:r>
-            <a:r>
-              <a:rPr lang="en-US" sz="3200" dirty="0" err="1"/>
-              <a:t>amet</a:t>
-            </a:r>
-            <a:r>
-              <a:rPr lang="en-US" sz="3200" dirty="0"/>
-              <a:t> </a:t>
-            </a:r>
-            <a:r>
-              <a:rPr lang="en-US" sz="3200" dirty="0" err="1"/>
-              <a:t>elementum</a:t>
-            </a:r>
-            <a:r>
-              <a:rPr lang="en-US" sz="3200" dirty="0"/>
-              <a:t> </a:t>
-            </a:r>
-            <a:r>
-              <a:rPr lang="en-US" sz="3200" dirty="0" err="1"/>
-              <a:t>purus</a:t>
-            </a:r>
-            <a:r>
-              <a:rPr lang="en-US" sz="3200" dirty="0"/>
-              <a:t>. </a:t>
-            </a:r>
-            <a:r>
-              <a:rPr lang="en-US" sz="3200" dirty="0" err="1"/>
-              <a:t>Orci</a:t>
-            </a:r>
-            <a:r>
-              <a:rPr lang="en-US" sz="3200" dirty="0"/>
-              <a:t> </a:t>
-            </a:r>
-            <a:r>
-              <a:rPr lang="en-US" sz="3200" dirty="0" err="1"/>
-              <a:t>varius</a:t>
-            </a:r>
-            <a:r>
-              <a:rPr lang="en-US" sz="3200" dirty="0"/>
-              <a:t> </a:t>
-            </a:r>
-            <a:r>
-              <a:rPr lang="en-US" sz="3200" dirty="0" err="1"/>
-              <a:t>natoque</a:t>
-            </a:r>
-            <a:r>
-              <a:rPr lang="en-US" sz="3200" dirty="0"/>
-              <a:t> </a:t>
-            </a:r>
-            <a:r>
-              <a:rPr lang="en-US" sz="3200" dirty="0" err="1"/>
-              <a:t>penatibus</a:t>
-            </a:r>
-            <a:r>
-              <a:rPr lang="en-US" sz="3200" dirty="0"/>
-              <a:t> et </a:t>
-            </a:r>
-            <a:r>
-              <a:rPr lang="en-US" sz="3200" dirty="0" err="1"/>
-              <a:t>magnis</a:t>
-            </a:r>
-            <a:r>
-              <a:rPr lang="en-US" sz="3200" dirty="0"/>
-              <a:t> dis parturient </a:t>
-            </a:r>
-            <a:r>
-              <a:rPr lang="en-US" sz="3200" dirty="0" err="1"/>
-              <a:t>montes</a:t>
-            </a:r>
-            <a:r>
-              <a:rPr lang="en-US" sz="3200" dirty="0"/>
-              <a:t>, </a:t>
-            </a:r>
-            <a:r>
-              <a:rPr lang="en-US" sz="3200" dirty="0" err="1"/>
-              <a:t>nascetur</a:t>
-            </a:r>
-            <a:r>
-              <a:rPr lang="en-US" sz="3200" dirty="0"/>
-              <a:t> </a:t>
-            </a:r>
-            <a:r>
-              <a:rPr lang="en-US" sz="3200" dirty="0" err="1"/>
-              <a:t>ridiculus</a:t>
-            </a:r>
-            <a:r>
-              <a:rPr lang="en-US" sz="3200" dirty="0"/>
-              <a:t> mus. In vel </a:t>
-            </a:r>
-            <a:r>
-              <a:rPr lang="en-US" sz="3200" dirty="0" err="1"/>
-              <a:t>ultrices</a:t>
-            </a:r>
-            <a:r>
-              <a:rPr lang="en-US" sz="3200" dirty="0"/>
-              <a:t> magna. In vel </a:t>
-            </a:r>
-            <a:r>
-              <a:rPr lang="en-US" sz="3200" dirty="0" err="1"/>
-              <a:t>justo</a:t>
-            </a:r>
-            <a:r>
-              <a:rPr lang="en-US" sz="3200" dirty="0"/>
-              <a:t> </a:t>
-            </a:r>
-            <a:r>
-              <a:rPr lang="en-US" sz="3200" dirty="0" err="1"/>
-              <a:t>nec</a:t>
-            </a:r>
-            <a:r>
-              <a:rPr lang="en-US" sz="3200" dirty="0"/>
-              <a:t> </a:t>
-            </a:r>
-            <a:r>
-              <a:rPr lang="en-US" sz="3200" dirty="0" err="1"/>
-              <a:t>turpis</a:t>
-            </a:r>
-            <a:r>
-              <a:rPr lang="en-US" sz="3200" dirty="0"/>
-              <a:t> </a:t>
-            </a:r>
-            <a:r>
-              <a:rPr lang="en-US" sz="3200" dirty="0" err="1"/>
-              <a:t>malesuada</a:t>
-            </a:r>
-            <a:r>
-              <a:rPr lang="en-US" sz="3200" dirty="0"/>
-              <a:t> </a:t>
-            </a:r>
-            <a:r>
-              <a:rPr lang="en-US" sz="3200" dirty="0" err="1"/>
-              <a:t>elementum</a:t>
-            </a:r>
-            <a:r>
-              <a:rPr lang="en-US" sz="3200" dirty="0"/>
-              <a:t>. Sed </a:t>
-            </a:r>
-            <a:r>
-              <a:rPr lang="en-US" sz="3200" dirty="0" err="1"/>
-              <a:t>ultricies</a:t>
-            </a:r>
-            <a:r>
-              <a:rPr lang="en-US" sz="3200" dirty="0"/>
-              <a:t> ipsum </a:t>
-            </a:r>
-            <a:r>
-              <a:rPr lang="en-US" sz="3200" dirty="0" err="1"/>
-              <a:t>ut</a:t>
-            </a:r>
-            <a:r>
-              <a:rPr lang="en-US" sz="3200" dirty="0"/>
-              <a:t> </a:t>
-            </a:r>
-            <a:r>
-              <a:rPr lang="en-US" sz="3200" dirty="0" err="1"/>
-              <a:t>malesuada</a:t>
-            </a:r>
-            <a:r>
-              <a:rPr lang="en-US" sz="3200" dirty="0"/>
-              <a:t> </a:t>
-            </a:r>
-            <a:r>
-              <a:rPr lang="en-US" sz="3200" dirty="0" err="1"/>
-              <a:t>eleifend</a:t>
-            </a:r>
-            <a:r>
-              <a:rPr lang="en-US" sz="3200" dirty="0"/>
-              <a:t>.</a:t>
-            </a:r>
-          </a:p>
-          <a:p>
-            <a:pPr algn="just"/>
+            <a:pPr rtl="0">
+              <a:spcBef>
+                <a:spcPts val="0"/>
+              </a:spcBef>
+              <a:spcAft>
+                <a:spcPts val="0"/>
+              </a:spcAft>
+            </a:pPr>
+            <a:r>
+              <a:rPr lang="en-US" sz="3200" dirty="0"/>
+              <a:t> </a:t>
+            </a:r>
+            <a:r>
+              <a:rPr lang="en-US" sz="3200" b="0" i="0" u="none" strike="noStrike" dirty="0">
+                <a:solidFill>
+                  <a:srgbClr val="000000"/>
+                </a:solidFill>
+                <a:effectLst/>
+              </a:rPr>
+              <a:t>One of the application’s main features automatically creates a palette of five colors from a user-selected image, utilizing the most common color within. The user can upload their own image or choose a pre-existing image built into the site. Users will also be able to click on different areas of an image if they want to get the colors from specific points.</a:t>
+            </a:r>
+            <a:endParaRPr lang="en-US" sz="3200" b="0" dirty="0">
+              <a:effectLst/>
+            </a:endParaRPr>
+          </a:p>
+          <a:p>
+            <a:pPr rtl="0">
+              <a:spcBef>
+                <a:spcPts val="0"/>
+              </a:spcBef>
+              <a:spcAft>
+                <a:spcPts val="0"/>
+              </a:spcAft>
+            </a:pPr>
+            <a:r>
+              <a:rPr lang="en-US" sz="3200" b="0" i="0" u="none" strike="noStrike" dirty="0">
+                <a:solidFill>
+                  <a:srgbClr val="000000"/>
+                </a:solidFill>
+                <a:effectLst/>
+              </a:rPr>
+              <a:t>If we have time to implement it, users will also be able to create palettes through a color search feature. This will allow the user to pick a base color, such as “blue” or “green” from a dropdown menu. Then, the user will be prompted to pick the specific shade of that color that they are looking for. Once they have selected a base color, 4 complementary colors will be generated using an algorithm. If the user would prefer to pick their own shades there will be an option to create custom colors. </a:t>
+            </a:r>
+            <a:endParaRPr lang="en-US" sz="3200" b="0" dirty="0">
+              <a:effectLst/>
+            </a:endParaRPr>
+          </a:p>
+          <a:p>
+            <a:pPr rtl="0">
+              <a:spcBef>
+                <a:spcPts val="0"/>
+              </a:spcBef>
+              <a:spcAft>
+                <a:spcPts val="0"/>
+              </a:spcAft>
+            </a:pPr>
+            <a:r>
+              <a:rPr lang="en-US" sz="3200" b="0" i="0" u="none" strike="noStrike" dirty="0">
+                <a:solidFill>
+                  <a:srgbClr val="000000"/>
+                </a:solidFill>
+                <a:effectLst/>
+              </a:rPr>
+              <a:t>On the social side of the site users will be allowed to share their color palettes with friends and the community. The community page will allow users to find color palettes created by other users of the Palette Picker community. When users save a palette it will automatically post to their profile, and be available through the community page. If users do not wish to share their post with the community there will be a privacy setting, in which you can disable posting to the community page, disable posting to your profile, and disable other users from viewing your profile. Users will also have the option of sharing palettes with friends. If time permits, uploading palettes, saving palettes, adding friends, and a few other of these features will be limited to users that have created an account on the site.</a:t>
+            </a:r>
+            <a:endParaRPr lang="en-US" sz="3200" b="0" dirty="0">
+              <a:effectLst/>
+            </a:endParaRPr>
+          </a:p>
+          <a:p>
+            <a:br>
+              <a:rPr lang="en-US" sz="800" dirty="0"/>
+            </a:br>
             <a:endParaRPr lang="en-US" sz="3200" dirty="0"/>
-          </a:p>
-          <a:p>
-            <a:pPr algn="just"/>
-            <a:r>
-              <a:rPr lang="en-US" sz="3200" dirty="0" err="1"/>
-              <a:t>Nulla</a:t>
-            </a:r>
-            <a:r>
-              <a:rPr lang="en-US" sz="3200" dirty="0"/>
-              <a:t> </a:t>
-            </a:r>
-            <a:r>
-              <a:rPr lang="en-US" sz="3200" dirty="0" err="1"/>
-              <a:t>facilisi</a:t>
-            </a:r>
-            <a:r>
-              <a:rPr lang="en-US" sz="3200" dirty="0"/>
-              <a:t>. </a:t>
-            </a:r>
-            <a:r>
-              <a:rPr lang="en-US" sz="3200" dirty="0" err="1"/>
-              <a:t>Praesent</a:t>
-            </a:r>
-            <a:r>
-              <a:rPr lang="en-US" sz="3200" dirty="0"/>
-              <a:t> id dui a </a:t>
-            </a:r>
-            <a:r>
-              <a:rPr lang="en-US" sz="3200" dirty="0" err="1"/>
-              <a:t>orci</a:t>
-            </a:r>
-            <a:r>
-              <a:rPr lang="en-US" sz="3200" dirty="0"/>
-              <a:t> </a:t>
-            </a:r>
-            <a:r>
-              <a:rPr lang="en-US" sz="3200" dirty="0" err="1"/>
-              <a:t>molestie</a:t>
-            </a:r>
-            <a:r>
-              <a:rPr lang="en-US" sz="3200" dirty="0"/>
-              <a:t> </a:t>
-            </a:r>
-            <a:r>
-              <a:rPr lang="en-US" sz="3200" dirty="0" err="1"/>
-              <a:t>hendrerit</a:t>
-            </a:r>
-            <a:r>
-              <a:rPr lang="en-US" sz="3200" dirty="0"/>
-              <a:t>. Donec eros </a:t>
-            </a:r>
-            <a:r>
-              <a:rPr lang="en-US" sz="3200" dirty="0" err="1"/>
-              <a:t>turpis</a:t>
-            </a:r>
-            <a:r>
-              <a:rPr lang="en-US" sz="3200" dirty="0"/>
-              <a:t>, </a:t>
-            </a:r>
-            <a:r>
-              <a:rPr lang="en-US" sz="3200" dirty="0" err="1"/>
-              <a:t>eleifend</a:t>
-            </a:r>
-            <a:r>
-              <a:rPr lang="en-US" sz="3200" dirty="0"/>
-              <a:t> </a:t>
-            </a:r>
-            <a:r>
-              <a:rPr lang="en-US" sz="3200" dirty="0" err="1"/>
-              <a:t>nec</a:t>
-            </a:r>
-            <a:r>
-              <a:rPr lang="en-US" sz="3200" dirty="0"/>
-              <a:t> convallis vitae, </a:t>
-            </a:r>
-            <a:r>
-              <a:rPr lang="en-US" sz="3200" dirty="0" err="1"/>
-              <a:t>venenatis</a:t>
-            </a:r>
-            <a:r>
-              <a:rPr lang="en-US" sz="3200" dirty="0"/>
-              <a:t> </a:t>
-            </a:r>
-            <a:r>
-              <a:rPr lang="en-US" sz="3200" dirty="0" err="1"/>
-              <a:t>quis</a:t>
-            </a:r>
-            <a:r>
-              <a:rPr lang="en-US" sz="3200" dirty="0"/>
-              <a:t> </a:t>
-            </a:r>
-            <a:r>
-              <a:rPr lang="en-US" sz="3200" dirty="0" err="1"/>
-              <a:t>justo</a:t>
-            </a:r>
-            <a:r>
-              <a:rPr lang="en-US" sz="3200" dirty="0"/>
-              <a:t>. Cras vel </a:t>
-            </a:r>
-            <a:r>
-              <a:rPr lang="en-US" sz="3200" dirty="0" err="1"/>
-              <a:t>malesuada</a:t>
-            </a:r>
-            <a:r>
-              <a:rPr lang="en-US" sz="3200" dirty="0"/>
-              <a:t> </a:t>
-            </a:r>
-            <a:r>
-              <a:rPr lang="en-US" sz="3200" dirty="0" err="1"/>
-              <a:t>metus</a:t>
-            </a:r>
-            <a:r>
-              <a:rPr lang="en-US" sz="3200" dirty="0"/>
-              <a:t>. Donec </a:t>
-            </a:r>
-            <a:r>
-              <a:rPr lang="en-US" sz="3200" dirty="0" err="1"/>
-              <a:t>ut</a:t>
-            </a:r>
-            <a:r>
-              <a:rPr lang="en-US" sz="3200" dirty="0"/>
-              <a:t> </a:t>
-            </a:r>
-            <a:r>
-              <a:rPr lang="en-US" sz="3200" dirty="0" err="1"/>
-              <a:t>elit</a:t>
-            </a:r>
-            <a:r>
-              <a:rPr lang="en-US" sz="3200" dirty="0"/>
-              <a:t> id ex </a:t>
-            </a:r>
-            <a:r>
-              <a:rPr lang="en-US" sz="3200" dirty="0" err="1"/>
-              <a:t>tincidunt</a:t>
-            </a:r>
-            <a:r>
-              <a:rPr lang="en-US" sz="3200" dirty="0"/>
-              <a:t> </a:t>
-            </a:r>
-            <a:r>
-              <a:rPr lang="en-US" sz="3200" dirty="0" err="1"/>
-              <a:t>tristique</a:t>
-            </a:r>
-            <a:r>
-              <a:rPr lang="en-US" sz="3200" dirty="0"/>
-              <a:t>. Cras </a:t>
-            </a:r>
-            <a:r>
-              <a:rPr lang="en-US" sz="3200" dirty="0" err="1"/>
-              <a:t>facilisis</a:t>
-            </a:r>
-            <a:r>
-              <a:rPr lang="en-US" sz="3200" dirty="0"/>
-              <a:t> </a:t>
-            </a:r>
-            <a:r>
-              <a:rPr lang="en-US" sz="3200" dirty="0" err="1"/>
-              <a:t>sapien</a:t>
-            </a:r>
-            <a:r>
-              <a:rPr lang="en-US" sz="3200" dirty="0"/>
-              <a:t> </a:t>
-            </a:r>
-            <a:r>
-              <a:rPr lang="en-US" sz="3200" dirty="0" err="1"/>
-              <a:t>lacus</a:t>
-            </a:r>
-            <a:r>
-              <a:rPr lang="en-US" sz="3200" dirty="0"/>
-              <a:t>, </a:t>
-            </a:r>
-            <a:r>
-              <a:rPr lang="en-US" sz="3200" dirty="0" err="1"/>
-              <a:t>quis</a:t>
-            </a:r>
-            <a:r>
-              <a:rPr lang="en-US" sz="3200" dirty="0"/>
-              <a:t> </a:t>
-            </a:r>
-            <a:r>
-              <a:rPr lang="en-US" sz="3200" dirty="0" err="1"/>
-              <a:t>commodo</a:t>
-            </a:r>
-            <a:r>
-              <a:rPr lang="en-US" sz="3200" dirty="0"/>
-              <a:t> </a:t>
-            </a:r>
-            <a:r>
-              <a:rPr lang="en-US" sz="3200" dirty="0" err="1"/>
-              <a:t>est</a:t>
-            </a:r>
-            <a:r>
-              <a:rPr lang="en-US" sz="3200" dirty="0"/>
-              <a:t> </a:t>
-            </a:r>
-            <a:r>
-              <a:rPr lang="en-US" sz="3200" dirty="0" err="1"/>
-              <a:t>posuere</a:t>
-            </a:r>
-            <a:r>
-              <a:rPr lang="en-US" sz="3200" dirty="0"/>
-              <a:t> ac. </a:t>
-            </a:r>
-            <a:r>
-              <a:rPr lang="en-US" sz="3200" dirty="0" err="1"/>
-              <a:t>Fusce</a:t>
-            </a:r>
-            <a:r>
-              <a:rPr lang="en-US" sz="3200" dirty="0"/>
-              <a:t> </a:t>
-            </a:r>
-            <a:r>
-              <a:rPr lang="en-US" sz="3200" dirty="0" err="1"/>
-              <a:t>tincidunt</a:t>
-            </a:r>
-            <a:r>
-              <a:rPr lang="en-US" sz="3200" dirty="0"/>
-              <a:t> </a:t>
-            </a:r>
-            <a:r>
-              <a:rPr lang="en-US" sz="3200" dirty="0" err="1"/>
-              <a:t>ullamcorper</a:t>
-            </a:r>
-            <a:r>
-              <a:rPr lang="en-US" sz="3200" dirty="0"/>
-              <a:t> </a:t>
-            </a:r>
-            <a:r>
-              <a:rPr lang="en-US" sz="3200" dirty="0" err="1"/>
-              <a:t>leo</a:t>
-            </a:r>
-            <a:r>
-              <a:rPr lang="en-US" sz="3200" dirty="0"/>
-              <a:t> at </a:t>
-            </a:r>
-            <a:r>
-              <a:rPr lang="en-US" sz="3200" dirty="0" err="1"/>
-              <a:t>egestas</a:t>
-            </a:r>
-            <a:r>
-              <a:rPr lang="en-US" sz="3200" dirty="0"/>
-              <a:t>. </a:t>
-            </a:r>
           </a:p>
         </p:txBody>
       </p:sp>
@@ -9172,7 +6946,7 @@
         </p:blipFill>
         <p:spPr>
           <a:xfrm>
-            <a:off x="20116800" y="18013684"/>
+            <a:off x="20116800" y="18974970"/>
             <a:ext cx="7543800" cy="3960906"/>
           </a:xfrm>
           <a:prstGeom prst="rect">
@@ -9194,8 +6968,8 @@
         </p:nvSpPr>
         <p:spPr>
           <a:xfrm>
-            <a:off x="20116800" y="22104679"/>
-            <a:ext cx="7543800" cy="3046988"/>
+            <a:off x="20116800" y="23136309"/>
+            <a:ext cx="7543800" cy="1077218"/>
           </a:xfrm>
           <a:prstGeom prst="rect">
             <a:avLst/>
@@ -9235,191 +7009,7 @@
             </a:r>
             <a:r>
               <a:rPr lang="en-US" sz="3200" dirty="0"/>
-              <a:t>Lorem ipsum dolor sit </a:t>
-            </a:r>
-            <a:r>
-              <a:rPr lang="en-US" sz="3200" dirty="0" err="1"/>
-              <a:t>amet</a:t>
-            </a:r>
-            <a:r>
-              <a:rPr lang="en-US" sz="3200" dirty="0"/>
-              <a:t>, </a:t>
-            </a:r>
-            <a:r>
-              <a:rPr lang="en-US" sz="3200" dirty="0" err="1"/>
-              <a:t>consectetur</a:t>
-            </a:r>
-            <a:r>
-              <a:rPr lang="en-US" sz="3200" dirty="0"/>
-              <a:t> </a:t>
-            </a:r>
-            <a:r>
-              <a:rPr lang="en-US" sz="3200" dirty="0" err="1"/>
-              <a:t>adipiscing</a:t>
-            </a:r>
-            <a:r>
-              <a:rPr lang="en-US" sz="3200" dirty="0"/>
-              <a:t> </a:t>
-            </a:r>
-            <a:r>
-              <a:rPr lang="en-US" sz="3200" dirty="0" err="1"/>
-              <a:t>elit</a:t>
-            </a:r>
-            <a:r>
-              <a:rPr lang="en-US" sz="3200" dirty="0"/>
-              <a:t>. </a:t>
-            </a:r>
-            <a:r>
-              <a:rPr lang="en-US" sz="3200" dirty="0" err="1"/>
-              <a:t>Aliquam</a:t>
-            </a:r>
-            <a:r>
-              <a:rPr lang="en-US" sz="3200" dirty="0"/>
-              <a:t> </a:t>
-            </a:r>
-            <a:r>
-              <a:rPr lang="en-US" sz="3200" dirty="0" err="1"/>
-              <a:t>hendrerit</a:t>
-            </a:r>
-            <a:r>
-              <a:rPr lang="en-US" sz="3200" dirty="0"/>
-              <a:t> </a:t>
-            </a:r>
-            <a:r>
-              <a:rPr lang="en-US" sz="3200" dirty="0" err="1"/>
-              <a:t>laoreet</a:t>
-            </a:r>
-            <a:r>
-              <a:rPr lang="en-US" sz="3200" dirty="0"/>
-              <a:t> ante </a:t>
-            </a:r>
-            <a:r>
-              <a:rPr lang="en-US" sz="3200" dirty="0" err="1"/>
-              <a:t>eget</a:t>
-            </a:r>
-            <a:r>
-              <a:rPr lang="en-US" sz="3200" dirty="0"/>
-              <a:t> </a:t>
-            </a:r>
-            <a:r>
-              <a:rPr lang="en-US" sz="3200" dirty="0" err="1"/>
-              <a:t>commodo</a:t>
-            </a:r>
-            <a:r>
-              <a:rPr lang="en-US" sz="3200" dirty="0"/>
-              <a:t>. </a:t>
-            </a:r>
-            <a:r>
-              <a:rPr lang="en-US" sz="3200" dirty="0" err="1"/>
-              <a:t>Aliquam</a:t>
-            </a:r>
-            <a:r>
-              <a:rPr lang="en-US" sz="3200" dirty="0"/>
-              <a:t> </a:t>
-            </a:r>
-            <a:r>
-              <a:rPr lang="en-US" sz="3200" dirty="0" err="1"/>
-              <a:t>erat</a:t>
-            </a:r>
-            <a:r>
-              <a:rPr lang="en-US" sz="3200" dirty="0"/>
-              <a:t> </a:t>
-            </a:r>
-            <a:r>
-              <a:rPr lang="en-US" sz="3200" dirty="0" err="1"/>
-              <a:t>volutpat</a:t>
-            </a:r>
-            <a:r>
-              <a:rPr lang="en-US" sz="3200" dirty="0"/>
-              <a:t>. </a:t>
-            </a:r>
-            <a:r>
-              <a:rPr lang="en-US" sz="3200" dirty="0" err="1"/>
-              <a:t>Curabitur</a:t>
-            </a:r>
-            <a:r>
-              <a:rPr lang="en-US" sz="3200" dirty="0"/>
-              <a:t> </a:t>
-            </a:r>
-            <a:r>
-              <a:rPr lang="en-US" sz="3200" dirty="0" err="1"/>
-              <a:t>nunc</a:t>
-            </a:r>
-            <a:r>
-              <a:rPr lang="en-US" sz="3200" dirty="0"/>
-              <a:t> </a:t>
-            </a:r>
-            <a:r>
-              <a:rPr lang="en-US" sz="3200" dirty="0" err="1"/>
-              <a:t>nibh</a:t>
-            </a:r>
-            <a:r>
-              <a:rPr lang="en-US" sz="3200" dirty="0"/>
-              <a:t>, </a:t>
-            </a:r>
-            <a:r>
-              <a:rPr lang="en-US" sz="3200" dirty="0" err="1"/>
-              <a:t>luctus</a:t>
-            </a:r>
-            <a:r>
-              <a:rPr lang="en-US" sz="3200" dirty="0"/>
-              <a:t> </a:t>
-            </a:r>
-            <a:r>
-              <a:rPr lang="en-US" sz="3200" dirty="0" err="1"/>
-              <a:t>quis</a:t>
-            </a:r>
-            <a:r>
-              <a:rPr lang="en-US" sz="3200" dirty="0"/>
-              <a:t> eros vel, </a:t>
-            </a:r>
-            <a:r>
-              <a:rPr lang="en-US" sz="3200" dirty="0" err="1"/>
-              <a:t>aliquet</a:t>
-            </a:r>
-            <a:r>
-              <a:rPr lang="en-US" sz="3200" dirty="0"/>
-              <a:t> </a:t>
-            </a:r>
-            <a:r>
-              <a:rPr lang="en-US" sz="3200" dirty="0" err="1"/>
-              <a:t>laoreet</a:t>
-            </a:r>
-            <a:r>
-              <a:rPr lang="en-US" sz="3200" dirty="0"/>
-              <a:t> </a:t>
-            </a:r>
-            <a:r>
-              <a:rPr lang="en-US" sz="3200" dirty="0" err="1"/>
-              <a:t>urna</a:t>
-            </a:r>
-            <a:r>
-              <a:rPr lang="en-US" sz="3200" dirty="0"/>
-              <a:t>. </a:t>
-            </a:r>
-            <a:r>
-              <a:rPr lang="en-US" sz="3200" dirty="0" err="1"/>
-              <a:t>Aliquam</a:t>
-            </a:r>
-            <a:r>
-              <a:rPr lang="en-US" sz="3200" dirty="0"/>
-              <a:t> </a:t>
-            </a:r>
-            <a:r>
-              <a:rPr lang="en-US" sz="3200" dirty="0" err="1"/>
-              <a:t>erat</a:t>
-            </a:r>
-            <a:r>
-              <a:rPr lang="en-US" sz="3200" dirty="0"/>
-              <a:t> </a:t>
-            </a:r>
-            <a:r>
-              <a:rPr lang="en-US" sz="3200" dirty="0" err="1"/>
-              <a:t>volutpat</a:t>
-            </a:r>
-            <a:r>
-              <a:rPr lang="en-US" sz="3200" dirty="0"/>
-              <a:t>. </a:t>
+              <a:t>The database Entity Relationship Diagram is shown above. </a:t>
             </a:r>
           </a:p>
         </p:txBody>

--- a/documentation/csci_poster.pptx
+++ b/documentation/csci_poster.pptx
@@ -3498,7 +3498,7 @@
         <p:spPr>
           <a:xfrm>
             <a:off x="1371600" y="7315200"/>
-            <a:ext cx="7543800" cy="5139869"/>
+            <a:ext cx="7543800" cy="7971413"/>
           </a:xfrm>
           <a:prstGeom prst="rect">
             <a:avLst/>
@@ -3543,35 +3543,16 @@
                 </a:solidFill>
                 <a:effectLst/>
               </a:rPr>
-              <a:t>Our proposal is for a web based application called The Palette Picker. The Palette Picker will allow users to create personalized five color sets, and then share those patterns with friends and the community. These palettes can be referenced when creating pottery, painting your home, using a digital art program, or other activities that utilize color and require a cohesive look or feel</a:t>
-            </a:r>
-            <a:r>
-              <a:rPr lang="en-US" sz="3200" b="0" i="0" u="none" strike="noStrike" dirty="0">
+              <a:t>Our proposal is for a web based application called The Palette Picker. The Palette Picker will allow users to create personalized five color sets, and then share those patterns with friends and the community. These palettes can be referenced when creating pottery, painting your home, using a digital art program, or other activities that utilize color and require a cohesive look or </a:t>
+            </a:r>
+            <a:r>
+              <a:rPr lang="en-US" sz="3200" dirty="0">
                 <a:solidFill>
                   <a:srgbClr val="000000"/>
                 </a:solidFill>
-                <a:effectLst/>
-                <a:latin typeface="Arial" panose="020B0604020202020204" pitchFamily="34" charset="0"/>
               </a:rPr>
-              <a:t>.</a:t>
-            </a:r>
-            <a:endParaRPr lang="en-US" sz="3200" b="0" dirty="0">
-              <a:effectLst/>
-            </a:endParaRPr>
-          </a:p>
-          <a:p>
-            <a:pPr rtl="0" fontAlgn="base">
-              <a:spcBef>
-                <a:spcPts val="0"/>
-              </a:spcBef>
-              <a:spcAft>
-                <a:spcPts val="0"/>
-              </a:spcAft>
-            </a:pPr>
-            <a:br>
-              <a:rPr lang="en-US" sz="800" dirty="0"/>
-            </a:br>
-            <a:endParaRPr lang="en-US" sz="3200" dirty="0"/>
+              <a:t>feel. This application will also allow users to create profiles on the site, allowing the sharing of palettes between members with accounts. Having an account will also allow users to access features such as saving palettes, adding other members as friends, and viewing activity of friends. </a:t>
+            </a:r>
           </a:p>
         </p:txBody>
       </p:sp>
@@ -3839,7 +3820,7 @@
         <p:spPr>
           <a:xfrm>
             <a:off x="10744200" y="7315200"/>
-            <a:ext cx="7543800" cy="18312705"/>
+            <a:ext cx="7543800" cy="4524315"/>
           </a:xfrm>
           <a:prstGeom prst="rect">
             <a:avLst/>
@@ -3868,1085 +3849,23 @@
             <a:pPr algn="just"/>
             <a:r>
               <a:rPr lang="en-US" sz="3200" dirty="0"/>
-              <a:t> Lorem ipsum dolor sit </a:t>
+              <a:t> This project was developed utilizing Windows operating systems and is hosted on a </a:t>
             </a:r>
             <a:r>
               <a:rPr lang="en-US" sz="3200" dirty="0" err="1"/>
-              <a:t>amet</a:t>
+              <a:t>Linode</a:t>
             </a:r>
             <a:r>
               <a:rPr lang="en-US" sz="3200" dirty="0"/>
-              <a:t>, </a:t>
+              <a:t> server. The code base consists of JavaScript, HTML, CSS, and PHP, and was developed on Visual Studio Code. For version control we connected GitHub to </a:t>
             </a:r>
             <a:r>
               <a:rPr lang="en-US" sz="3200" dirty="0" err="1"/>
-              <a:t>consectetur</a:t>
+              <a:t>gitDesktop</a:t>
             </a:r>
             <a:r>
               <a:rPr lang="en-US" sz="3200" dirty="0"/>
-              <a:t> </a:t>
-            </a:r>
-            <a:r>
-              <a:rPr lang="en-US" sz="3200" dirty="0" err="1"/>
-              <a:t>adipiscing</a:t>
-            </a:r>
-            <a:r>
-              <a:rPr lang="en-US" sz="3200" dirty="0"/>
-              <a:t> </a:t>
-            </a:r>
-            <a:r>
-              <a:rPr lang="en-US" sz="3200" dirty="0" err="1"/>
-              <a:t>elit</a:t>
-            </a:r>
-            <a:r>
-              <a:rPr lang="en-US" sz="3200" dirty="0"/>
-              <a:t>. </a:t>
-            </a:r>
-            <a:r>
-              <a:rPr lang="en-US" sz="3200" dirty="0" err="1"/>
-              <a:t>Aliquam</a:t>
-            </a:r>
-            <a:r>
-              <a:rPr lang="en-US" sz="3200" dirty="0"/>
-              <a:t> </a:t>
-            </a:r>
-            <a:r>
-              <a:rPr lang="en-US" sz="3200" dirty="0" err="1"/>
-              <a:t>hendrerit</a:t>
-            </a:r>
-            <a:r>
-              <a:rPr lang="en-US" sz="3200" dirty="0"/>
-              <a:t> </a:t>
-            </a:r>
-            <a:r>
-              <a:rPr lang="en-US" sz="3200" dirty="0" err="1"/>
-              <a:t>laoreet</a:t>
-            </a:r>
-            <a:r>
-              <a:rPr lang="en-US" sz="3200" dirty="0"/>
-              <a:t> ante </a:t>
-            </a:r>
-            <a:r>
-              <a:rPr lang="en-US" sz="3200" dirty="0" err="1"/>
-              <a:t>eget</a:t>
-            </a:r>
-            <a:r>
-              <a:rPr lang="en-US" sz="3200" dirty="0"/>
-              <a:t> </a:t>
-            </a:r>
-            <a:r>
-              <a:rPr lang="en-US" sz="3200" dirty="0" err="1"/>
-              <a:t>commodo</a:t>
-            </a:r>
-            <a:r>
-              <a:rPr lang="en-US" sz="3200" dirty="0"/>
-              <a:t>. </a:t>
-            </a:r>
-            <a:r>
-              <a:rPr lang="en-US" sz="3200" dirty="0" err="1"/>
-              <a:t>Aliquam</a:t>
-            </a:r>
-            <a:r>
-              <a:rPr lang="en-US" sz="3200" dirty="0"/>
-              <a:t> </a:t>
-            </a:r>
-            <a:r>
-              <a:rPr lang="en-US" sz="3200" dirty="0" err="1"/>
-              <a:t>erat</a:t>
-            </a:r>
-            <a:r>
-              <a:rPr lang="en-US" sz="3200" dirty="0"/>
-              <a:t> </a:t>
-            </a:r>
-            <a:r>
-              <a:rPr lang="en-US" sz="3200" dirty="0" err="1"/>
-              <a:t>volutpat</a:t>
-            </a:r>
-            <a:r>
-              <a:rPr lang="en-US" sz="3200" dirty="0"/>
-              <a:t>. </a:t>
-            </a:r>
-            <a:r>
-              <a:rPr lang="en-US" sz="3200" dirty="0" err="1"/>
-              <a:t>Curabitur</a:t>
-            </a:r>
-            <a:r>
-              <a:rPr lang="en-US" sz="3200" dirty="0"/>
-              <a:t> </a:t>
-            </a:r>
-            <a:r>
-              <a:rPr lang="en-US" sz="3200" dirty="0" err="1"/>
-              <a:t>nunc</a:t>
-            </a:r>
-            <a:r>
-              <a:rPr lang="en-US" sz="3200" dirty="0"/>
-              <a:t> </a:t>
-            </a:r>
-            <a:r>
-              <a:rPr lang="en-US" sz="3200" dirty="0" err="1"/>
-              <a:t>nibh</a:t>
-            </a:r>
-            <a:r>
-              <a:rPr lang="en-US" sz="3200" dirty="0"/>
-              <a:t>, </a:t>
-            </a:r>
-            <a:r>
-              <a:rPr lang="en-US" sz="3200" dirty="0" err="1"/>
-              <a:t>luctus</a:t>
-            </a:r>
-            <a:r>
-              <a:rPr lang="en-US" sz="3200" dirty="0"/>
-              <a:t> </a:t>
-            </a:r>
-            <a:r>
-              <a:rPr lang="en-US" sz="3200" dirty="0" err="1"/>
-              <a:t>quis</a:t>
-            </a:r>
-            <a:r>
-              <a:rPr lang="en-US" sz="3200" dirty="0"/>
-              <a:t> eros vel, </a:t>
-            </a:r>
-            <a:r>
-              <a:rPr lang="en-US" sz="3200" dirty="0" err="1"/>
-              <a:t>aliquet</a:t>
-            </a:r>
-            <a:r>
-              <a:rPr lang="en-US" sz="3200" dirty="0"/>
-              <a:t> </a:t>
-            </a:r>
-            <a:r>
-              <a:rPr lang="en-US" sz="3200" dirty="0" err="1"/>
-              <a:t>laoreet</a:t>
-            </a:r>
-            <a:r>
-              <a:rPr lang="en-US" sz="3200" dirty="0"/>
-              <a:t> </a:t>
-            </a:r>
-            <a:r>
-              <a:rPr lang="en-US" sz="3200" dirty="0" err="1"/>
-              <a:t>urna</a:t>
-            </a:r>
-            <a:r>
-              <a:rPr lang="en-US" sz="3200" dirty="0"/>
-              <a:t>. </a:t>
-            </a:r>
-            <a:r>
-              <a:rPr lang="en-US" sz="3200" dirty="0" err="1"/>
-              <a:t>Aliquam</a:t>
-            </a:r>
-            <a:r>
-              <a:rPr lang="en-US" sz="3200" dirty="0"/>
-              <a:t> </a:t>
-            </a:r>
-            <a:r>
-              <a:rPr lang="en-US" sz="3200" dirty="0" err="1"/>
-              <a:t>erat</a:t>
-            </a:r>
-            <a:r>
-              <a:rPr lang="en-US" sz="3200" dirty="0"/>
-              <a:t> </a:t>
-            </a:r>
-            <a:r>
-              <a:rPr lang="en-US" sz="3200" dirty="0" err="1"/>
-              <a:t>volutpat</a:t>
-            </a:r>
-            <a:r>
-              <a:rPr lang="en-US" sz="3200" dirty="0"/>
-              <a:t>. </a:t>
-            </a:r>
-            <a:r>
-              <a:rPr lang="en-US" sz="3200" dirty="0" err="1"/>
-              <a:t>Mauris</a:t>
-            </a:r>
-            <a:r>
-              <a:rPr lang="en-US" sz="3200" dirty="0"/>
-              <a:t> </a:t>
-            </a:r>
-            <a:r>
-              <a:rPr lang="en-US" sz="3200" dirty="0" err="1"/>
-              <a:t>ultrices</a:t>
-            </a:r>
-            <a:r>
-              <a:rPr lang="en-US" sz="3200" dirty="0"/>
-              <a:t> mi id </a:t>
-            </a:r>
-            <a:r>
-              <a:rPr lang="en-US" sz="3200" dirty="0" err="1"/>
-              <a:t>erat</a:t>
-            </a:r>
-            <a:r>
-              <a:rPr lang="en-US" sz="3200" dirty="0"/>
-              <a:t> </a:t>
-            </a:r>
-            <a:r>
-              <a:rPr lang="en-US" sz="3200" dirty="0" err="1"/>
-              <a:t>efficitur</a:t>
-            </a:r>
-            <a:r>
-              <a:rPr lang="en-US" sz="3200" dirty="0"/>
-              <a:t>, at </a:t>
-            </a:r>
-            <a:r>
-              <a:rPr lang="en-US" sz="3200" dirty="0" err="1"/>
-              <a:t>mattis</a:t>
-            </a:r>
-            <a:r>
-              <a:rPr lang="en-US" sz="3200" dirty="0"/>
-              <a:t> lorem </a:t>
-            </a:r>
-            <a:r>
-              <a:rPr lang="en-US" sz="3200" dirty="0" err="1"/>
-              <a:t>mattis</a:t>
-            </a:r>
-            <a:r>
-              <a:rPr lang="en-US" sz="3200" dirty="0"/>
-              <a:t>. </a:t>
-            </a:r>
-            <a:r>
-              <a:rPr lang="en-US" sz="3200" dirty="0" err="1"/>
-              <a:t>Aliquam</a:t>
-            </a:r>
-            <a:r>
-              <a:rPr lang="en-US" sz="3200" dirty="0"/>
-              <a:t> </a:t>
-            </a:r>
-            <a:r>
-              <a:rPr lang="en-US" sz="3200" dirty="0" err="1"/>
-              <a:t>eu</a:t>
-            </a:r>
-            <a:r>
-              <a:rPr lang="en-US" sz="3200" dirty="0"/>
-              <a:t> lacinia eros. Sed </a:t>
-            </a:r>
-            <a:r>
-              <a:rPr lang="en-US" sz="3200" dirty="0" err="1"/>
-              <a:t>facilisis</a:t>
-            </a:r>
-            <a:r>
-              <a:rPr lang="en-US" sz="3200" dirty="0"/>
-              <a:t> </a:t>
-            </a:r>
-            <a:r>
-              <a:rPr lang="en-US" sz="3200" dirty="0" err="1"/>
-              <a:t>neque</a:t>
-            </a:r>
-            <a:r>
-              <a:rPr lang="en-US" sz="3200" dirty="0"/>
-              <a:t> </a:t>
-            </a:r>
-            <a:r>
-              <a:rPr lang="en-US" sz="3200" dirty="0" err="1"/>
-              <a:t>tortor</a:t>
-            </a:r>
-            <a:r>
-              <a:rPr lang="en-US" sz="3200" dirty="0"/>
-              <a:t>, id porta </a:t>
-            </a:r>
-            <a:r>
-              <a:rPr lang="en-US" sz="3200" dirty="0" err="1"/>
-              <a:t>sem</a:t>
-            </a:r>
-            <a:r>
-              <a:rPr lang="en-US" sz="3200" dirty="0"/>
-              <a:t> </a:t>
-            </a:r>
-            <a:r>
-              <a:rPr lang="en-US" sz="3200" dirty="0" err="1"/>
-              <a:t>pellentesque</a:t>
-            </a:r>
-            <a:r>
-              <a:rPr lang="en-US" sz="3200" dirty="0"/>
-              <a:t> dictum. </a:t>
-            </a:r>
-            <a:r>
-              <a:rPr lang="en-US" sz="3200" dirty="0" err="1"/>
-              <a:t>Pellentesque</a:t>
-            </a:r>
-            <a:r>
-              <a:rPr lang="en-US" sz="3200" dirty="0"/>
-              <a:t> habitant </a:t>
-            </a:r>
-            <a:r>
-              <a:rPr lang="en-US" sz="3200" dirty="0" err="1"/>
-              <a:t>morbi</a:t>
-            </a:r>
-            <a:r>
-              <a:rPr lang="en-US" sz="3200" dirty="0"/>
-              <a:t> </a:t>
-            </a:r>
-            <a:r>
-              <a:rPr lang="en-US" sz="3200" dirty="0" err="1"/>
-              <a:t>tristique</a:t>
-            </a:r>
-            <a:r>
-              <a:rPr lang="en-US" sz="3200" dirty="0"/>
-              <a:t> </a:t>
-            </a:r>
-            <a:r>
-              <a:rPr lang="en-US" sz="3200" dirty="0" err="1"/>
-              <a:t>senectus</a:t>
-            </a:r>
-            <a:r>
-              <a:rPr lang="en-US" sz="3200" dirty="0"/>
-              <a:t> et </a:t>
-            </a:r>
-            <a:r>
-              <a:rPr lang="en-US" sz="3200" dirty="0" err="1"/>
-              <a:t>netus</a:t>
-            </a:r>
-            <a:r>
-              <a:rPr lang="en-US" sz="3200" dirty="0"/>
-              <a:t> et </a:t>
-            </a:r>
-            <a:r>
-              <a:rPr lang="en-US" sz="3200" dirty="0" err="1"/>
-              <a:t>malesuada</a:t>
-            </a:r>
-            <a:r>
-              <a:rPr lang="en-US" sz="3200" dirty="0"/>
-              <a:t> fames ac </a:t>
-            </a:r>
-            <a:r>
-              <a:rPr lang="en-US" sz="3200" dirty="0" err="1"/>
-              <a:t>turpis</a:t>
-            </a:r>
-            <a:r>
-              <a:rPr lang="en-US" sz="3200" dirty="0"/>
-              <a:t> </a:t>
-            </a:r>
-            <a:r>
-              <a:rPr lang="en-US" sz="3200" dirty="0" err="1"/>
-              <a:t>egestas</a:t>
-            </a:r>
-            <a:r>
-              <a:rPr lang="en-US" sz="3200" dirty="0"/>
-              <a:t>. Vestibulum </a:t>
-            </a:r>
-            <a:r>
-              <a:rPr lang="en-US" sz="3200" dirty="0" err="1"/>
-              <a:t>sem</a:t>
-            </a:r>
-            <a:r>
-              <a:rPr lang="en-US" sz="3200" dirty="0"/>
-              <a:t> </a:t>
-            </a:r>
-            <a:r>
-              <a:rPr lang="en-US" sz="3200" dirty="0" err="1"/>
-              <a:t>turpis</a:t>
-            </a:r>
-            <a:r>
-              <a:rPr lang="en-US" sz="3200" dirty="0"/>
-              <a:t>, </a:t>
-            </a:r>
-            <a:r>
-              <a:rPr lang="en-US" sz="3200" dirty="0" err="1"/>
-              <a:t>iaculis</a:t>
-            </a:r>
-            <a:r>
-              <a:rPr lang="en-US" sz="3200" dirty="0"/>
-              <a:t> et </a:t>
-            </a:r>
-            <a:r>
-              <a:rPr lang="en-US" sz="3200" dirty="0" err="1"/>
-              <a:t>lacus</a:t>
-            </a:r>
-            <a:r>
-              <a:rPr lang="en-US" sz="3200" dirty="0"/>
-              <a:t> </a:t>
-            </a:r>
-            <a:r>
-              <a:rPr lang="en-US" sz="3200" dirty="0" err="1"/>
-              <a:t>nec</a:t>
-            </a:r>
-            <a:r>
-              <a:rPr lang="en-US" sz="3200" dirty="0"/>
-              <a:t>, </a:t>
-            </a:r>
-            <a:r>
-              <a:rPr lang="en-US" sz="3200" dirty="0" err="1"/>
-              <a:t>rutrum</a:t>
-            </a:r>
-            <a:r>
-              <a:rPr lang="en-US" sz="3200" dirty="0"/>
-              <a:t> </a:t>
-            </a:r>
-            <a:r>
-              <a:rPr lang="en-US" sz="3200" dirty="0" err="1"/>
-              <a:t>laoreet</a:t>
-            </a:r>
-            <a:r>
-              <a:rPr lang="en-US" sz="3200" dirty="0"/>
-              <a:t> mi. Donec ligula </a:t>
-            </a:r>
-            <a:r>
-              <a:rPr lang="en-US" sz="3200" dirty="0" err="1"/>
-              <a:t>felis</a:t>
-            </a:r>
-            <a:r>
-              <a:rPr lang="en-US" sz="3200" dirty="0"/>
-              <a:t>, </a:t>
-            </a:r>
-            <a:r>
-              <a:rPr lang="en-US" sz="3200" dirty="0" err="1"/>
-              <a:t>eleifend</a:t>
-            </a:r>
-            <a:r>
-              <a:rPr lang="en-US" sz="3200" dirty="0"/>
-              <a:t> </a:t>
-            </a:r>
-            <a:r>
-              <a:rPr lang="en-US" sz="3200" dirty="0" err="1"/>
-              <a:t>imperdiet</a:t>
-            </a:r>
-            <a:r>
-              <a:rPr lang="en-US" sz="3200" dirty="0"/>
-              <a:t> </a:t>
-            </a:r>
-            <a:r>
-              <a:rPr lang="en-US" sz="3200" dirty="0" err="1"/>
-              <a:t>ullamcorper</a:t>
-            </a:r>
-            <a:r>
-              <a:rPr lang="en-US" sz="3200" dirty="0"/>
-              <a:t> non, </a:t>
-            </a:r>
-            <a:r>
-              <a:rPr lang="en-US" sz="3200" dirty="0" err="1"/>
-              <a:t>tincidunt</a:t>
-            </a:r>
-            <a:r>
-              <a:rPr lang="en-US" sz="3200" dirty="0"/>
-              <a:t> vel </a:t>
-            </a:r>
-            <a:r>
-              <a:rPr lang="en-US" sz="3200" dirty="0" err="1"/>
-              <a:t>nunc</a:t>
-            </a:r>
-            <a:r>
-              <a:rPr lang="en-US" sz="3200" dirty="0"/>
-              <a:t>. Sed sed </a:t>
-            </a:r>
-            <a:r>
-              <a:rPr lang="en-US" sz="3200" dirty="0" err="1"/>
-              <a:t>congue</a:t>
-            </a:r>
-            <a:r>
-              <a:rPr lang="en-US" sz="3200" dirty="0"/>
-              <a:t> </a:t>
-            </a:r>
-            <a:r>
-              <a:rPr lang="en-US" sz="3200" dirty="0" err="1"/>
-              <a:t>lacus</a:t>
-            </a:r>
-            <a:r>
-              <a:rPr lang="en-US" sz="3200" dirty="0"/>
-              <a:t>, sit </a:t>
-            </a:r>
-            <a:r>
-              <a:rPr lang="en-US" sz="3200" dirty="0" err="1"/>
-              <a:t>amet</a:t>
-            </a:r>
-            <a:r>
-              <a:rPr lang="en-US" sz="3200" dirty="0"/>
-              <a:t> </a:t>
-            </a:r>
-            <a:r>
-              <a:rPr lang="en-US" sz="3200" dirty="0" err="1"/>
-              <a:t>elementum</a:t>
-            </a:r>
-            <a:r>
-              <a:rPr lang="en-US" sz="3200" dirty="0"/>
-              <a:t> </a:t>
-            </a:r>
-            <a:r>
-              <a:rPr lang="en-US" sz="3200" dirty="0" err="1"/>
-              <a:t>purus</a:t>
-            </a:r>
-            <a:r>
-              <a:rPr lang="en-US" sz="3200" dirty="0"/>
-              <a:t>. </a:t>
-            </a:r>
-            <a:r>
-              <a:rPr lang="en-US" sz="3200" dirty="0" err="1"/>
-              <a:t>Orci</a:t>
-            </a:r>
-            <a:r>
-              <a:rPr lang="en-US" sz="3200" dirty="0"/>
-              <a:t> </a:t>
-            </a:r>
-            <a:r>
-              <a:rPr lang="en-US" sz="3200" dirty="0" err="1"/>
-              <a:t>varius</a:t>
-            </a:r>
-            <a:r>
-              <a:rPr lang="en-US" sz="3200" dirty="0"/>
-              <a:t> </a:t>
-            </a:r>
-            <a:r>
-              <a:rPr lang="en-US" sz="3200" dirty="0" err="1"/>
-              <a:t>natoque</a:t>
-            </a:r>
-            <a:r>
-              <a:rPr lang="en-US" sz="3200" dirty="0"/>
-              <a:t> </a:t>
-            </a:r>
-            <a:r>
-              <a:rPr lang="en-US" sz="3200" dirty="0" err="1"/>
-              <a:t>penatibus</a:t>
-            </a:r>
-            <a:r>
-              <a:rPr lang="en-US" sz="3200" dirty="0"/>
-              <a:t> et </a:t>
-            </a:r>
-            <a:r>
-              <a:rPr lang="en-US" sz="3200" dirty="0" err="1"/>
-              <a:t>magnis</a:t>
-            </a:r>
-            <a:r>
-              <a:rPr lang="en-US" sz="3200" dirty="0"/>
-              <a:t> dis parturient </a:t>
-            </a:r>
-            <a:r>
-              <a:rPr lang="en-US" sz="3200" dirty="0" err="1"/>
-              <a:t>montes</a:t>
-            </a:r>
-            <a:r>
-              <a:rPr lang="en-US" sz="3200" dirty="0"/>
-              <a:t>, </a:t>
-            </a:r>
-            <a:r>
-              <a:rPr lang="en-US" sz="3200" dirty="0" err="1"/>
-              <a:t>nascetur</a:t>
-            </a:r>
-            <a:r>
-              <a:rPr lang="en-US" sz="3200" dirty="0"/>
-              <a:t> </a:t>
-            </a:r>
-            <a:r>
-              <a:rPr lang="en-US" sz="3200" dirty="0" err="1"/>
-              <a:t>ridiculus</a:t>
-            </a:r>
-            <a:r>
-              <a:rPr lang="en-US" sz="3200" dirty="0"/>
-              <a:t> mus. In vel </a:t>
-            </a:r>
-            <a:r>
-              <a:rPr lang="en-US" sz="3200" dirty="0" err="1"/>
-              <a:t>ultrices</a:t>
-            </a:r>
-            <a:r>
-              <a:rPr lang="en-US" sz="3200" dirty="0"/>
-              <a:t> magna. In vel </a:t>
-            </a:r>
-            <a:r>
-              <a:rPr lang="en-US" sz="3200" dirty="0" err="1"/>
-              <a:t>justo</a:t>
-            </a:r>
-            <a:r>
-              <a:rPr lang="en-US" sz="3200" dirty="0"/>
-              <a:t> </a:t>
-            </a:r>
-            <a:r>
-              <a:rPr lang="en-US" sz="3200" dirty="0" err="1"/>
-              <a:t>nec</a:t>
-            </a:r>
-            <a:r>
-              <a:rPr lang="en-US" sz="3200" dirty="0"/>
-              <a:t> </a:t>
-            </a:r>
-            <a:r>
-              <a:rPr lang="en-US" sz="3200" dirty="0" err="1"/>
-              <a:t>turpis</a:t>
-            </a:r>
-            <a:r>
-              <a:rPr lang="en-US" sz="3200" dirty="0"/>
-              <a:t> </a:t>
-            </a:r>
-            <a:r>
-              <a:rPr lang="en-US" sz="3200" dirty="0" err="1"/>
-              <a:t>malesuada</a:t>
-            </a:r>
-            <a:r>
-              <a:rPr lang="en-US" sz="3200" dirty="0"/>
-              <a:t> </a:t>
-            </a:r>
-            <a:r>
-              <a:rPr lang="en-US" sz="3200" dirty="0" err="1"/>
-              <a:t>elementum</a:t>
-            </a:r>
-            <a:r>
-              <a:rPr lang="en-US" sz="3200" dirty="0"/>
-              <a:t>. Sed </a:t>
-            </a:r>
-            <a:r>
-              <a:rPr lang="en-US" sz="3200" dirty="0" err="1"/>
-              <a:t>ultricies</a:t>
-            </a:r>
-            <a:r>
-              <a:rPr lang="en-US" sz="3200" dirty="0"/>
-              <a:t> ipsum </a:t>
-            </a:r>
-            <a:r>
-              <a:rPr lang="en-US" sz="3200" dirty="0" err="1"/>
-              <a:t>ut</a:t>
-            </a:r>
-            <a:r>
-              <a:rPr lang="en-US" sz="3200" dirty="0"/>
-              <a:t> </a:t>
-            </a:r>
-            <a:r>
-              <a:rPr lang="en-US" sz="3200" dirty="0" err="1"/>
-              <a:t>malesuada</a:t>
-            </a:r>
-            <a:r>
-              <a:rPr lang="en-US" sz="3200" dirty="0"/>
-              <a:t> </a:t>
-            </a:r>
-            <a:r>
-              <a:rPr lang="en-US" sz="3200" dirty="0" err="1"/>
-              <a:t>eleifend</a:t>
-            </a:r>
-            <a:r>
-              <a:rPr lang="en-US" sz="3200" dirty="0"/>
-              <a:t>.</a:t>
-            </a:r>
-          </a:p>
-          <a:p>
-            <a:pPr algn="just"/>
-            <a:endParaRPr lang="en-US" sz="3200" dirty="0"/>
-          </a:p>
-          <a:p>
-            <a:pPr algn="just"/>
-            <a:r>
-              <a:rPr lang="en-US" sz="3200" dirty="0" err="1"/>
-              <a:t>Nulla</a:t>
-            </a:r>
-            <a:r>
-              <a:rPr lang="en-US" sz="3200" dirty="0"/>
-              <a:t> </a:t>
-            </a:r>
-            <a:r>
-              <a:rPr lang="en-US" sz="3200" dirty="0" err="1"/>
-              <a:t>facilisi</a:t>
-            </a:r>
-            <a:r>
-              <a:rPr lang="en-US" sz="3200" dirty="0"/>
-              <a:t>. </a:t>
-            </a:r>
-            <a:r>
-              <a:rPr lang="en-US" sz="3200" dirty="0" err="1"/>
-              <a:t>Praesent</a:t>
-            </a:r>
-            <a:r>
-              <a:rPr lang="en-US" sz="3200" dirty="0"/>
-              <a:t> id dui a </a:t>
-            </a:r>
-            <a:r>
-              <a:rPr lang="en-US" sz="3200" dirty="0" err="1"/>
-              <a:t>orci</a:t>
-            </a:r>
-            <a:r>
-              <a:rPr lang="en-US" sz="3200" dirty="0"/>
-              <a:t> </a:t>
-            </a:r>
-            <a:r>
-              <a:rPr lang="en-US" sz="3200" dirty="0" err="1"/>
-              <a:t>molestie</a:t>
-            </a:r>
-            <a:r>
-              <a:rPr lang="en-US" sz="3200" dirty="0"/>
-              <a:t> </a:t>
-            </a:r>
-            <a:r>
-              <a:rPr lang="en-US" sz="3200" dirty="0" err="1"/>
-              <a:t>hendrerit</a:t>
-            </a:r>
-            <a:r>
-              <a:rPr lang="en-US" sz="3200" dirty="0"/>
-              <a:t>. Donec eros </a:t>
-            </a:r>
-            <a:r>
-              <a:rPr lang="en-US" sz="3200" dirty="0" err="1"/>
-              <a:t>turpis</a:t>
-            </a:r>
-            <a:r>
-              <a:rPr lang="en-US" sz="3200" dirty="0"/>
-              <a:t>, </a:t>
-            </a:r>
-            <a:r>
-              <a:rPr lang="en-US" sz="3200" dirty="0" err="1"/>
-              <a:t>eleifend</a:t>
-            </a:r>
-            <a:r>
-              <a:rPr lang="en-US" sz="3200" dirty="0"/>
-              <a:t> </a:t>
-            </a:r>
-            <a:r>
-              <a:rPr lang="en-US" sz="3200" dirty="0" err="1"/>
-              <a:t>nec</a:t>
-            </a:r>
-            <a:r>
-              <a:rPr lang="en-US" sz="3200" dirty="0"/>
-              <a:t> convallis vitae, </a:t>
-            </a:r>
-            <a:r>
-              <a:rPr lang="en-US" sz="3200" dirty="0" err="1"/>
-              <a:t>venenatis</a:t>
-            </a:r>
-            <a:r>
-              <a:rPr lang="en-US" sz="3200" dirty="0"/>
-              <a:t> </a:t>
-            </a:r>
-            <a:r>
-              <a:rPr lang="en-US" sz="3200" dirty="0" err="1"/>
-              <a:t>quis</a:t>
-            </a:r>
-            <a:r>
-              <a:rPr lang="en-US" sz="3200" dirty="0"/>
-              <a:t> </a:t>
-            </a:r>
-            <a:r>
-              <a:rPr lang="en-US" sz="3200" dirty="0" err="1"/>
-              <a:t>justo</a:t>
-            </a:r>
-            <a:r>
-              <a:rPr lang="en-US" sz="3200" dirty="0"/>
-              <a:t>. Cras vel </a:t>
-            </a:r>
-            <a:r>
-              <a:rPr lang="en-US" sz="3200" dirty="0" err="1"/>
-              <a:t>malesuada</a:t>
-            </a:r>
-            <a:r>
-              <a:rPr lang="en-US" sz="3200" dirty="0"/>
-              <a:t> </a:t>
-            </a:r>
-            <a:r>
-              <a:rPr lang="en-US" sz="3200" dirty="0" err="1"/>
-              <a:t>metus</a:t>
-            </a:r>
-            <a:r>
-              <a:rPr lang="en-US" sz="3200" dirty="0"/>
-              <a:t>. Donec </a:t>
-            </a:r>
-            <a:r>
-              <a:rPr lang="en-US" sz="3200" dirty="0" err="1"/>
-              <a:t>ut</a:t>
-            </a:r>
-            <a:r>
-              <a:rPr lang="en-US" sz="3200" dirty="0"/>
-              <a:t> </a:t>
-            </a:r>
-            <a:r>
-              <a:rPr lang="en-US" sz="3200" dirty="0" err="1"/>
-              <a:t>elit</a:t>
-            </a:r>
-            <a:r>
-              <a:rPr lang="en-US" sz="3200" dirty="0"/>
-              <a:t> id ex </a:t>
-            </a:r>
-            <a:r>
-              <a:rPr lang="en-US" sz="3200" dirty="0" err="1"/>
-              <a:t>tincidunt</a:t>
-            </a:r>
-            <a:r>
-              <a:rPr lang="en-US" sz="3200" dirty="0"/>
-              <a:t> </a:t>
-            </a:r>
-            <a:r>
-              <a:rPr lang="en-US" sz="3200" dirty="0" err="1"/>
-              <a:t>tristique</a:t>
-            </a:r>
-            <a:r>
-              <a:rPr lang="en-US" sz="3200" dirty="0"/>
-              <a:t>. Cras </a:t>
-            </a:r>
-            <a:r>
-              <a:rPr lang="en-US" sz="3200" dirty="0" err="1"/>
-              <a:t>facilisis</a:t>
-            </a:r>
-            <a:r>
-              <a:rPr lang="en-US" sz="3200" dirty="0"/>
-              <a:t> </a:t>
-            </a:r>
-            <a:r>
-              <a:rPr lang="en-US" sz="3200" dirty="0" err="1"/>
-              <a:t>sapien</a:t>
-            </a:r>
-            <a:r>
-              <a:rPr lang="en-US" sz="3200" dirty="0"/>
-              <a:t> </a:t>
-            </a:r>
-            <a:r>
-              <a:rPr lang="en-US" sz="3200" dirty="0" err="1"/>
-              <a:t>lacus</a:t>
-            </a:r>
-            <a:r>
-              <a:rPr lang="en-US" sz="3200" dirty="0"/>
-              <a:t>, </a:t>
-            </a:r>
-            <a:r>
-              <a:rPr lang="en-US" sz="3200" dirty="0" err="1"/>
-              <a:t>quis</a:t>
-            </a:r>
-            <a:r>
-              <a:rPr lang="en-US" sz="3200" dirty="0"/>
-              <a:t> </a:t>
-            </a:r>
-            <a:r>
-              <a:rPr lang="en-US" sz="3200" dirty="0" err="1"/>
-              <a:t>commodo</a:t>
-            </a:r>
-            <a:r>
-              <a:rPr lang="en-US" sz="3200" dirty="0"/>
-              <a:t> </a:t>
-            </a:r>
-            <a:r>
-              <a:rPr lang="en-US" sz="3200" dirty="0" err="1"/>
-              <a:t>est</a:t>
-            </a:r>
-            <a:r>
-              <a:rPr lang="en-US" sz="3200" dirty="0"/>
-              <a:t> </a:t>
-            </a:r>
-            <a:r>
-              <a:rPr lang="en-US" sz="3200" dirty="0" err="1"/>
-              <a:t>posuere</a:t>
-            </a:r>
-            <a:r>
-              <a:rPr lang="en-US" sz="3200" dirty="0"/>
-              <a:t> ac. </a:t>
-            </a:r>
-            <a:r>
-              <a:rPr lang="en-US" sz="3200" dirty="0" err="1"/>
-              <a:t>Fusce</a:t>
-            </a:r>
-            <a:r>
-              <a:rPr lang="en-US" sz="3200" dirty="0"/>
-              <a:t> </a:t>
-            </a:r>
-            <a:r>
-              <a:rPr lang="en-US" sz="3200" dirty="0" err="1"/>
-              <a:t>tincidunt</a:t>
-            </a:r>
-            <a:r>
-              <a:rPr lang="en-US" sz="3200" dirty="0"/>
-              <a:t> </a:t>
-            </a:r>
-            <a:r>
-              <a:rPr lang="en-US" sz="3200" dirty="0" err="1"/>
-              <a:t>ullamcorper</a:t>
-            </a:r>
-            <a:r>
-              <a:rPr lang="en-US" sz="3200" dirty="0"/>
-              <a:t> </a:t>
-            </a:r>
-            <a:r>
-              <a:rPr lang="en-US" sz="3200" dirty="0" err="1"/>
-              <a:t>leo</a:t>
-            </a:r>
-            <a:r>
-              <a:rPr lang="en-US" sz="3200" dirty="0"/>
-              <a:t> at </a:t>
-            </a:r>
-            <a:r>
-              <a:rPr lang="en-US" sz="3200" dirty="0" err="1"/>
-              <a:t>egestas</a:t>
-            </a:r>
-            <a:r>
-              <a:rPr lang="en-US" sz="3200" dirty="0"/>
-              <a:t>.</a:t>
-            </a:r>
-          </a:p>
-          <a:p>
-            <a:pPr algn="just"/>
-            <a:endParaRPr lang="en-US" sz="3200" dirty="0"/>
-          </a:p>
-          <a:p>
-            <a:pPr algn="just"/>
-            <a:r>
-              <a:rPr lang="en-US" sz="3200" dirty="0" err="1"/>
-              <a:t>Vivamus</a:t>
-            </a:r>
-            <a:r>
-              <a:rPr lang="en-US" sz="3200" dirty="0"/>
-              <a:t> </a:t>
-            </a:r>
-            <a:r>
-              <a:rPr lang="en-US" sz="3200" dirty="0" err="1"/>
-              <a:t>pellentesque</a:t>
-            </a:r>
-            <a:r>
-              <a:rPr lang="en-US" sz="3200" dirty="0"/>
-              <a:t> </a:t>
-            </a:r>
-            <a:r>
-              <a:rPr lang="en-US" sz="3200" dirty="0" err="1"/>
-              <a:t>fringilla</a:t>
-            </a:r>
-            <a:r>
-              <a:rPr lang="en-US" sz="3200" dirty="0"/>
-              <a:t> </a:t>
-            </a:r>
-            <a:r>
-              <a:rPr lang="en-US" sz="3200" dirty="0" err="1"/>
-              <a:t>sapien</a:t>
-            </a:r>
-            <a:r>
-              <a:rPr lang="en-US" sz="3200" dirty="0"/>
-              <a:t> </a:t>
-            </a:r>
-            <a:r>
-              <a:rPr lang="en-US" sz="3200" dirty="0" err="1"/>
-              <a:t>ut</a:t>
-            </a:r>
-            <a:r>
-              <a:rPr lang="en-US" sz="3200" dirty="0"/>
-              <a:t> </a:t>
-            </a:r>
-            <a:r>
-              <a:rPr lang="en-US" sz="3200" dirty="0" err="1"/>
-              <a:t>vehicula</a:t>
-            </a:r>
-            <a:r>
-              <a:rPr lang="en-US" sz="3200" dirty="0"/>
-              <a:t>. </a:t>
-            </a:r>
-            <a:r>
-              <a:rPr lang="en-US" sz="3200" dirty="0" err="1"/>
-              <a:t>Phasellus</a:t>
-            </a:r>
-            <a:r>
-              <a:rPr lang="en-US" sz="3200" dirty="0"/>
-              <a:t> id </a:t>
-            </a:r>
-            <a:r>
-              <a:rPr lang="en-US" sz="3200" dirty="0" err="1"/>
-              <a:t>est</a:t>
-            </a:r>
-            <a:r>
-              <a:rPr lang="en-US" sz="3200" dirty="0"/>
-              <a:t> </a:t>
-            </a:r>
-            <a:r>
-              <a:rPr lang="en-US" sz="3200" dirty="0" err="1"/>
-              <a:t>accumsan</a:t>
-            </a:r>
-            <a:r>
-              <a:rPr lang="en-US" sz="3200" dirty="0"/>
-              <a:t>, vestibulum </a:t>
-            </a:r>
-            <a:r>
-              <a:rPr lang="en-US" sz="3200" dirty="0" err="1"/>
-              <a:t>leo</a:t>
-            </a:r>
-            <a:r>
-              <a:rPr lang="en-US" sz="3200" dirty="0"/>
-              <a:t> </a:t>
-            </a:r>
-            <a:r>
-              <a:rPr lang="en-US" sz="3200" dirty="0" err="1"/>
-              <a:t>eu</a:t>
-            </a:r>
-            <a:r>
-              <a:rPr lang="en-US" sz="3200" dirty="0"/>
-              <a:t>, fermentum </a:t>
-            </a:r>
-            <a:r>
-              <a:rPr lang="en-US" sz="3200" dirty="0" err="1"/>
-              <a:t>erat</a:t>
-            </a:r>
-            <a:r>
-              <a:rPr lang="en-US" sz="3200" dirty="0"/>
-              <a:t>. Aenean </a:t>
-            </a:r>
-            <a:r>
-              <a:rPr lang="en-US" sz="3200" dirty="0" err="1"/>
-              <a:t>ullamcorper</a:t>
-            </a:r>
-            <a:r>
-              <a:rPr lang="en-US" sz="3200" dirty="0"/>
-              <a:t> </a:t>
-            </a:r>
-            <a:r>
-              <a:rPr lang="en-US" sz="3200" dirty="0" err="1"/>
-              <a:t>neque</a:t>
-            </a:r>
-            <a:r>
-              <a:rPr lang="en-US" sz="3200" dirty="0"/>
-              <a:t> vel </a:t>
-            </a:r>
-            <a:r>
-              <a:rPr lang="en-US" sz="3200" dirty="0" err="1"/>
-              <a:t>elit</a:t>
-            </a:r>
-            <a:r>
-              <a:rPr lang="en-US" sz="3200" dirty="0"/>
-              <a:t> </a:t>
-            </a:r>
-            <a:r>
-              <a:rPr lang="en-US" sz="3200" dirty="0" err="1"/>
-              <a:t>elementum</a:t>
-            </a:r>
-            <a:r>
-              <a:rPr lang="en-US" sz="3200" dirty="0"/>
-              <a:t>, id </a:t>
-            </a:r>
-            <a:r>
-              <a:rPr lang="en-US" sz="3200" dirty="0" err="1"/>
-              <a:t>congue</a:t>
-            </a:r>
-            <a:r>
-              <a:rPr lang="en-US" sz="3200" dirty="0"/>
-              <a:t> </a:t>
-            </a:r>
-            <a:r>
-              <a:rPr lang="en-US" sz="3200" dirty="0" err="1"/>
-              <a:t>nibh</a:t>
-            </a:r>
-            <a:r>
-              <a:rPr lang="en-US" sz="3200" dirty="0"/>
-              <a:t> </a:t>
-            </a:r>
-            <a:r>
-              <a:rPr lang="en-US" sz="3200" dirty="0" err="1"/>
-              <a:t>tristique</a:t>
-            </a:r>
-            <a:r>
-              <a:rPr lang="en-US" sz="3200" dirty="0"/>
-              <a:t>. Lorem ipsum dolor sit </a:t>
-            </a:r>
-            <a:r>
-              <a:rPr lang="en-US" sz="3200" dirty="0" err="1"/>
-              <a:t>amet</a:t>
-            </a:r>
-            <a:r>
-              <a:rPr lang="en-US" sz="3200" dirty="0"/>
-              <a:t>, </a:t>
-            </a:r>
-            <a:r>
-              <a:rPr lang="en-US" sz="3200" dirty="0" err="1"/>
-              <a:t>consectetur</a:t>
-            </a:r>
-            <a:r>
-              <a:rPr lang="en-US" sz="3200" dirty="0"/>
-              <a:t> </a:t>
-            </a:r>
-            <a:r>
-              <a:rPr lang="en-US" sz="3200" dirty="0" err="1"/>
-              <a:t>adipiscing</a:t>
-            </a:r>
-            <a:r>
-              <a:rPr lang="en-US" sz="3200" dirty="0"/>
-              <a:t> </a:t>
-            </a:r>
-            <a:r>
-              <a:rPr lang="en-US" sz="3200" dirty="0" err="1"/>
-              <a:t>elit</a:t>
-            </a:r>
-            <a:r>
-              <a:rPr lang="en-US" sz="3200" dirty="0"/>
-              <a:t>. </a:t>
+              <a:t>, which ensured that unsafe states could be reversed and corrected. The database is relational, developed in MySQL.</a:t>
             </a:r>
           </a:p>
         </p:txBody>
@@ -5025,7 +3944,7 @@
         <p:spPr>
           <a:xfrm>
             <a:off x="20116800" y="7315200"/>
-            <a:ext cx="7543800" cy="10926068"/>
+            <a:ext cx="7543800" cy="25699343"/>
           </a:xfrm>
           <a:prstGeom prst="rect">
             <a:avLst/>
@@ -5054,7 +3973,66 @@
             <a:pPr algn="just"/>
             <a:r>
               <a:rPr lang="en-US" sz="3200" dirty="0"/>
-              <a:t>The database will include four tables: a User table, a Palette table, a </a:t>
+              <a:t> The Palette Picker component diagram (Figure 1) illustrates how our components interact with each other starting with the UI. The UI has two required interfaces, which are the Credentials interface and the </a:t>
+            </a:r>
+            <a:r>
+              <a:rPr lang="en-US" sz="3200" dirty="0" err="1"/>
+              <a:t>ColorsIn</a:t>
+            </a:r>
+            <a:r>
+              <a:rPr lang="en-US" sz="3200" dirty="0"/>
+              <a:t> interface. The </a:t>
+            </a:r>
+            <a:r>
+              <a:rPr lang="en-US" sz="3200" dirty="0" err="1"/>
+              <a:t>ColorsIn</a:t>
+            </a:r>
+            <a:r>
+              <a:rPr lang="en-US" sz="3200" dirty="0"/>
+              <a:t> interface connects the UI to the palette creator component and gives the new palette its colors. The Credentials interface connects to the login component and gives it a username and password. It also contains a provided interface which will allow users to sort their search results. The palette creator component contains a provided interface called </a:t>
+            </a:r>
+            <a:r>
+              <a:rPr lang="en-US" sz="3200" dirty="0" err="1"/>
+              <a:t>PalleteOut</a:t>
+            </a:r>
+            <a:r>
+              <a:rPr lang="en-US" sz="3200" dirty="0"/>
+              <a:t>, that connects to the profile component, which allows users to send newly created palettes to their profile. The login component has a required interface called </a:t>
+            </a:r>
+            <a:r>
+              <a:rPr lang="en-US" sz="3200" dirty="0" err="1"/>
+              <a:t>EncryptPassword</a:t>
+            </a:r>
+            <a:r>
+              <a:rPr lang="en-US" sz="3200" dirty="0"/>
+              <a:t>, that connects to the database component. </a:t>
+            </a:r>
+            <a:r>
+              <a:rPr lang="en-US" sz="3200" dirty="0" err="1"/>
+              <a:t>EncryptPassword</a:t>
+            </a:r>
+            <a:r>
+              <a:rPr lang="en-US" sz="3200" dirty="0"/>
+              <a:t> makes sure the password is encrypted before reaching the database, or searching the database. The login component also connects to the profile component once the user's login credentials have been confirmed. The search palettes component searches the database for relevant palettes from the users search parameters. The profile component has a provided </a:t>
+            </a:r>
+            <a:r>
+              <a:rPr lang="en-US" sz="3200" dirty="0" err="1"/>
+              <a:t>AddFriend</a:t>
+            </a:r>
+            <a:r>
+              <a:rPr lang="en-US" sz="3200" dirty="0"/>
+              <a:t> interface that connects to the database. This connects two users to one another in the database and gives them more access to interact with each other. </a:t>
+            </a:r>
+          </a:p>
+          <a:p>
+            <a:pPr algn="just"/>
+            <a:endParaRPr lang="en-US" sz="3200" dirty="0"/>
+          </a:p>
+          <a:p>
+            <a:pPr algn="just"/>
+            <a:r>
+              <a:rPr lang="en-US" sz="3200" dirty="0"/>
+              <a:t>The database (ERD shown in Figure 2) will include four tables: a User table, a Palette table, a </a:t>
             </a:r>
             <a:r>
               <a:rPr lang="en-US" sz="3200" dirty="0" err="1"/>
@@ -5070,15 +4048,7 @@
             </a:r>
             <a:r>
               <a:rPr lang="en-US" sz="3200" dirty="0"/>
-              <a:t> table. The User table will have 3 classes: an integer ID as the primary key, a 255 varchar username, and a 255 varchar password. The Palette table has ten classes: an integer ID as a primary key, an integer user id that is a foreign key, a </a:t>
-            </a:r>
-            <a:r>
-              <a:rPr lang="en-US" sz="3200"/>
-              <a:t>255 varchar title</a:t>
-            </a:r>
-            <a:r>
-              <a:rPr lang="en-US" sz="3200" dirty="0"/>
-              <a:t>, 6 integer hex codes representing each color in the palette, a date representing the day the palette was created, and the number of times a person has clicked the palette’s page. The </a:t>
+              <a:t> table. The User table will have 3 classes: an ID as the primary key, a username, and a password. The Palette table has ten classes: an integer ID as a primary key, an integer user id that is a foreign key, a title, 6 hex codes representing each color in the palette, a date representing the day the palette was created, and the number of times a person has clicked the palette’s page. The </a:t>
             </a:r>
             <a:r>
               <a:rPr lang="en-US" sz="3200" dirty="0" err="1"/>
@@ -5086,7 +4056,7 @@
             </a:r>
             <a:r>
               <a:rPr lang="en-US" sz="3200" dirty="0"/>
-              <a:t> table has two classes that make its primary key: an integer user id and another integer </a:t>
+              <a:t> table has two classes that make its primary key: a user id and another </a:t>
             </a:r>
             <a:r>
               <a:rPr lang="en-US" sz="3200" dirty="0" err="1"/>
@@ -5102,7 +4072,7 @@
             </a:r>
             <a:r>
               <a:rPr lang="en-US" sz="3200" dirty="0"/>
-              <a:t> table also has two fields as a primary key: an integer user id and an integer palette id. All classes must not be null. All primary keys for every table must be unique. A User’s username must also be unique.</a:t>
+              <a:t> table also has two fields as a primary key: a user id and a palette id. </a:t>
             </a:r>
           </a:p>
         </p:txBody>
@@ -5181,7 +4151,7 @@
         <p:spPr>
           <a:xfrm>
             <a:off x="29489400" y="7278624"/>
-            <a:ext cx="7543800" cy="19297590"/>
+            <a:ext cx="7543800" cy="6494085"/>
           </a:xfrm>
           <a:prstGeom prst="rect">
             <a:avLst/>
@@ -5210,1194 +4180,7 @@
             <a:pPr algn="just"/>
             <a:r>
               <a:rPr lang="en-US" sz="3200" dirty="0"/>
-              <a:t>Lorem ipsum dolor sit </a:t>
-            </a:r>
-            <a:r>
-              <a:rPr lang="en-US" sz="3200" dirty="0" err="1"/>
-              <a:t>amet</a:t>
-            </a:r>
-            <a:r>
-              <a:rPr lang="en-US" sz="3200" dirty="0"/>
-              <a:t>, </a:t>
-            </a:r>
-            <a:r>
-              <a:rPr lang="en-US" sz="3200" dirty="0" err="1"/>
-              <a:t>consectetur</a:t>
-            </a:r>
-            <a:r>
-              <a:rPr lang="en-US" sz="3200" dirty="0"/>
-              <a:t> </a:t>
-            </a:r>
-            <a:r>
-              <a:rPr lang="en-US" sz="3200" dirty="0" err="1"/>
-              <a:t>adipiscing</a:t>
-            </a:r>
-            <a:r>
-              <a:rPr lang="en-US" sz="3200" dirty="0"/>
-              <a:t> </a:t>
-            </a:r>
-            <a:r>
-              <a:rPr lang="en-US" sz="3200" dirty="0" err="1"/>
-              <a:t>elit</a:t>
-            </a:r>
-            <a:r>
-              <a:rPr lang="en-US" sz="3200" dirty="0"/>
-              <a:t>. </a:t>
-            </a:r>
-            <a:r>
-              <a:rPr lang="en-US" sz="3200" dirty="0" err="1"/>
-              <a:t>Aliquam</a:t>
-            </a:r>
-            <a:r>
-              <a:rPr lang="en-US" sz="3200" dirty="0"/>
-              <a:t> </a:t>
-            </a:r>
-            <a:r>
-              <a:rPr lang="en-US" sz="3200" dirty="0" err="1"/>
-              <a:t>hendrerit</a:t>
-            </a:r>
-            <a:r>
-              <a:rPr lang="en-US" sz="3200" dirty="0"/>
-              <a:t> </a:t>
-            </a:r>
-            <a:r>
-              <a:rPr lang="en-US" sz="3200" dirty="0" err="1"/>
-              <a:t>laoreet</a:t>
-            </a:r>
-            <a:r>
-              <a:rPr lang="en-US" sz="3200" dirty="0"/>
-              <a:t> ante </a:t>
-            </a:r>
-            <a:r>
-              <a:rPr lang="en-US" sz="3200" dirty="0" err="1"/>
-              <a:t>eget</a:t>
-            </a:r>
-            <a:r>
-              <a:rPr lang="en-US" sz="3200" dirty="0"/>
-              <a:t> </a:t>
-            </a:r>
-            <a:r>
-              <a:rPr lang="en-US" sz="3200" dirty="0" err="1"/>
-              <a:t>commodo</a:t>
-            </a:r>
-            <a:r>
-              <a:rPr lang="en-US" sz="3200" dirty="0"/>
-              <a:t>. </a:t>
-            </a:r>
-            <a:r>
-              <a:rPr lang="en-US" sz="3200" dirty="0" err="1"/>
-              <a:t>Aliquam</a:t>
-            </a:r>
-            <a:r>
-              <a:rPr lang="en-US" sz="3200" dirty="0"/>
-              <a:t> </a:t>
-            </a:r>
-            <a:r>
-              <a:rPr lang="en-US" sz="3200" dirty="0" err="1"/>
-              <a:t>erat</a:t>
-            </a:r>
-            <a:r>
-              <a:rPr lang="en-US" sz="3200" dirty="0"/>
-              <a:t> </a:t>
-            </a:r>
-            <a:r>
-              <a:rPr lang="en-US" sz="3200" dirty="0" err="1"/>
-              <a:t>volutpat</a:t>
-            </a:r>
-            <a:r>
-              <a:rPr lang="en-US" sz="3200" dirty="0"/>
-              <a:t>. </a:t>
-            </a:r>
-            <a:r>
-              <a:rPr lang="en-US" sz="3200" dirty="0" err="1"/>
-              <a:t>Curabitur</a:t>
-            </a:r>
-            <a:r>
-              <a:rPr lang="en-US" sz="3200" dirty="0"/>
-              <a:t> </a:t>
-            </a:r>
-            <a:r>
-              <a:rPr lang="en-US" sz="3200" dirty="0" err="1"/>
-              <a:t>nunc</a:t>
-            </a:r>
-            <a:r>
-              <a:rPr lang="en-US" sz="3200" dirty="0"/>
-              <a:t> </a:t>
-            </a:r>
-            <a:r>
-              <a:rPr lang="en-US" sz="3200" dirty="0" err="1"/>
-              <a:t>nibh</a:t>
-            </a:r>
-            <a:r>
-              <a:rPr lang="en-US" sz="3200" dirty="0"/>
-              <a:t>, </a:t>
-            </a:r>
-            <a:r>
-              <a:rPr lang="en-US" sz="3200" dirty="0" err="1"/>
-              <a:t>luctus</a:t>
-            </a:r>
-            <a:r>
-              <a:rPr lang="en-US" sz="3200" dirty="0"/>
-              <a:t> </a:t>
-            </a:r>
-            <a:r>
-              <a:rPr lang="en-US" sz="3200" dirty="0" err="1"/>
-              <a:t>quis</a:t>
-            </a:r>
-            <a:r>
-              <a:rPr lang="en-US" sz="3200" dirty="0"/>
-              <a:t> eros vel, </a:t>
-            </a:r>
-            <a:r>
-              <a:rPr lang="en-US" sz="3200" dirty="0" err="1"/>
-              <a:t>aliquet</a:t>
-            </a:r>
-            <a:r>
-              <a:rPr lang="en-US" sz="3200" dirty="0"/>
-              <a:t> </a:t>
-            </a:r>
-            <a:r>
-              <a:rPr lang="en-US" sz="3200" dirty="0" err="1"/>
-              <a:t>laoreet</a:t>
-            </a:r>
-            <a:r>
-              <a:rPr lang="en-US" sz="3200" dirty="0"/>
-              <a:t> </a:t>
-            </a:r>
-            <a:r>
-              <a:rPr lang="en-US" sz="3200" dirty="0" err="1"/>
-              <a:t>urna</a:t>
-            </a:r>
-            <a:r>
-              <a:rPr lang="en-US" sz="3200" dirty="0"/>
-              <a:t>. </a:t>
-            </a:r>
-            <a:r>
-              <a:rPr lang="en-US" sz="3200" dirty="0" err="1"/>
-              <a:t>Aliquam</a:t>
-            </a:r>
-            <a:r>
-              <a:rPr lang="en-US" sz="3200" dirty="0"/>
-              <a:t> </a:t>
-            </a:r>
-            <a:r>
-              <a:rPr lang="en-US" sz="3200" dirty="0" err="1"/>
-              <a:t>erat</a:t>
-            </a:r>
-            <a:r>
-              <a:rPr lang="en-US" sz="3200" dirty="0"/>
-              <a:t> </a:t>
-            </a:r>
-            <a:r>
-              <a:rPr lang="en-US" sz="3200" dirty="0" err="1"/>
-              <a:t>volutpat</a:t>
-            </a:r>
-            <a:r>
-              <a:rPr lang="en-US" sz="3200" dirty="0"/>
-              <a:t>. </a:t>
-            </a:r>
-            <a:r>
-              <a:rPr lang="en-US" sz="3200" dirty="0" err="1"/>
-              <a:t>Mauris</a:t>
-            </a:r>
-            <a:r>
-              <a:rPr lang="en-US" sz="3200" dirty="0"/>
-              <a:t> </a:t>
-            </a:r>
-            <a:r>
-              <a:rPr lang="en-US" sz="3200" dirty="0" err="1"/>
-              <a:t>ultrices</a:t>
-            </a:r>
-            <a:r>
-              <a:rPr lang="en-US" sz="3200" dirty="0"/>
-              <a:t> mi id </a:t>
-            </a:r>
-            <a:r>
-              <a:rPr lang="en-US" sz="3200" dirty="0" err="1"/>
-              <a:t>erat</a:t>
-            </a:r>
-            <a:r>
-              <a:rPr lang="en-US" sz="3200" dirty="0"/>
-              <a:t> </a:t>
-            </a:r>
-            <a:r>
-              <a:rPr lang="en-US" sz="3200" dirty="0" err="1"/>
-              <a:t>efficitur</a:t>
-            </a:r>
-            <a:r>
-              <a:rPr lang="en-US" sz="3200" dirty="0"/>
-              <a:t>, at </a:t>
-            </a:r>
-            <a:r>
-              <a:rPr lang="en-US" sz="3200" dirty="0" err="1"/>
-              <a:t>mattis</a:t>
-            </a:r>
-            <a:r>
-              <a:rPr lang="en-US" sz="3200" dirty="0"/>
-              <a:t> lorem </a:t>
-            </a:r>
-            <a:r>
-              <a:rPr lang="en-US" sz="3200" dirty="0" err="1"/>
-              <a:t>mattis</a:t>
-            </a:r>
-            <a:r>
-              <a:rPr lang="en-US" sz="3200" dirty="0"/>
-              <a:t>. </a:t>
-            </a:r>
-            <a:r>
-              <a:rPr lang="en-US" sz="3200" dirty="0" err="1"/>
-              <a:t>Aliquam</a:t>
-            </a:r>
-            <a:r>
-              <a:rPr lang="en-US" sz="3200" dirty="0"/>
-              <a:t> </a:t>
-            </a:r>
-            <a:r>
-              <a:rPr lang="en-US" sz="3200" dirty="0" err="1"/>
-              <a:t>eu</a:t>
-            </a:r>
-            <a:r>
-              <a:rPr lang="en-US" sz="3200" dirty="0"/>
-              <a:t> lacinia eros. Sed </a:t>
-            </a:r>
-            <a:r>
-              <a:rPr lang="en-US" sz="3200" dirty="0" err="1"/>
-              <a:t>facilisis</a:t>
-            </a:r>
-            <a:r>
-              <a:rPr lang="en-US" sz="3200" dirty="0"/>
-              <a:t> </a:t>
-            </a:r>
-            <a:r>
-              <a:rPr lang="en-US" sz="3200" dirty="0" err="1"/>
-              <a:t>neque</a:t>
-            </a:r>
-            <a:r>
-              <a:rPr lang="en-US" sz="3200" dirty="0"/>
-              <a:t> </a:t>
-            </a:r>
-            <a:r>
-              <a:rPr lang="en-US" sz="3200" dirty="0" err="1"/>
-              <a:t>tortor</a:t>
-            </a:r>
-            <a:r>
-              <a:rPr lang="en-US" sz="3200" dirty="0"/>
-              <a:t>, id porta </a:t>
-            </a:r>
-            <a:r>
-              <a:rPr lang="en-US" sz="3200" dirty="0" err="1"/>
-              <a:t>sem</a:t>
-            </a:r>
-            <a:r>
-              <a:rPr lang="en-US" sz="3200" dirty="0"/>
-              <a:t> </a:t>
-            </a:r>
-            <a:r>
-              <a:rPr lang="en-US" sz="3200" dirty="0" err="1"/>
-              <a:t>pellentesque</a:t>
-            </a:r>
-            <a:r>
-              <a:rPr lang="en-US" sz="3200" dirty="0"/>
-              <a:t> dictum. </a:t>
-            </a:r>
-            <a:r>
-              <a:rPr lang="en-US" sz="3200" dirty="0" err="1"/>
-              <a:t>Pellentesque</a:t>
-            </a:r>
-            <a:r>
-              <a:rPr lang="en-US" sz="3200" dirty="0"/>
-              <a:t> habitant </a:t>
-            </a:r>
-            <a:r>
-              <a:rPr lang="en-US" sz="3200" dirty="0" err="1"/>
-              <a:t>morbi</a:t>
-            </a:r>
-            <a:r>
-              <a:rPr lang="en-US" sz="3200" dirty="0"/>
-              <a:t> </a:t>
-            </a:r>
-            <a:r>
-              <a:rPr lang="en-US" sz="3200" dirty="0" err="1"/>
-              <a:t>tristique</a:t>
-            </a:r>
-            <a:r>
-              <a:rPr lang="en-US" sz="3200" dirty="0"/>
-              <a:t> </a:t>
-            </a:r>
-            <a:r>
-              <a:rPr lang="en-US" sz="3200" dirty="0" err="1"/>
-              <a:t>senectus</a:t>
-            </a:r>
-            <a:r>
-              <a:rPr lang="en-US" sz="3200" dirty="0"/>
-              <a:t> et </a:t>
-            </a:r>
-            <a:r>
-              <a:rPr lang="en-US" sz="3200" dirty="0" err="1"/>
-              <a:t>netus</a:t>
-            </a:r>
-            <a:r>
-              <a:rPr lang="en-US" sz="3200" dirty="0"/>
-              <a:t> et </a:t>
-            </a:r>
-            <a:r>
-              <a:rPr lang="en-US" sz="3200" dirty="0" err="1"/>
-              <a:t>malesuada</a:t>
-            </a:r>
-            <a:r>
-              <a:rPr lang="en-US" sz="3200" dirty="0"/>
-              <a:t> fames ac </a:t>
-            </a:r>
-            <a:r>
-              <a:rPr lang="en-US" sz="3200" dirty="0" err="1"/>
-              <a:t>turpis</a:t>
-            </a:r>
-            <a:r>
-              <a:rPr lang="en-US" sz="3200" dirty="0"/>
-              <a:t> </a:t>
-            </a:r>
-            <a:r>
-              <a:rPr lang="en-US" sz="3200" dirty="0" err="1"/>
-              <a:t>egestas</a:t>
-            </a:r>
-            <a:r>
-              <a:rPr lang="en-US" sz="3200" dirty="0"/>
-              <a:t>. Vestibulum </a:t>
-            </a:r>
-            <a:r>
-              <a:rPr lang="en-US" sz="3200" dirty="0" err="1"/>
-              <a:t>sem</a:t>
-            </a:r>
-            <a:r>
-              <a:rPr lang="en-US" sz="3200" dirty="0"/>
-              <a:t> </a:t>
-            </a:r>
-            <a:r>
-              <a:rPr lang="en-US" sz="3200" dirty="0" err="1"/>
-              <a:t>turpis</a:t>
-            </a:r>
-            <a:r>
-              <a:rPr lang="en-US" sz="3200" dirty="0"/>
-              <a:t>, </a:t>
-            </a:r>
-            <a:r>
-              <a:rPr lang="en-US" sz="3200" dirty="0" err="1"/>
-              <a:t>iaculis</a:t>
-            </a:r>
-            <a:r>
-              <a:rPr lang="en-US" sz="3200" dirty="0"/>
-              <a:t> et </a:t>
-            </a:r>
-            <a:r>
-              <a:rPr lang="en-US" sz="3200" dirty="0" err="1"/>
-              <a:t>lacus</a:t>
-            </a:r>
-            <a:r>
-              <a:rPr lang="en-US" sz="3200" dirty="0"/>
-              <a:t> </a:t>
-            </a:r>
-            <a:r>
-              <a:rPr lang="en-US" sz="3200" dirty="0" err="1"/>
-              <a:t>nec</a:t>
-            </a:r>
-            <a:r>
-              <a:rPr lang="en-US" sz="3200" dirty="0"/>
-              <a:t>, </a:t>
-            </a:r>
-            <a:r>
-              <a:rPr lang="en-US" sz="3200" dirty="0" err="1"/>
-              <a:t>rutrum</a:t>
-            </a:r>
-            <a:r>
-              <a:rPr lang="en-US" sz="3200" dirty="0"/>
-              <a:t> </a:t>
-            </a:r>
-            <a:r>
-              <a:rPr lang="en-US" sz="3200" dirty="0" err="1"/>
-              <a:t>laoreet</a:t>
-            </a:r>
-            <a:r>
-              <a:rPr lang="en-US" sz="3200" dirty="0"/>
-              <a:t> mi. Donec ligula </a:t>
-            </a:r>
-            <a:r>
-              <a:rPr lang="en-US" sz="3200" dirty="0" err="1"/>
-              <a:t>felis</a:t>
-            </a:r>
-            <a:r>
-              <a:rPr lang="en-US" sz="3200" dirty="0"/>
-              <a:t>, </a:t>
-            </a:r>
-            <a:r>
-              <a:rPr lang="en-US" sz="3200" dirty="0" err="1"/>
-              <a:t>eleifend</a:t>
-            </a:r>
-            <a:r>
-              <a:rPr lang="en-US" sz="3200" dirty="0"/>
-              <a:t> </a:t>
-            </a:r>
-            <a:r>
-              <a:rPr lang="en-US" sz="3200" dirty="0" err="1"/>
-              <a:t>imperdiet</a:t>
-            </a:r>
-            <a:r>
-              <a:rPr lang="en-US" sz="3200" dirty="0"/>
-              <a:t> </a:t>
-            </a:r>
-            <a:r>
-              <a:rPr lang="en-US" sz="3200" dirty="0" err="1"/>
-              <a:t>ullamcorper</a:t>
-            </a:r>
-            <a:r>
-              <a:rPr lang="en-US" sz="3200" dirty="0"/>
-              <a:t> non, </a:t>
-            </a:r>
-            <a:r>
-              <a:rPr lang="en-US" sz="3200" dirty="0" err="1"/>
-              <a:t>tincidunt</a:t>
-            </a:r>
-            <a:r>
-              <a:rPr lang="en-US" sz="3200" dirty="0"/>
-              <a:t> vel </a:t>
-            </a:r>
-            <a:r>
-              <a:rPr lang="en-US" sz="3200" dirty="0" err="1"/>
-              <a:t>nunc</a:t>
-            </a:r>
-            <a:r>
-              <a:rPr lang="en-US" sz="3200" dirty="0"/>
-              <a:t>. Sed sed </a:t>
-            </a:r>
-            <a:r>
-              <a:rPr lang="en-US" sz="3200" dirty="0" err="1"/>
-              <a:t>congue</a:t>
-            </a:r>
-            <a:r>
-              <a:rPr lang="en-US" sz="3200" dirty="0"/>
-              <a:t> </a:t>
-            </a:r>
-            <a:r>
-              <a:rPr lang="en-US" sz="3200" dirty="0" err="1"/>
-              <a:t>lacus</a:t>
-            </a:r>
-            <a:r>
-              <a:rPr lang="en-US" sz="3200" dirty="0"/>
-              <a:t>, sit </a:t>
-            </a:r>
-            <a:r>
-              <a:rPr lang="en-US" sz="3200" dirty="0" err="1"/>
-              <a:t>amet</a:t>
-            </a:r>
-            <a:r>
-              <a:rPr lang="en-US" sz="3200" dirty="0"/>
-              <a:t> </a:t>
-            </a:r>
-            <a:r>
-              <a:rPr lang="en-US" sz="3200" dirty="0" err="1"/>
-              <a:t>elementum</a:t>
-            </a:r>
-            <a:r>
-              <a:rPr lang="en-US" sz="3200" dirty="0"/>
-              <a:t> </a:t>
-            </a:r>
-            <a:r>
-              <a:rPr lang="en-US" sz="3200" dirty="0" err="1"/>
-              <a:t>purus</a:t>
-            </a:r>
-            <a:r>
-              <a:rPr lang="en-US" sz="3200" dirty="0"/>
-              <a:t>. </a:t>
-            </a:r>
-            <a:r>
-              <a:rPr lang="en-US" sz="3200" dirty="0" err="1"/>
-              <a:t>Orci</a:t>
-            </a:r>
-            <a:r>
-              <a:rPr lang="en-US" sz="3200" dirty="0"/>
-              <a:t> </a:t>
-            </a:r>
-            <a:r>
-              <a:rPr lang="en-US" sz="3200" dirty="0" err="1"/>
-              <a:t>varius</a:t>
-            </a:r>
-            <a:r>
-              <a:rPr lang="en-US" sz="3200" dirty="0"/>
-              <a:t> </a:t>
-            </a:r>
-            <a:r>
-              <a:rPr lang="en-US" sz="3200" dirty="0" err="1"/>
-              <a:t>natoque</a:t>
-            </a:r>
-            <a:r>
-              <a:rPr lang="en-US" sz="3200" dirty="0"/>
-              <a:t> </a:t>
-            </a:r>
-            <a:r>
-              <a:rPr lang="en-US" sz="3200" dirty="0" err="1"/>
-              <a:t>penatibus</a:t>
-            </a:r>
-            <a:r>
-              <a:rPr lang="en-US" sz="3200" dirty="0"/>
-              <a:t> et </a:t>
-            </a:r>
-            <a:r>
-              <a:rPr lang="en-US" sz="3200" dirty="0" err="1"/>
-              <a:t>magnis</a:t>
-            </a:r>
-            <a:r>
-              <a:rPr lang="en-US" sz="3200" dirty="0"/>
-              <a:t> dis parturient </a:t>
-            </a:r>
-            <a:r>
-              <a:rPr lang="en-US" sz="3200" dirty="0" err="1"/>
-              <a:t>montes</a:t>
-            </a:r>
-            <a:r>
-              <a:rPr lang="en-US" sz="3200" dirty="0"/>
-              <a:t>, </a:t>
-            </a:r>
-            <a:r>
-              <a:rPr lang="en-US" sz="3200" dirty="0" err="1"/>
-              <a:t>nascetur</a:t>
-            </a:r>
-            <a:r>
-              <a:rPr lang="en-US" sz="3200" dirty="0"/>
-              <a:t> </a:t>
-            </a:r>
-            <a:r>
-              <a:rPr lang="en-US" sz="3200" dirty="0" err="1"/>
-              <a:t>ridiculus</a:t>
-            </a:r>
-            <a:r>
-              <a:rPr lang="en-US" sz="3200" dirty="0"/>
-              <a:t> mus. In vel </a:t>
-            </a:r>
-            <a:r>
-              <a:rPr lang="en-US" sz="3200" dirty="0" err="1"/>
-              <a:t>ultrices</a:t>
-            </a:r>
-            <a:r>
-              <a:rPr lang="en-US" sz="3200" dirty="0"/>
-              <a:t> magna. In vel </a:t>
-            </a:r>
-            <a:r>
-              <a:rPr lang="en-US" sz="3200" dirty="0" err="1"/>
-              <a:t>justo</a:t>
-            </a:r>
-            <a:r>
-              <a:rPr lang="en-US" sz="3200" dirty="0"/>
-              <a:t> </a:t>
-            </a:r>
-            <a:r>
-              <a:rPr lang="en-US" sz="3200" dirty="0" err="1"/>
-              <a:t>nec</a:t>
-            </a:r>
-            <a:r>
-              <a:rPr lang="en-US" sz="3200" dirty="0"/>
-              <a:t> </a:t>
-            </a:r>
-            <a:r>
-              <a:rPr lang="en-US" sz="3200" dirty="0" err="1"/>
-              <a:t>turpis</a:t>
-            </a:r>
-            <a:r>
-              <a:rPr lang="en-US" sz="3200" dirty="0"/>
-              <a:t> </a:t>
-            </a:r>
-            <a:r>
-              <a:rPr lang="en-US" sz="3200" dirty="0" err="1"/>
-              <a:t>malesuada</a:t>
-            </a:r>
-            <a:r>
-              <a:rPr lang="en-US" sz="3200" dirty="0"/>
-              <a:t> </a:t>
-            </a:r>
-            <a:r>
-              <a:rPr lang="en-US" sz="3200" dirty="0" err="1"/>
-              <a:t>elementum</a:t>
-            </a:r>
-            <a:r>
-              <a:rPr lang="en-US" sz="3200" dirty="0"/>
-              <a:t>. Sed </a:t>
-            </a:r>
-            <a:r>
-              <a:rPr lang="en-US" sz="3200" dirty="0" err="1"/>
-              <a:t>ultricies</a:t>
-            </a:r>
-            <a:r>
-              <a:rPr lang="en-US" sz="3200" dirty="0"/>
-              <a:t> ipsum </a:t>
-            </a:r>
-            <a:r>
-              <a:rPr lang="en-US" sz="3200" dirty="0" err="1"/>
-              <a:t>ut</a:t>
-            </a:r>
-            <a:r>
-              <a:rPr lang="en-US" sz="3200" dirty="0"/>
-              <a:t> </a:t>
-            </a:r>
-            <a:r>
-              <a:rPr lang="en-US" sz="3200" dirty="0" err="1"/>
-              <a:t>malesuada</a:t>
-            </a:r>
-            <a:r>
-              <a:rPr lang="en-US" sz="3200" dirty="0"/>
-              <a:t> </a:t>
-            </a:r>
-            <a:r>
-              <a:rPr lang="en-US" sz="3200" dirty="0" err="1"/>
-              <a:t>eleifend</a:t>
-            </a:r>
-            <a:r>
-              <a:rPr lang="en-US" sz="3200" dirty="0"/>
-              <a:t>.</a:t>
-            </a:r>
-          </a:p>
-          <a:p>
-            <a:pPr algn="just"/>
-            <a:endParaRPr lang="en-US" sz="3200" dirty="0"/>
-          </a:p>
-          <a:p>
-            <a:pPr algn="just"/>
-            <a:r>
-              <a:rPr lang="en-US" sz="3200" dirty="0"/>
-              <a:t>Lorem ipsum dolor sit </a:t>
-            </a:r>
-            <a:r>
-              <a:rPr lang="en-US" sz="3200" dirty="0" err="1"/>
-              <a:t>amet</a:t>
-            </a:r>
-            <a:r>
-              <a:rPr lang="en-US" sz="3200" dirty="0"/>
-              <a:t>, </a:t>
-            </a:r>
-            <a:r>
-              <a:rPr lang="en-US" sz="3200" dirty="0" err="1"/>
-              <a:t>consectetur</a:t>
-            </a:r>
-            <a:r>
-              <a:rPr lang="en-US" sz="3200" dirty="0"/>
-              <a:t> </a:t>
-            </a:r>
-            <a:r>
-              <a:rPr lang="en-US" sz="3200" dirty="0" err="1"/>
-              <a:t>adipiscing</a:t>
-            </a:r>
-            <a:r>
-              <a:rPr lang="en-US" sz="3200" dirty="0"/>
-              <a:t> </a:t>
-            </a:r>
-            <a:r>
-              <a:rPr lang="en-US" sz="3200" dirty="0" err="1"/>
-              <a:t>elit</a:t>
-            </a:r>
-            <a:r>
-              <a:rPr lang="en-US" sz="3200" dirty="0"/>
-              <a:t>. </a:t>
-            </a:r>
-            <a:r>
-              <a:rPr lang="en-US" sz="3200" dirty="0" err="1"/>
-              <a:t>Aliquam</a:t>
-            </a:r>
-            <a:r>
-              <a:rPr lang="en-US" sz="3200" dirty="0"/>
-              <a:t> </a:t>
-            </a:r>
-            <a:r>
-              <a:rPr lang="en-US" sz="3200" dirty="0" err="1"/>
-              <a:t>hendrerit</a:t>
-            </a:r>
-            <a:r>
-              <a:rPr lang="en-US" sz="3200" dirty="0"/>
-              <a:t> </a:t>
-            </a:r>
-            <a:r>
-              <a:rPr lang="en-US" sz="3200" dirty="0" err="1"/>
-              <a:t>laoreet</a:t>
-            </a:r>
-            <a:r>
-              <a:rPr lang="en-US" sz="3200" dirty="0"/>
-              <a:t> ante </a:t>
-            </a:r>
-            <a:r>
-              <a:rPr lang="en-US" sz="3200" dirty="0" err="1"/>
-              <a:t>eget</a:t>
-            </a:r>
-            <a:r>
-              <a:rPr lang="en-US" sz="3200" dirty="0"/>
-              <a:t> </a:t>
-            </a:r>
-            <a:r>
-              <a:rPr lang="en-US" sz="3200" dirty="0" err="1"/>
-              <a:t>commodo</a:t>
-            </a:r>
-            <a:r>
-              <a:rPr lang="en-US" sz="3200" dirty="0"/>
-              <a:t>. </a:t>
-            </a:r>
-            <a:r>
-              <a:rPr lang="en-US" sz="3200" dirty="0" err="1"/>
-              <a:t>Aliquam</a:t>
-            </a:r>
-            <a:r>
-              <a:rPr lang="en-US" sz="3200" dirty="0"/>
-              <a:t> </a:t>
-            </a:r>
-            <a:r>
-              <a:rPr lang="en-US" sz="3200" dirty="0" err="1"/>
-              <a:t>erat</a:t>
-            </a:r>
-            <a:r>
-              <a:rPr lang="en-US" sz="3200" dirty="0"/>
-              <a:t> </a:t>
-            </a:r>
-            <a:r>
-              <a:rPr lang="en-US" sz="3200" dirty="0" err="1"/>
-              <a:t>volutpat</a:t>
-            </a:r>
-            <a:r>
-              <a:rPr lang="en-US" sz="3200" dirty="0"/>
-              <a:t>. </a:t>
-            </a:r>
-            <a:r>
-              <a:rPr lang="en-US" sz="3200" dirty="0" err="1"/>
-              <a:t>Curabitur</a:t>
-            </a:r>
-            <a:r>
-              <a:rPr lang="en-US" sz="3200" dirty="0"/>
-              <a:t> </a:t>
-            </a:r>
-            <a:r>
-              <a:rPr lang="en-US" sz="3200" dirty="0" err="1"/>
-              <a:t>nunc</a:t>
-            </a:r>
-            <a:r>
-              <a:rPr lang="en-US" sz="3200" dirty="0"/>
-              <a:t> </a:t>
-            </a:r>
-            <a:r>
-              <a:rPr lang="en-US" sz="3200" dirty="0" err="1"/>
-              <a:t>nibh</a:t>
-            </a:r>
-            <a:r>
-              <a:rPr lang="en-US" sz="3200" dirty="0"/>
-              <a:t>, </a:t>
-            </a:r>
-            <a:r>
-              <a:rPr lang="en-US" sz="3200" dirty="0" err="1"/>
-              <a:t>luctus</a:t>
-            </a:r>
-            <a:r>
-              <a:rPr lang="en-US" sz="3200" dirty="0"/>
-              <a:t> </a:t>
-            </a:r>
-            <a:r>
-              <a:rPr lang="en-US" sz="3200" dirty="0" err="1"/>
-              <a:t>quis</a:t>
-            </a:r>
-            <a:r>
-              <a:rPr lang="en-US" sz="3200" dirty="0"/>
-              <a:t> eros vel, </a:t>
-            </a:r>
-            <a:r>
-              <a:rPr lang="en-US" sz="3200" dirty="0" err="1"/>
-              <a:t>aliquet</a:t>
-            </a:r>
-            <a:r>
-              <a:rPr lang="en-US" sz="3200" dirty="0"/>
-              <a:t> </a:t>
-            </a:r>
-            <a:r>
-              <a:rPr lang="en-US" sz="3200" dirty="0" err="1"/>
-              <a:t>laoreet</a:t>
-            </a:r>
-            <a:r>
-              <a:rPr lang="en-US" sz="3200" dirty="0"/>
-              <a:t> </a:t>
-            </a:r>
-            <a:r>
-              <a:rPr lang="en-US" sz="3200" dirty="0" err="1"/>
-              <a:t>urna</a:t>
-            </a:r>
-            <a:r>
-              <a:rPr lang="en-US" sz="3200" dirty="0"/>
-              <a:t>. </a:t>
-            </a:r>
-            <a:r>
-              <a:rPr lang="en-US" sz="3200" dirty="0" err="1"/>
-              <a:t>Aliquam</a:t>
-            </a:r>
-            <a:r>
-              <a:rPr lang="en-US" sz="3200" dirty="0"/>
-              <a:t> </a:t>
-            </a:r>
-            <a:r>
-              <a:rPr lang="en-US" sz="3200" dirty="0" err="1"/>
-              <a:t>erat</a:t>
-            </a:r>
-            <a:r>
-              <a:rPr lang="en-US" sz="3200" dirty="0"/>
-              <a:t> </a:t>
-            </a:r>
-            <a:r>
-              <a:rPr lang="en-US" sz="3200" dirty="0" err="1"/>
-              <a:t>volutpat</a:t>
-            </a:r>
-            <a:r>
-              <a:rPr lang="en-US" sz="3200" dirty="0"/>
-              <a:t>. </a:t>
-            </a:r>
-            <a:r>
-              <a:rPr lang="en-US" sz="3200" dirty="0" err="1"/>
-              <a:t>Mauris</a:t>
-            </a:r>
-            <a:r>
-              <a:rPr lang="en-US" sz="3200" dirty="0"/>
-              <a:t> </a:t>
-            </a:r>
-            <a:r>
-              <a:rPr lang="en-US" sz="3200" dirty="0" err="1"/>
-              <a:t>ultrices</a:t>
-            </a:r>
-            <a:r>
-              <a:rPr lang="en-US" sz="3200" dirty="0"/>
-              <a:t> mi id </a:t>
-            </a:r>
-            <a:r>
-              <a:rPr lang="en-US" sz="3200" dirty="0" err="1"/>
-              <a:t>erat</a:t>
-            </a:r>
-            <a:r>
-              <a:rPr lang="en-US" sz="3200" dirty="0"/>
-              <a:t> </a:t>
-            </a:r>
-            <a:r>
-              <a:rPr lang="en-US" sz="3200" dirty="0" err="1"/>
-              <a:t>efficitur</a:t>
-            </a:r>
-            <a:r>
-              <a:rPr lang="en-US" sz="3200" dirty="0"/>
-              <a:t>, at </a:t>
-            </a:r>
-            <a:r>
-              <a:rPr lang="en-US" sz="3200" dirty="0" err="1"/>
-              <a:t>mattis</a:t>
-            </a:r>
-            <a:r>
-              <a:rPr lang="en-US" sz="3200" dirty="0"/>
-              <a:t> lorem </a:t>
-            </a:r>
-            <a:r>
-              <a:rPr lang="en-US" sz="3200" dirty="0" err="1"/>
-              <a:t>mattis</a:t>
-            </a:r>
-            <a:r>
-              <a:rPr lang="en-US" sz="3200" dirty="0"/>
-              <a:t>. </a:t>
-            </a:r>
-            <a:r>
-              <a:rPr lang="en-US" sz="3200" dirty="0" err="1"/>
-              <a:t>Aliquam</a:t>
-            </a:r>
-            <a:r>
-              <a:rPr lang="en-US" sz="3200" dirty="0"/>
-              <a:t> </a:t>
-            </a:r>
-            <a:r>
-              <a:rPr lang="en-US" sz="3200" dirty="0" err="1"/>
-              <a:t>eu</a:t>
-            </a:r>
-            <a:r>
-              <a:rPr lang="en-US" sz="3200" dirty="0"/>
-              <a:t> lacinia eros. Sed </a:t>
-            </a:r>
-            <a:r>
-              <a:rPr lang="en-US" sz="3200" dirty="0" err="1"/>
-              <a:t>facilisis</a:t>
-            </a:r>
-            <a:r>
-              <a:rPr lang="en-US" sz="3200" dirty="0"/>
-              <a:t> </a:t>
-            </a:r>
-            <a:r>
-              <a:rPr lang="en-US" sz="3200" dirty="0" err="1"/>
-              <a:t>neque</a:t>
-            </a:r>
-            <a:r>
-              <a:rPr lang="en-US" sz="3200" dirty="0"/>
-              <a:t> </a:t>
-            </a:r>
-            <a:r>
-              <a:rPr lang="en-US" sz="3200" dirty="0" err="1"/>
-              <a:t>tortor</a:t>
-            </a:r>
-            <a:r>
-              <a:rPr lang="en-US" sz="3200" dirty="0"/>
-              <a:t>, id porta </a:t>
-            </a:r>
-            <a:r>
-              <a:rPr lang="en-US" sz="3200" dirty="0" err="1"/>
-              <a:t>sem</a:t>
-            </a:r>
-            <a:r>
-              <a:rPr lang="en-US" sz="3200" dirty="0"/>
-              <a:t> </a:t>
-            </a:r>
-            <a:r>
-              <a:rPr lang="en-US" sz="3200" dirty="0" err="1"/>
-              <a:t>pellentesque</a:t>
-            </a:r>
-            <a:r>
-              <a:rPr lang="en-US" sz="3200" dirty="0"/>
-              <a:t> dictum. </a:t>
-            </a:r>
-            <a:r>
-              <a:rPr lang="en-US" sz="3200" dirty="0" err="1"/>
-              <a:t>Pellentesque</a:t>
-            </a:r>
-            <a:r>
-              <a:rPr lang="en-US" sz="3200" dirty="0"/>
-              <a:t> habitant </a:t>
-            </a:r>
-            <a:r>
-              <a:rPr lang="en-US" sz="3200" dirty="0" err="1"/>
-              <a:t>morbi</a:t>
-            </a:r>
-            <a:r>
-              <a:rPr lang="en-US" sz="3200" dirty="0"/>
-              <a:t> </a:t>
-            </a:r>
-            <a:r>
-              <a:rPr lang="en-US" sz="3200" dirty="0" err="1"/>
-              <a:t>tristique</a:t>
-            </a:r>
-            <a:r>
-              <a:rPr lang="en-US" sz="3200" dirty="0"/>
-              <a:t> </a:t>
-            </a:r>
-            <a:r>
-              <a:rPr lang="en-US" sz="3200" dirty="0" err="1"/>
-              <a:t>senectus</a:t>
-            </a:r>
-            <a:r>
-              <a:rPr lang="en-US" sz="3200" dirty="0"/>
-              <a:t> et </a:t>
-            </a:r>
-            <a:r>
-              <a:rPr lang="en-US" sz="3200" dirty="0" err="1"/>
-              <a:t>netus</a:t>
-            </a:r>
-            <a:r>
-              <a:rPr lang="en-US" sz="3200" dirty="0"/>
-              <a:t> et </a:t>
-            </a:r>
-            <a:r>
-              <a:rPr lang="en-US" sz="3200" dirty="0" err="1"/>
-              <a:t>malesuada</a:t>
-            </a:r>
-            <a:r>
-              <a:rPr lang="en-US" sz="3200" dirty="0"/>
-              <a:t> fames ac </a:t>
-            </a:r>
-            <a:r>
-              <a:rPr lang="en-US" sz="3200" dirty="0" err="1"/>
-              <a:t>turpis</a:t>
-            </a:r>
-            <a:r>
-              <a:rPr lang="en-US" sz="3200" dirty="0"/>
-              <a:t> </a:t>
-            </a:r>
-            <a:r>
-              <a:rPr lang="en-US" sz="3200" dirty="0" err="1"/>
-              <a:t>egestas</a:t>
-            </a:r>
-            <a:r>
-              <a:rPr lang="en-US" sz="3200" dirty="0"/>
-              <a:t>. Vestibulum </a:t>
-            </a:r>
-            <a:r>
-              <a:rPr lang="en-US" sz="3200" dirty="0" err="1"/>
-              <a:t>sem</a:t>
-            </a:r>
-            <a:r>
-              <a:rPr lang="en-US" sz="3200" dirty="0"/>
-              <a:t> </a:t>
-            </a:r>
-            <a:r>
-              <a:rPr lang="en-US" sz="3200" dirty="0" err="1"/>
-              <a:t>turpis</a:t>
-            </a:r>
-            <a:r>
-              <a:rPr lang="en-US" sz="3200" dirty="0"/>
-              <a:t>, </a:t>
-            </a:r>
-            <a:r>
-              <a:rPr lang="en-US" sz="3200" dirty="0" err="1"/>
-              <a:t>iaculis</a:t>
-            </a:r>
-            <a:r>
-              <a:rPr lang="en-US" sz="3200" dirty="0"/>
-              <a:t> et </a:t>
-            </a:r>
-            <a:r>
-              <a:rPr lang="en-US" sz="3200" dirty="0" err="1"/>
-              <a:t>lacus</a:t>
-            </a:r>
-            <a:r>
-              <a:rPr lang="en-US" sz="3200" dirty="0"/>
-              <a:t> </a:t>
-            </a:r>
-            <a:r>
-              <a:rPr lang="en-US" sz="3200" dirty="0" err="1"/>
-              <a:t>nec</a:t>
-            </a:r>
-            <a:r>
-              <a:rPr lang="en-US" sz="3200" dirty="0"/>
-              <a:t>, </a:t>
-            </a:r>
-            <a:r>
-              <a:rPr lang="en-US" sz="3200" dirty="0" err="1"/>
-              <a:t>rutrum</a:t>
-            </a:r>
-            <a:r>
-              <a:rPr lang="en-US" sz="3200" dirty="0"/>
-              <a:t> </a:t>
-            </a:r>
-            <a:r>
-              <a:rPr lang="en-US" sz="3200" dirty="0" err="1"/>
-              <a:t>laoreet</a:t>
-            </a:r>
-            <a:r>
-              <a:rPr lang="en-US" sz="3200" dirty="0"/>
-              <a:t> mi. Donec ligula </a:t>
-            </a:r>
-            <a:r>
-              <a:rPr lang="en-US" sz="3200" dirty="0" err="1"/>
-              <a:t>felis</a:t>
-            </a:r>
-            <a:r>
-              <a:rPr lang="en-US" sz="3200" dirty="0"/>
-              <a:t>, </a:t>
-            </a:r>
-            <a:r>
-              <a:rPr lang="en-US" sz="3200" dirty="0" err="1"/>
-              <a:t>eleifend</a:t>
-            </a:r>
-            <a:r>
-              <a:rPr lang="en-US" sz="3200" dirty="0"/>
-              <a:t> </a:t>
-            </a:r>
-            <a:r>
-              <a:rPr lang="en-US" sz="3200" dirty="0" err="1"/>
-              <a:t>imperdiet</a:t>
-            </a:r>
-            <a:r>
-              <a:rPr lang="en-US" sz="3200" dirty="0"/>
-              <a:t> </a:t>
-            </a:r>
-            <a:r>
-              <a:rPr lang="en-US" sz="3200" dirty="0" err="1"/>
-              <a:t>ullamcorper</a:t>
-            </a:r>
-            <a:r>
-              <a:rPr lang="en-US" sz="3200" dirty="0"/>
-              <a:t> non, </a:t>
-            </a:r>
-            <a:r>
-              <a:rPr lang="en-US" sz="3200" dirty="0" err="1"/>
-              <a:t>tincidunt</a:t>
-            </a:r>
-            <a:r>
-              <a:rPr lang="en-US" sz="3200" dirty="0"/>
-              <a:t> vel </a:t>
-            </a:r>
-            <a:r>
-              <a:rPr lang="en-US" sz="3200" dirty="0" err="1"/>
-              <a:t>nunc</a:t>
-            </a:r>
-            <a:r>
-              <a:rPr lang="en-US" sz="3200" dirty="0"/>
-              <a:t>. Sed sed </a:t>
-            </a:r>
-            <a:r>
-              <a:rPr lang="en-US" sz="3200" dirty="0" err="1"/>
-              <a:t>congue</a:t>
-            </a:r>
-            <a:r>
-              <a:rPr lang="en-US" sz="3200" dirty="0"/>
-              <a:t> </a:t>
-            </a:r>
-            <a:r>
-              <a:rPr lang="en-US" sz="3200" dirty="0" err="1"/>
-              <a:t>lacus</a:t>
-            </a:r>
-            <a:r>
-              <a:rPr lang="en-US" sz="3200" dirty="0"/>
-              <a:t>, sit </a:t>
-            </a:r>
-            <a:r>
-              <a:rPr lang="en-US" sz="3200" dirty="0" err="1"/>
-              <a:t>amet</a:t>
-            </a:r>
-            <a:r>
-              <a:rPr lang="en-US" sz="3200" dirty="0"/>
-              <a:t> </a:t>
-            </a:r>
-            <a:r>
-              <a:rPr lang="en-US" sz="3200" dirty="0" err="1"/>
-              <a:t>elementum</a:t>
-            </a:r>
-            <a:r>
-              <a:rPr lang="en-US" sz="3200" dirty="0"/>
-              <a:t> </a:t>
-            </a:r>
-            <a:r>
-              <a:rPr lang="en-US" sz="3200" dirty="0" err="1"/>
-              <a:t>purus</a:t>
-            </a:r>
-            <a:r>
-              <a:rPr lang="en-US" sz="3200" dirty="0"/>
-              <a:t>. </a:t>
-            </a:r>
-            <a:r>
-              <a:rPr lang="en-US" sz="3200" dirty="0" err="1"/>
-              <a:t>Orci</a:t>
-            </a:r>
-            <a:r>
-              <a:rPr lang="en-US" sz="3200" dirty="0"/>
-              <a:t> </a:t>
-            </a:r>
-            <a:r>
-              <a:rPr lang="en-US" sz="3200" dirty="0" err="1"/>
-              <a:t>varius</a:t>
-            </a:r>
-            <a:r>
-              <a:rPr lang="en-US" sz="3200" dirty="0"/>
-              <a:t> </a:t>
-            </a:r>
-            <a:r>
-              <a:rPr lang="en-US" sz="3200" dirty="0" err="1"/>
-              <a:t>natoque</a:t>
-            </a:r>
-            <a:r>
-              <a:rPr lang="en-US" sz="3200" dirty="0"/>
-              <a:t>. Sed sed </a:t>
-            </a:r>
-            <a:r>
-              <a:rPr lang="en-US" sz="3200" dirty="0" err="1"/>
-              <a:t>congue</a:t>
-            </a:r>
-            <a:r>
-              <a:rPr lang="en-US" sz="3200" dirty="0"/>
-              <a:t> </a:t>
-            </a:r>
-            <a:r>
-              <a:rPr lang="en-US" sz="3200" dirty="0" err="1"/>
-              <a:t>lacus</a:t>
-            </a:r>
-            <a:r>
-              <a:rPr lang="en-US" sz="3200" dirty="0"/>
-              <a:t>, sit </a:t>
+              <a:t>There are also some features we would like to add, but will not have the opportunity to implement. One feature would create a second palette of colors that compliment the first. For example, by uploading an image of a room, a user could learn what color items or furniture would work well with the room. Another feature would allow users to download a PNG of a palette, including the hex codes of the colors. While this could be nice, users could already snip a palette, making it of minor importance in comparison.</a:t>
             </a:r>
             <a:endParaRPr lang="en-US" sz="3200" b="1" dirty="0"/>
           </a:p>
@@ -6476,7 +4259,7 @@
         </p:nvSpPr>
         <p:spPr>
           <a:xfrm>
-            <a:off x="1371600" y="13144499"/>
+            <a:off x="1371600" y="15465667"/>
             <a:ext cx="7543800" cy="914400"/>
           </a:xfrm>
           <a:prstGeom prst="rect">
@@ -6535,8 +4318,8 @@
         </p:nvSpPr>
         <p:spPr>
           <a:xfrm>
-            <a:off x="1466850" y="14625219"/>
-            <a:ext cx="7543800" cy="20405586"/>
+            <a:off x="1373066" y="16641589"/>
+            <a:ext cx="7543800" cy="20282475"/>
           </a:xfrm>
           <a:prstGeom prst="rect">
             <a:avLst/>
@@ -6627,54 +4410,10 @@
               </a:rPr>
               <a:t>On the social side of the site users will be allowed to share their color palettes with friends and the community. The community page will allow users to find color palettes created by other users of the Palette Picker community. When users save a palette it will automatically post to their profile, and be available through the community page. If users do not wish to share their post with the community there will be a privacy setting, in which you can disable posting to the community page, disable posting to your profile, and disable other users from viewing your profile. Users will also have the option of sharing palettes with friends. If time permits, uploading palettes, saving palettes, adding friends, and a few other of these features will be limited to users that have created an account on the site.</a:t>
             </a:r>
-            <a:endParaRPr lang="en-US" sz="3200" b="0" dirty="0">
-              <a:effectLst/>
-            </a:endParaRPr>
-          </a:p>
-          <a:p>
-            <a:br>
-              <a:rPr lang="en-US" sz="800" dirty="0"/>
-            </a:br>
             <a:endParaRPr lang="en-US" sz="3200" dirty="0"/>
           </a:p>
         </p:txBody>
       </p:sp>
-      <p:pic>
-        <p:nvPicPr>
-          <p:cNvPr id="30" name="Picture 29" descr="Graphical user interface, application&#10;&#10;Description automatically generated">
-            <a:extLst>
-              <a:ext uri="{FF2B5EF4-FFF2-40B4-BE49-F238E27FC236}">
-                <a16:creationId xmlns:a16="http://schemas.microsoft.com/office/drawing/2014/main" id="{EECFDFCC-AA95-CA4D-825E-848FFE7C8348}"/>
-              </a:ext>
-            </a:extLst>
-          </p:cNvPr>
-          <p:cNvPicPr>
-            <a:picLocks noChangeAspect="1"/>
-          </p:cNvPicPr>
-          <p:nvPr/>
-        </p:nvPicPr>
-        <p:blipFill>
-          <a:blip r:embed="rId4" cstate="print">
-            <a:extLst>
-              <a:ext uri="{28A0092B-C50C-407E-A947-70E740481C1C}">
-                <a14:useLocalDpi xmlns:a14="http://schemas.microsoft.com/office/drawing/2010/main" val="0"/>
-              </a:ext>
-            </a:extLst>
-          </a:blip>
-          <a:stretch>
-            <a:fillRect/>
-          </a:stretch>
-        </p:blipFill>
-        <p:spPr>
-          <a:xfrm>
-            <a:off x="10744200" y="26325576"/>
-            <a:ext cx="7543800" cy="4956464"/>
-          </a:xfrm>
-          <a:prstGeom prst="rect">
-            <a:avLst/>
-          </a:prstGeom>
-        </p:spPr>
-      </p:pic>
       <p:sp>
         <p:nvSpPr>
           <p:cNvPr id="63" name="TextBox 62">
@@ -6689,8 +4428,8 @@
         </p:nvSpPr>
         <p:spPr>
           <a:xfrm>
-            <a:off x="10744200" y="31629096"/>
-            <a:ext cx="7543800" cy="3046988"/>
+            <a:off x="10783033" y="17682833"/>
+            <a:ext cx="7543800" cy="584775"/>
           </a:xfrm>
           <a:prstGeom prst="rect">
             <a:avLst/>
@@ -6730,191 +4469,7 @@
             </a:r>
             <a:r>
               <a:rPr lang="en-US" sz="3200" dirty="0"/>
-              <a:t>Lorem ipsum dolor sit </a:t>
-            </a:r>
-            <a:r>
-              <a:rPr lang="en-US" sz="3200" dirty="0" err="1"/>
-              <a:t>amet</a:t>
-            </a:r>
-            <a:r>
-              <a:rPr lang="en-US" sz="3200" dirty="0"/>
-              <a:t>, </a:t>
-            </a:r>
-            <a:r>
-              <a:rPr lang="en-US" sz="3200" dirty="0" err="1"/>
-              <a:t>consectetur</a:t>
-            </a:r>
-            <a:r>
-              <a:rPr lang="en-US" sz="3200" dirty="0"/>
-              <a:t> </a:t>
-            </a:r>
-            <a:r>
-              <a:rPr lang="en-US" sz="3200" dirty="0" err="1"/>
-              <a:t>adipiscing</a:t>
-            </a:r>
-            <a:r>
-              <a:rPr lang="en-US" sz="3200" dirty="0"/>
-              <a:t> </a:t>
-            </a:r>
-            <a:r>
-              <a:rPr lang="en-US" sz="3200" dirty="0" err="1"/>
-              <a:t>elit</a:t>
-            </a:r>
-            <a:r>
-              <a:rPr lang="en-US" sz="3200" dirty="0"/>
-              <a:t>. </a:t>
-            </a:r>
-            <a:r>
-              <a:rPr lang="en-US" sz="3200" dirty="0" err="1"/>
-              <a:t>Aliquam</a:t>
-            </a:r>
-            <a:r>
-              <a:rPr lang="en-US" sz="3200" dirty="0"/>
-              <a:t> </a:t>
-            </a:r>
-            <a:r>
-              <a:rPr lang="en-US" sz="3200" dirty="0" err="1"/>
-              <a:t>hendrerit</a:t>
-            </a:r>
-            <a:r>
-              <a:rPr lang="en-US" sz="3200" dirty="0"/>
-              <a:t> </a:t>
-            </a:r>
-            <a:r>
-              <a:rPr lang="en-US" sz="3200" dirty="0" err="1"/>
-              <a:t>laoreet</a:t>
-            </a:r>
-            <a:r>
-              <a:rPr lang="en-US" sz="3200" dirty="0"/>
-              <a:t> ante </a:t>
-            </a:r>
-            <a:r>
-              <a:rPr lang="en-US" sz="3200" dirty="0" err="1"/>
-              <a:t>eget</a:t>
-            </a:r>
-            <a:r>
-              <a:rPr lang="en-US" sz="3200" dirty="0"/>
-              <a:t> </a:t>
-            </a:r>
-            <a:r>
-              <a:rPr lang="en-US" sz="3200" dirty="0" err="1"/>
-              <a:t>commodo</a:t>
-            </a:r>
-            <a:r>
-              <a:rPr lang="en-US" sz="3200" dirty="0"/>
-              <a:t>. </a:t>
-            </a:r>
-            <a:r>
-              <a:rPr lang="en-US" sz="3200" dirty="0" err="1"/>
-              <a:t>Aliquam</a:t>
-            </a:r>
-            <a:r>
-              <a:rPr lang="en-US" sz="3200" dirty="0"/>
-              <a:t> </a:t>
-            </a:r>
-            <a:r>
-              <a:rPr lang="en-US" sz="3200" dirty="0" err="1"/>
-              <a:t>erat</a:t>
-            </a:r>
-            <a:r>
-              <a:rPr lang="en-US" sz="3200" dirty="0"/>
-              <a:t> </a:t>
-            </a:r>
-            <a:r>
-              <a:rPr lang="en-US" sz="3200" dirty="0" err="1"/>
-              <a:t>volutpat</a:t>
-            </a:r>
-            <a:r>
-              <a:rPr lang="en-US" sz="3200" dirty="0"/>
-              <a:t>. </a:t>
-            </a:r>
-            <a:r>
-              <a:rPr lang="en-US" sz="3200" dirty="0" err="1"/>
-              <a:t>Curabitur</a:t>
-            </a:r>
-            <a:r>
-              <a:rPr lang="en-US" sz="3200" dirty="0"/>
-              <a:t> </a:t>
-            </a:r>
-            <a:r>
-              <a:rPr lang="en-US" sz="3200" dirty="0" err="1"/>
-              <a:t>nunc</a:t>
-            </a:r>
-            <a:r>
-              <a:rPr lang="en-US" sz="3200" dirty="0"/>
-              <a:t> </a:t>
-            </a:r>
-            <a:r>
-              <a:rPr lang="en-US" sz="3200" dirty="0" err="1"/>
-              <a:t>nibh</a:t>
-            </a:r>
-            <a:r>
-              <a:rPr lang="en-US" sz="3200" dirty="0"/>
-              <a:t>, </a:t>
-            </a:r>
-            <a:r>
-              <a:rPr lang="en-US" sz="3200" dirty="0" err="1"/>
-              <a:t>luctus</a:t>
-            </a:r>
-            <a:r>
-              <a:rPr lang="en-US" sz="3200" dirty="0"/>
-              <a:t> </a:t>
-            </a:r>
-            <a:r>
-              <a:rPr lang="en-US" sz="3200" dirty="0" err="1"/>
-              <a:t>quis</a:t>
-            </a:r>
-            <a:r>
-              <a:rPr lang="en-US" sz="3200" dirty="0"/>
-              <a:t> eros vel, </a:t>
-            </a:r>
-            <a:r>
-              <a:rPr lang="en-US" sz="3200" dirty="0" err="1"/>
-              <a:t>aliquet</a:t>
-            </a:r>
-            <a:r>
-              <a:rPr lang="en-US" sz="3200" dirty="0"/>
-              <a:t> </a:t>
-            </a:r>
-            <a:r>
-              <a:rPr lang="en-US" sz="3200" dirty="0" err="1"/>
-              <a:t>laoreet</a:t>
-            </a:r>
-            <a:r>
-              <a:rPr lang="en-US" sz="3200" dirty="0"/>
-              <a:t> </a:t>
-            </a:r>
-            <a:r>
-              <a:rPr lang="en-US" sz="3200" dirty="0" err="1"/>
-              <a:t>urna</a:t>
-            </a:r>
-            <a:r>
-              <a:rPr lang="en-US" sz="3200" dirty="0"/>
-              <a:t>. </a:t>
-            </a:r>
-            <a:r>
-              <a:rPr lang="en-US" sz="3200" dirty="0" err="1"/>
-              <a:t>Aliquam</a:t>
-            </a:r>
-            <a:r>
-              <a:rPr lang="en-US" sz="3200" dirty="0"/>
-              <a:t> </a:t>
-            </a:r>
-            <a:r>
-              <a:rPr lang="en-US" sz="3200" dirty="0" err="1"/>
-              <a:t>erat</a:t>
-            </a:r>
-            <a:r>
-              <a:rPr lang="en-US" sz="3200" dirty="0"/>
-              <a:t> </a:t>
-            </a:r>
-            <a:r>
-              <a:rPr lang="en-US" sz="3200" dirty="0" err="1"/>
-              <a:t>volutpat</a:t>
-            </a:r>
-            <a:r>
-              <a:rPr lang="en-US" sz="3200" dirty="0"/>
-              <a:t>. </a:t>
+              <a:t>Component Diagram</a:t>
             </a:r>
           </a:p>
         </p:txBody>
@@ -6934,7 +4489,7 @@
           <p:nvPr/>
         </p:nvPicPr>
         <p:blipFill>
-          <a:blip r:embed="rId5">
+          <a:blip r:embed="rId4">
             <a:extLst>
               <a:ext uri="{28A0092B-C50C-407E-A947-70E740481C1C}">
                 <a14:useLocalDpi xmlns:a14="http://schemas.microsoft.com/office/drawing/2010/main" val="0"/>
@@ -6946,7 +4501,7 @@
         </p:blipFill>
         <p:spPr>
           <a:xfrm>
-            <a:off x="20116800" y="18974970"/>
+            <a:off x="29413200" y="14529276"/>
             <a:ext cx="7543800" cy="3960906"/>
           </a:xfrm>
           <a:prstGeom prst="rect">
@@ -6968,7 +4523,7 @@
         </p:nvSpPr>
         <p:spPr>
           <a:xfrm>
-            <a:off x="20116800" y="23136309"/>
+            <a:off x="29413200" y="19009479"/>
             <a:ext cx="7543800" cy="1077218"/>
           </a:xfrm>
           <a:prstGeom prst="rect">
@@ -7029,7 +4584,7 @@
           <p:nvPr/>
         </p:nvPicPr>
         <p:blipFill>
-          <a:blip r:embed="rId6" cstate="print">
+          <a:blip r:embed="rId5" cstate="print">
             <a:extLst>
               <a:ext uri="{28A0092B-C50C-407E-A947-70E740481C1C}">
                 <a14:useLocalDpi xmlns:a14="http://schemas.microsoft.com/office/drawing/2010/main" val="0"/>
@@ -7042,7 +4597,7 @@
         </p:blipFill>
         <p:spPr>
           <a:xfrm>
-            <a:off x="21831300" y="25267558"/>
+            <a:off x="12458700" y="20325113"/>
             <a:ext cx="4114800" cy="8509000"/>
           </a:xfrm>
           <a:prstGeom prst="rect">
@@ -7064,7 +4619,7 @@
         </p:nvSpPr>
         <p:spPr>
           <a:xfrm>
-            <a:off x="20116800" y="34088832"/>
+            <a:off x="10783033" y="30256051"/>
             <a:ext cx="7543800" cy="3046988"/>
           </a:xfrm>
           <a:prstGeom prst="rect">
@@ -7399,39 +4954,7 @@
             </a:pPr>
             <a:r>
               <a:rPr lang="en-US" sz="3200" dirty="0"/>
-              <a:t>Lorem ipsum dolor sit </a:t>
-            </a:r>
-            <a:r>
-              <a:rPr lang="en-US" sz="3200" dirty="0" err="1"/>
-              <a:t>amet</a:t>
-            </a:r>
-            <a:r>
-              <a:rPr lang="en-US" sz="3200" dirty="0"/>
-              <a:t>, </a:t>
-            </a:r>
-            <a:r>
-              <a:rPr lang="en-US" sz="3200" dirty="0" err="1"/>
-              <a:t>consectetur</a:t>
-            </a:r>
-            <a:r>
-              <a:rPr lang="en-US" sz="3200" dirty="0"/>
-              <a:t> </a:t>
-            </a:r>
-            <a:r>
-              <a:rPr lang="en-US" sz="3200" dirty="0" err="1"/>
-              <a:t>adipiscing</a:t>
-            </a:r>
-            <a:r>
-              <a:rPr lang="en-US" sz="3200" dirty="0"/>
-              <a:t> </a:t>
-            </a:r>
-            <a:r>
-              <a:rPr lang="en-US" sz="3200" dirty="0" err="1"/>
-              <a:t>elit</a:t>
-            </a:r>
-            <a:r>
-              <a:rPr lang="en-US" sz="3200" dirty="0"/>
-              <a:t>. </a:t>
+              <a:t>https://dev.mysql.com/doc/refman/8.0/en/</a:t>
             </a:r>
           </a:p>
           <a:p>
@@ -7439,44 +4962,8 @@
               <a:buAutoNum type="arabicPeriod"/>
             </a:pPr>
             <a:r>
-              <a:rPr lang="en-US" sz="3200" dirty="0" err="1"/>
-              <a:t>Aliquam</a:t>
-            </a:r>
-            <a:r>
               <a:rPr lang="en-US" sz="3200" dirty="0"/>
-              <a:t> </a:t>
-            </a:r>
-            <a:r>
-              <a:rPr lang="en-US" sz="3200" dirty="0" err="1"/>
-              <a:t>hendrerit</a:t>
-            </a:r>
-            <a:r>
-              <a:rPr lang="en-US" sz="3200" dirty="0"/>
-              <a:t> </a:t>
-            </a:r>
-            <a:r>
-              <a:rPr lang="en-US" sz="3200" dirty="0" err="1"/>
-              <a:t>laoreet</a:t>
-            </a:r>
-            <a:r>
-              <a:rPr lang="en-US" sz="3200" dirty="0"/>
-              <a:t> ante </a:t>
-            </a:r>
-            <a:r>
-              <a:rPr lang="en-US" sz="3200" dirty="0" err="1"/>
-              <a:t>eget</a:t>
-            </a:r>
-            <a:r>
-              <a:rPr lang="en-US" sz="3200" dirty="0"/>
-              <a:t> </a:t>
-            </a:r>
-            <a:r>
-              <a:rPr lang="en-US" sz="3200" dirty="0" err="1"/>
-              <a:t>commodo</a:t>
-            </a:r>
-            <a:r>
-              <a:rPr lang="en-US" sz="3200" dirty="0"/>
-              <a:t>. </a:t>
+              <a:t>https://www.php.net/manual/en/index.php</a:t>
             </a:r>
           </a:p>
           <a:p>
@@ -7484,92 +4971,8 @@
               <a:buAutoNum type="arabicPeriod"/>
             </a:pPr>
             <a:r>
-              <a:rPr lang="en-US" sz="3200" dirty="0" err="1"/>
-              <a:t>Aliquam</a:t>
-            </a:r>
-            <a:r>
               <a:rPr lang="en-US" sz="3200" dirty="0"/>
-              <a:t> </a:t>
-            </a:r>
-            <a:r>
-              <a:rPr lang="en-US" sz="3200" dirty="0" err="1"/>
-              <a:t>erat</a:t>
-            </a:r>
-            <a:r>
-              <a:rPr lang="en-US" sz="3200" dirty="0"/>
-              <a:t> </a:t>
-            </a:r>
-            <a:r>
-              <a:rPr lang="en-US" sz="3200" dirty="0" err="1"/>
-              <a:t>volutpat</a:t>
-            </a:r>
-            <a:r>
-              <a:rPr lang="en-US" sz="3200" dirty="0"/>
-              <a:t>. </a:t>
-            </a:r>
-            <a:r>
-              <a:rPr lang="en-US" sz="3200" dirty="0" err="1"/>
-              <a:t>Curabitur</a:t>
-            </a:r>
-            <a:r>
-              <a:rPr lang="en-US" sz="3200" dirty="0"/>
-              <a:t> </a:t>
-            </a:r>
-            <a:r>
-              <a:rPr lang="en-US" sz="3200" dirty="0" err="1"/>
-              <a:t>nunc</a:t>
-            </a:r>
-            <a:r>
-              <a:rPr lang="en-US" sz="3200" dirty="0"/>
-              <a:t> </a:t>
-            </a:r>
-            <a:r>
-              <a:rPr lang="en-US" sz="3200" dirty="0" err="1"/>
-              <a:t>nibh</a:t>
-            </a:r>
-            <a:r>
-              <a:rPr lang="en-US" sz="3200" dirty="0"/>
-              <a:t>, </a:t>
-            </a:r>
-            <a:r>
-              <a:rPr lang="en-US" sz="3200" dirty="0" err="1"/>
-              <a:t>luctus</a:t>
-            </a:r>
-            <a:r>
-              <a:rPr lang="en-US" sz="3200" dirty="0"/>
-              <a:t> </a:t>
-            </a:r>
-            <a:r>
-              <a:rPr lang="en-US" sz="3200" dirty="0" err="1"/>
-              <a:t>quis</a:t>
-            </a:r>
-            <a:r>
-              <a:rPr lang="en-US" sz="3200" dirty="0"/>
-              <a:t> eros vel, </a:t>
-            </a:r>
-            <a:r>
-              <a:rPr lang="en-US" sz="3200" dirty="0" err="1"/>
-              <a:t>aliquet</a:t>
-            </a:r>
-            <a:r>
-              <a:rPr lang="en-US" sz="3200" dirty="0"/>
-              <a:t> </a:t>
-            </a:r>
-            <a:r>
-              <a:rPr lang="en-US" sz="3200" dirty="0" err="1"/>
-              <a:t>laoreet</a:t>
-            </a:r>
-            <a:r>
-              <a:rPr lang="en-US" sz="3200" dirty="0"/>
-              <a:t> </a:t>
-            </a:r>
-            <a:r>
-              <a:rPr lang="en-US" sz="3200" dirty="0" err="1"/>
-              <a:t>urna</a:t>
-            </a:r>
-            <a:r>
-              <a:rPr lang="en-US" sz="3200" dirty="0"/>
-              <a:t>. </a:t>
+              <a:t>https://help.ubuntu.com/lts/ubuntu-help/index.html</a:t>
             </a:r>
           </a:p>
           <a:p>
@@ -7577,77 +4980,22 @@
               <a:buAutoNum type="arabicPeriod"/>
             </a:pPr>
             <a:r>
-              <a:rPr lang="en-US" sz="3200" dirty="0" err="1"/>
-              <a:t>Aliquam</a:t>
-            </a:r>
-            <a:r>
               <a:rPr lang="en-US" sz="3200" dirty="0"/>
-              <a:t> </a:t>
-            </a:r>
-            <a:r>
-              <a:rPr lang="en-US" sz="3200" dirty="0" err="1"/>
-              <a:t>erat</a:t>
-            </a:r>
+              <a:t>https://httpd.apache.org/docs/2.4/</a:t>
+            </a:r>
+          </a:p>
+          <a:p>
+            <a:pPr marL="514350" indent="-514350" algn="just">
+              <a:buAutoNum type="arabicPeriod"/>
+            </a:pPr>
             <a:r>
               <a:rPr lang="en-US" sz="3200" dirty="0"/>
-              <a:t> </a:t>
-            </a:r>
-            <a:r>
-              <a:rPr lang="en-US" sz="3200" dirty="0" err="1"/>
-              <a:t>volutpat</a:t>
-            </a:r>
-            <a:r>
-              <a:rPr lang="en-US" sz="3200" dirty="0"/>
-              <a:t>. </a:t>
-            </a:r>
-            <a:r>
-              <a:rPr lang="en-US" sz="3200" dirty="0" err="1"/>
-              <a:t>Mauris</a:t>
-            </a:r>
-            <a:r>
-              <a:rPr lang="en-US" sz="3200" dirty="0"/>
-              <a:t> </a:t>
-            </a:r>
-            <a:r>
-              <a:rPr lang="en-US" sz="3200" dirty="0" err="1"/>
-              <a:t>ultrices</a:t>
-            </a:r>
-            <a:r>
-              <a:rPr lang="en-US" sz="3200" dirty="0"/>
-              <a:t> mi id </a:t>
-            </a:r>
-            <a:r>
-              <a:rPr lang="en-US" sz="3200" dirty="0" err="1"/>
-              <a:t>erat</a:t>
-            </a:r>
-            <a:r>
-              <a:rPr lang="en-US" sz="3200" dirty="0"/>
-              <a:t> </a:t>
-            </a:r>
-            <a:r>
-              <a:rPr lang="en-US" sz="3200" dirty="0" err="1"/>
-              <a:t>efficitur</a:t>
-            </a:r>
-            <a:r>
-              <a:rPr lang="en-US" sz="3200" dirty="0"/>
-              <a:t>, at </a:t>
-            </a:r>
-            <a:r>
-              <a:rPr lang="en-US" sz="3200" dirty="0" err="1"/>
-              <a:t>mattis</a:t>
-            </a:r>
-            <a:r>
-              <a:rPr lang="en-US" sz="3200" dirty="0"/>
-              <a:t> lorem </a:t>
-            </a:r>
-            <a:r>
-              <a:rPr lang="en-US" sz="3200" dirty="0" err="1"/>
-              <a:t>mattis</a:t>
-            </a:r>
-            <a:r>
-              <a:rPr lang="en-US" sz="3200" dirty="0"/>
-              <a:t>. </a:t>
-            </a:r>
+              <a:t>https://devdocs.io/javascript/</a:t>
+            </a:r>
+          </a:p>
+          <a:p>
+            <a:pPr algn="just"/>
+            <a:endParaRPr lang="en-US" sz="3200" dirty="0"/>
           </a:p>
         </p:txBody>
       </p:sp>
@@ -7774,13 +5122,13 @@
           <p:nvPr/>
         </p:nvPicPr>
         <p:blipFill>
-          <a:blip r:embed="rId7">
+          <a:blip r:embed="rId6">
             <a:extLst>
               <a:ext uri="{28A0092B-C50C-407E-A947-70E740481C1C}">
                 <a14:useLocalDpi xmlns:a14="http://schemas.microsoft.com/office/drawing/2010/main" val="0"/>
               </a:ext>
               <a:ext uri="{96DAC541-7B7A-43D3-8B79-37D633B846F1}">
-                <asvg:svgBlip xmlns:asvg="http://schemas.microsoft.com/office/drawing/2016/SVG/main" r:embed="rId8"/>
+                <asvg:svgBlip xmlns:asvg="http://schemas.microsoft.com/office/drawing/2016/SVG/main" r:embed="rId7"/>
               </a:ext>
             </a:extLst>
           </a:blip>
@@ -7789,8 +5137,8 @@
         </p:blipFill>
         <p:spPr>
           <a:xfrm>
-            <a:off x="33421942" y="812800"/>
-            <a:ext cx="3675751" cy="3657600"/>
+            <a:off x="33433248" y="812800"/>
+            <a:ext cx="3653139" cy="3657600"/>
           </a:xfrm>
           <a:prstGeom prst="rect">
             <a:avLst/>
@@ -7838,6 +5186,53 @@
           </a:fontRef>
         </p:style>
       </p:cxnSp>
+      <p:pic>
+        <p:nvPicPr>
+          <p:cNvPr id="1030" name="Picture 6">
+            <a:extLst>
+              <a:ext uri="{FF2B5EF4-FFF2-40B4-BE49-F238E27FC236}">
+                <a16:creationId xmlns:a16="http://schemas.microsoft.com/office/drawing/2014/main" id="{A5E67C94-0A82-4998-A219-4BE14A6A1443}"/>
+              </a:ext>
+            </a:extLst>
+          </p:cNvPr>
+          <p:cNvPicPr>
+            <a:picLocks noChangeAspect="1" noChangeArrowheads="1"/>
+          </p:cNvPicPr>
+          <p:nvPr/>
+        </p:nvPicPr>
+        <p:blipFill>
+          <a:blip r:embed="rId8">
+            <a:extLst>
+              <a:ext uri="{28A0092B-C50C-407E-A947-70E740481C1C}">
+                <a14:useLocalDpi xmlns:a14="http://schemas.microsoft.com/office/drawing/2010/main" val="0"/>
+              </a:ext>
+            </a:extLst>
+          </a:blip>
+          <a:srcRect/>
+          <a:stretch>
+            <a:fillRect/>
+          </a:stretch>
+        </p:blipFill>
+        <p:spPr bwMode="auto">
+          <a:xfrm>
+            <a:off x="10744200" y="12794820"/>
+            <a:ext cx="7543800" cy="4229957"/>
+          </a:xfrm>
+          <a:prstGeom prst="rect">
+            <a:avLst/>
+          </a:prstGeom>
+          <a:noFill/>
+          <a:extLst>
+            <a:ext uri="{909E8E84-426E-40DD-AFC4-6F175D3DCCD1}">
+              <a14:hiddenFill xmlns:a14="http://schemas.microsoft.com/office/drawing/2010/main">
+                <a:solidFill>
+                  <a:srgbClr val="FFFFFF"/>
+                </a:solidFill>
+              </a14:hiddenFill>
+            </a:ext>
+          </a:extLst>
+        </p:spPr>
+      </p:pic>
     </p:spTree>
     <p:extLst>
       <p:ext uri="{BB962C8B-B14F-4D97-AF65-F5344CB8AC3E}">

--- a/documentation/csci_poster.pptx
+++ b/documentation/csci_poster.pptx
@@ -274,7 +274,7 @@
           <a:p>
             <a:fld id="{64ED9595-0AE4-4B15-B393-D0F1DD0EB94B}" type="datetimeFigureOut">
               <a:rPr lang="en-US" smtClean="0"/>
-              <a:t>4/7/2022</a:t>
+              <a:t>4/12/2022</a:t>
             </a:fld>
             <a:endParaRPr lang="en-US"/>
           </a:p>
@@ -761,7 +761,7 @@
           <a:p>
             <a:fld id="{41C03D7F-B796-4B92-B0C7-6D4C9CC8C787}" type="datetimeFigureOut">
               <a:rPr lang="en-US" smtClean="0"/>
-              <a:t>4/7/2022</a:t>
+              <a:t>4/12/2022</a:t>
             </a:fld>
             <a:endParaRPr lang="en-US"/>
           </a:p>
@@ -931,7 +931,7 @@
           <a:p>
             <a:fld id="{41C03D7F-B796-4B92-B0C7-6D4C9CC8C787}" type="datetimeFigureOut">
               <a:rPr lang="en-US" smtClean="0"/>
-              <a:t>4/7/2022</a:t>
+              <a:t>4/12/2022</a:t>
             </a:fld>
             <a:endParaRPr lang="en-US"/>
           </a:p>
@@ -1111,7 +1111,7 @@
           <a:p>
             <a:fld id="{41C03D7F-B796-4B92-B0C7-6D4C9CC8C787}" type="datetimeFigureOut">
               <a:rPr lang="en-US" smtClean="0"/>
-              <a:t>4/7/2022</a:t>
+              <a:t>4/12/2022</a:t>
             </a:fld>
             <a:endParaRPr lang="en-US"/>
           </a:p>
@@ -1281,7 +1281,7 @@
           <a:p>
             <a:fld id="{41C03D7F-B796-4B92-B0C7-6D4C9CC8C787}" type="datetimeFigureOut">
               <a:rPr lang="en-US" smtClean="0"/>
-              <a:t>4/7/2022</a:t>
+              <a:t>4/12/2022</a:t>
             </a:fld>
             <a:endParaRPr lang="en-US"/>
           </a:p>
@@ -1525,7 +1525,7 @@
           <a:p>
             <a:fld id="{41C03D7F-B796-4B92-B0C7-6D4C9CC8C787}" type="datetimeFigureOut">
               <a:rPr lang="en-US" smtClean="0"/>
-              <a:t>4/7/2022</a:t>
+              <a:t>4/12/2022</a:t>
             </a:fld>
             <a:endParaRPr lang="en-US"/>
           </a:p>
@@ -1757,7 +1757,7 @@
           <a:p>
             <a:fld id="{41C03D7F-B796-4B92-B0C7-6D4C9CC8C787}" type="datetimeFigureOut">
               <a:rPr lang="en-US" smtClean="0"/>
-              <a:t>4/7/2022</a:t>
+              <a:t>4/12/2022</a:t>
             </a:fld>
             <a:endParaRPr lang="en-US"/>
           </a:p>
@@ -2124,7 +2124,7 @@
           <a:p>
             <a:fld id="{41C03D7F-B796-4B92-B0C7-6D4C9CC8C787}" type="datetimeFigureOut">
               <a:rPr lang="en-US" smtClean="0"/>
-              <a:t>4/7/2022</a:t>
+              <a:t>4/12/2022</a:t>
             </a:fld>
             <a:endParaRPr lang="en-US"/>
           </a:p>
@@ -2242,7 +2242,7 @@
           <a:p>
             <a:fld id="{41C03D7F-B796-4B92-B0C7-6D4C9CC8C787}" type="datetimeFigureOut">
               <a:rPr lang="en-US" smtClean="0"/>
-              <a:t>4/7/2022</a:t>
+              <a:t>4/12/2022</a:t>
             </a:fld>
             <a:endParaRPr lang="en-US"/>
           </a:p>
@@ -2337,7 +2337,7 @@
           <a:p>
             <a:fld id="{41C03D7F-B796-4B92-B0C7-6D4C9CC8C787}" type="datetimeFigureOut">
               <a:rPr lang="en-US" smtClean="0"/>
-              <a:t>4/7/2022</a:t>
+              <a:t>4/12/2022</a:t>
             </a:fld>
             <a:endParaRPr lang="en-US"/>
           </a:p>
@@ -2614,7 +2614,7 @@
           <a:p>
             <a:fld id="{41C03D7F-B796-4B92-B0C7-6D4C9CC8C787}" type="datetimeFigureOut">
               <a:rPr lang="en-US" smtClean="0"/>
-              <a:t>4/7/2022</a:t>
+              <a:t>4/12/2022</a:t>
             </a:fld>
             <a:endParaRPr lang="en-US"/>
           </a:p>
@@ -2871,7 +2871,7 @@
           <a:p>
             <a:fld id="{41C03D7F-B796-4B92-B0C7-6D4C9CC8C787}" type="datetimeFigureOut">
               <a:rPr lang="en-US" smtClean="0"/>
-              <a:t>4/7/2022</a:t>
+              <a:t>4/12/2022</a:t>
             </a:fld>
             <a:endParaRPr lang="en-US"/>
           </a:p>
@@ -3084,7 +3084,7 @@
           <a:p>
             <a:fld id="{41C03D7F-B796-4B92-B0C7-6D4C9CC8C787}" type="datetimeFigureOut">
               <a:rPr lang="en-US" smtClean="0"/>
-              <a:t>4/7/2022</a:t>
+              <a:t>4/12/2022</a:t>
             </a:fld>
             <a:endParaRPr lang="en-US"/>
           </a:p>
@@ -3543,7 +3543,7 @@
                 </a:solidFill>
                 <a:effectLst/>
               </a:rPr>
-              <a:t>Our proposal is for a web based application called The Palette Picker. The Palette Picker will allow users to create personalized five color sets, and then share those patterns with friends and the community. These palettes can be referenced when creating pottery, painting your home, using a digital art program, or other activities that utilize color and require a cohesive look or </a:t>
+              <a:t>Our proposal is for a web-based application called The Palette Picker. The Palette Picker will allow users to create personalized five color sets, and then share those patterns with friends and the community. These palettes can be referenced when creating pottery, painting your home, using a digital art program, or other activities that utilize color and require a cohesive look or </a:t>
             </a:r>
             <a:r>
               <a:rPr lang="en-US" sz="3200" dirty="0">
@@ -4013,7 +4013,7 @@
             </a:r>
             <a:r>
               <a:rPr lang="en-US" sz="3200" dirty="0"/>
-              <a:t> makes sure the password is encrypted before reaching the database, or searching the database. The login component also connects to the profile component once the user's login credentials have been confirmed. The search palettes component searches the database for relevant palettes from the users search parameters. The profile component has a provided </a:t>
+              <a:t> makes sure the password is encrypted before reaching the database or searching the database. The login component also connects to the profile component once the user's login credentials have been confirmed. The search palettes component searches the database for relevant palettes from the users search parameters. The profile component has a provided </a:t>
             </a:r>
             <a:r>
               <a:rPr lang="en-US" sz="3200" dirty="0" err="1"/>
@@ -4032,7 +4032,7 @@
             <a:pPr algn="just"/>
             <a:r>
               <a:rPr lang="en-US" sz="3200" dirty="0"/>
-              <a:t>The database (ERD shown in Figure 2) will include four tables: a User table, a Palette table, a </a:t>
+              <a:t>The database (ERD shown in Figure 2) includes four tables: a User table, a Palette table, a </a:t>
             </a:r>
             <a:r>
               <a:rPr lang="en-US" sz="3200" dirty="0" err="1"/>
@@ -4048,7 +4048,7 @@
             </a:r>
             <a:r>
               <a:rPr lang="en-US" sz="3200" dirty="0"/>
-              <a:t> table. The User table will have 3 classes: an ID as the primary key, a username, and a password. The Palette table has ten classes: an integer ID as a primary key, an integer user id that is a foreign key, a title, 6 hex codes representing each color in the palette, a date representing the day the palette was created, and the number of times a person has clicked the palette’s page. The </a:t>
+              <a:t> table. The User table has 3 classes: an ID as the primary key, a username, and a password. The Palette table has ten classes: an integer ID as a primary key, an integer user id that is a foreign key, a title, 6 hex codes representing each color in the palette, a date representing the day the palette was created, and the number of times a person has clicked the palette’s page. The </a:t>
             </a:r>
             <a:r>
               <a:rPr lang="en-US" sz="3200" dirty="0" err="1"/>
@@ -4180,7 +4180,7 @@
             <a:pPr algn="just"/>
             <a:r>
               <a:rPr lang="en-US" sz="3200" dirty="0"/>
-              <a:t>There are also some features we would like to add, but will not have the opportunity to implement. One feature would create a second palette of colors that compliment the first. For example, by uploading an image of a room, a user could learn what color items or furniture would work well with the room. Another feature would allow users to download a PNG of a palette, including the hex codes of the colors. While this could be nice, users could already snip a palette, making it of minor importance in comparison.</a:t>
+              <a:t>There are also some features we would like to add but will not have the opportunity to implement. One feature would create a second palette of colors that compliment the first. For example, by uploading an image of a room, a user could learn what color items or furniture would work well with the room. Another feature would allow users to download a PNG of a palette, including the hex codes of the colors. While this could be nice, users could already snip a palette, making it of minor importance in comparison.</a:t>
             </a:r>
             <a:endParaRPr lang="en-US" sz="3200" b="1" dirty="0"/>
           </a:p>
@@ -4386,7 +4386,7 @@
                 </a:solidFill>
                 <a:effectLst/>
               </a:rPr>
-              <a:t>If we have time to implement it, users will also be able to create palettes through a color search feature. This will allow the user to pick a base color, such as “blue” or “green” from a dropdown menu. Then, the user will be prompted to pick the specific shade of that color that they are looking for. Once they have selected a base color, 4 complementary colors will be generated using an algorithm. If the user would prefer to pick their own shades there will be an option to create custom colors. </a:t>
+              <a:t>If we have time to implement it, users will also be able to create palettes through a color search feature. This will allow the user to pick a base color, such as “blue” or “green” from a dropdown menu. Then, the user will be prompted to pick the specific shade of that color that they are looking for. Once they have selected a base color, 4 complementary colors will be generated using an algorithm. If the user would prefer to pick their own shades, there will be an option to create custom colors. </a:t>
             </a:r>
             <a:endParaRPr lang="en-US" sz="3200" b="0" dirty="0">
               <a:effectLst/>
@@ -4408,7 +4408,25 @@
                 </a:solidFill>
                 <a:effectLst/>
               </a:rPr>
-              <a:t>On the social side of the site users will be allowed to share their color palettes with friends and the community. The community page will allow users to find color palettes created by other users of the Palette Picker community. When users save a palette it will automatically post to their profile, and be available through the community page. If users do not wish to share their post with the community there will be a privacy setting, in which you can disable posting to the community page, disable posting to your profile, and disable other users from viewing your profile. Users will also have the option of sharing palettes with friends. If time permits, uploading palettes, saving palettes, adding friends, and a few other of these features will be limited to users that have created an account on the site.</a:t>
+              <a:t>On the social side of the site users will be allowed to share their color palettes with friends and the community. The community page will allow users to find color palettes created by other users of the Palette Picker community. When users save </a:t>
+            </a:r>
+            <a:r>
+              <a:rPr lang="en-US" sz="3200" b="0" i="0" u="none" strike="noStrike">
+                <a:solidFill>
+                  <a:srgbClr val="000000"/>
+                </a:solidFill>
+                <a:effectLst/>
+              </a:rPr>
+              <a:t>a palette, </a:t>
+            </a:r>
+            <a:r>
+              <a:rPr lang="en-US" sz="3200" b="0" i="0" u="none" strike="noStrike" dirty="0">
+                <a:solidFill>
+                  <a:srgbClr val="000000"/>
+                </a:solidFill>
+                <a:effectLst/>
+              </a:rPr>
+              <a:t>it will automatically post to their profile, and be available through the community page. If users do not wish to share their post with the community there will be a privacy setting, in which you can disable posting to the community page, disable posting to your profile, and disable other users from viewing your profile. Users will also have the option of sharing palettes with friends. If time permits, uploading palettes, saving palettes, adding friends, and a few other of these features will be limited to users that have created an account on the site.</a:t>
             </a:r>
             <a:endParaRPr lang="en-US" sz="3200" dirty="0"/>
           </a:p>

--- a/documentation/csci_poster.pptx
+++ b/documentation/csci_poster.pptx
@@ -4319,7 +4319,7 @@
         <p:spPr>
           <a:xfrm>
             <a:off x="1373066" y="16641589"/>
-            <a:ext cx="7543800" cy="20282475"/>
+            <a:ext cx="7543800" cy="19297590"/>
           </a:xfrm>
           <a:prstGeom prst="rect">
             <a:avLst/>
@@ -4386,7 +4386,7 @@
                 </a:solidFill>
                 <a:effectLst/>
               </a:rPr>
-              <a:t>If we have time to implement it, users will also be able to create palettes through a color search feature. This will allow the user to pick a base color, such as “blue” or “green” from a dropdown menu. Then, the user will be prompted to pick the specific shade of that color that they are looking for. Once they have selected a base color, 4 complementary colors will be generated using an algorithm. If the user would prefer to pick their own shades, there will be an option to create custom colors. </a:t>
+              <a:t>Users will also be able to create palettes through a color search feature. This will allow the user to pick a base color, such as “blue” or “green” from a dropdown menu. Then, the user will be prompted to pick the specific shade of that color that they are looking for. Once they have selected a base color, 4 complementary colors will be generated using an algorithm. If the user would prefer to pick their own shades, there will be an option to create custom colors. </a:t>
             </a:r>
             <a:endParaRPr lang="en-US" sz="3200" b="0" dirty="0">
               <a:effectLst/>
@@ -4408,25 +4408,7 @@
                 </a:solidFill>
                 <a:effectLst/>
               </a:rPr>
-              <a:t>On the social side of the site users will be allowed to share their color palettes with friends and the community. The community page will allow users to find color palettes created by other users of the Palette Picker community. When users save </a:t>
-            </a:r>
-            <a:r>
-              <a:rPr lang="en-US" sz="3200" b="0" i="0" u="none" strike="noStrike">
-                <a:solidFill>
-                  <a:srgbClr val="000000"/>
-                </a:solidFill>
-                <a:effectLst/>
-              </a:rPr>
-              <a:t>a palette, </a:t>
-            </a:r>
-            <a:r>
-              <a:rPr lang="en-US" sz="3200" b="0" i="0" u="none" strike="noStrike" dirty="0">
-                <a:solidFill>
-                  <a:srgbClr val="000000"/>
-                </a:solidFill>
-                <a:effectLst/>
-              </a:rPr>
-              <a:t>it will automatically post to their profile, and be available through the community page. If users do not wish to share their post with the community there will be a privacy setting, in which you can disable posting to the community page, disable posting to your profile, and disable other users from viewing your profile. Users will also have the option of sharing palettes with friends. If time permits, uploading palettes, saving palettes, adding friends, and a few other of these features will be limited to users that have created an account on the site.</a:t>
+              <a:t>On the social side of the site users will be allowed to share their color palettes with friends and the community. The community page will allow users to find color palettes created by other users of the Palette Picker community. When users save a palette, it will automatically post to their profile, and be available through the community page. If users do not wish to share their post with the community there will be a privacy setting, in which you can disable posting to the community page, disable posting to your profile, and disable other users from viewing your profile. Users will also have the option of sharing palettes with friends. If time permits, uploading palettes, saving palettes, adding friends, and a few other of these features will be limited to users that have created an account on the site.</a:t>
             </a:r>
             <a:endParaRPr lang="en-US" sz="3200" dirty="0"/>
           </a:p>
@@ -4589,7 +4571,7 @@
       </p:sp>
       <p:pic>
         <p:nvPicPr>
-          <p:cNvPr id="65" name="Picture 64" descr="A picture containing text, monitor, electronics, screenshot&#10;&#10;Description automatically generated">
+          <p:cNvPr id="65" name="Picture 64">
             <a:extLst>
               <a:ext uri="{FF2B5EF4-FFF2-40B4-BE49-F238E27FC236}">
                 <a16:creationId xmlns:a16="http://schemas.microsoft.com/office/drawing/2014/main" id="{F6801293-8C2D-DC4C-9773-5E5463ED4BFA}"/>
@@ -4602,25 +4584,29 @@
           <p:nvPr/>
         </p:nvPicPr>
         <p:blipFill>
-          <a:blip r:embed="rId5" cstate="print">
+          <a:blip r:embed="rId5">
             <a:extLst>
               <a:ext uri="{28A0092B-C50C-407E-A947-70E740481C1C}">
                 <a14:useLocalDpi xmlns:a14="http://schemas.microsoft.com/office/drawing/2010/main" val="0"/>
               </a:ext>
             </a:extLst>
           </a:blip>
-          <a:stretch>
-            <a:fillRect/>
-          </a:stretch>
+          <a:srcRect/>
+          <a:stretch/>
         </p:blipFill>
         <p:spPr>
           <a:xfrm>
-            <a:off x="12458700" y="20325113"/>
-            <a:ext cx="4114800" cy="8509000"/>
+            <a:off x="10744200" y="19406197"/>
+            <a:ext cx="7543800" cy="7166608"/>
           </a:xfrm>
           <a:prstGeom prst="rect">
             <a:avLst/>
           </a:prstGeom>
+          <a:ln>
+            <a:solidFill>
+              <a:schemeClr val="accent1"/>
+            </a:solidFill>
+          </a:ln>
         </p:spPr>
       </p:pic>
       <p:sp>
@@ -4637,8 +4623,8 @@
         </p:nvSpPr>
         <p:spPr>
           <a:xfrm>
-            <a:off x="10783033" y="30256051"/>
-            <a:ext cx="7543800" cy="3046988"/>
+            <a:off x="10783033" y="27634771"/>
+            <a:ext cx="7543800" cy="584775"/>
           </a:xfrm>
           <a:prstGeom prst="rect">
             <a:avLst/>
@@ -4678,191 +4664,7 @@
             </a:r>
             <a:r>
               <a:rPr lang="en-US" sz="3200" dirty="0"/>
-              <a:t>Lorem ipsum dolor sit </a:t>
-            </a:r>
-            <a:r>
-              <a:rPr lang="en-US" sz="3200" dirty="0" err="1"/>
-              <a:t>amet</a:t>
-            </a:r>
-            <a:r>
-              <a:rPr lang="en-US" sz="3200" dirty="0"/>
-              <a:t>, </a:t>
-            </a:r>
-            <a:r>
-              <a:rPr lang="en-US" sz="3200" dirty="0" err="1"/>
-              <a:t>consectetur</a:t>
-            </a:r>
-            <a:r>
-              <a:rPr lang="en-US" sz="3200" dirty="0"/>
-              <a:t> </a:t>
-            </a:r>
-            <a:r>
-              <a:rPr lang="en-US" sz="3200" dirty="0" err="1"/>
-              <a:t>adipiscing</a:t>
-            </a:r>
-            <a:r>
-              <a:rPr lang="en-US" sz="3200" dirty="0"/>
-              <a:t> </a:t>
-            </a:r>
-            <a:r>
-              <a:rPr lang="en-US" sz="3200" dirty="0" err="1"/>
-              <a:t>elit</a:t>
-            </a:r>
-            <a:r>
-              <a:rPr lang="en-US" sz="3200" dirty="0"/>
-              <a:t>. </a:t>
-            </a:r>
-            <a:r>
-              <a:rPr lang="en-US" sz="3200" dirty="0" err="1"/>
-              <a:t>Aliquam</a:t>
-            </a:r>
-            <a:r>
-              <a:rPr lang="en-US" sz="3200" dirty="0"/>
-              <a:t> </a:t>
-            </a:r>
-            <a:r>
-              <a:rPr lang="en-US" sz="3200" dirty="0" err="1"/>
-              <a:t>hendrerit</a:t>
-            </a:r>
-            <a:r>
-              <a:rPr lang="en-US" sz="3200" dirty="0"/>
-              <a:t> </a:t>
-            </a:r>
-            <a:r>
-              <a:rPr lang="en-US" sz="3200" dirty="0" err="1"/>
-              <a:t>laoreet</a:t>
-            </a:r>
-            <a:r>
-              <a:rPr lang="en-US" sz="3200" dirty="0"/>
-              <a:t> ante </a:t>
-            </a:r>
-            <a:r>
-              <a:rPr lang="en-US" sz="3200" dirty="0" err="1"/>
-              <a:t>eget</a:t>
-            </a:r>
-            <a:r>
-              <a:rPr lang="en-US" sz="3200" dirty="0"/>
-              <a:t> </a:t>
-            </a:r>
-            <a:r>
-              <a:rPr lang="en-US" sz="3200" dirty="0" err="1"/>
-              <a:t>commodo</a:t>
-            </a:r>
-            <a:r>
-              <a:rPr lang="en-US" sz="3200" dirty="0"/>
-              <a:t>. </a:t>
-            </a:r>
-            <a:r>
-              <a:rPr lang="en-US" sz="3200" dirty="0" err="1"/>
-              <a:t>Aliquam</a:t>
-            </a:r>
-            <a:r>
-              <a:rPr lang="en-US" sz="3200" dirty="0"/>
-              <a:t> </a:t>
-            </a:r>
-            <a:r>
-              <a:rPr lang="en-US" sz="3200" dirty="0" err="1"/>
-              <a:t>erat</a:t>
-            </a:r>
-            <a:r>
-              <a:rPr lang="en-US" sz="3200" dirty="0"/>
-              <a:t> </a:t>
-            </a:r>
-            <a:r>
-              <a:rPr lang="en-US" sz="3200" dirty="0" err="1"/>
-              <a:t>volutpat</a:t>
-            </a:r>
-            <a:r>
-              <a:rPr lang="en-US" sz="3200" dirty="0"/>
-              <a:t>. </a:t>
-            </a:r>
-            <a:r>
-              <a:rPr lang="en-US" sz="3200" dirty="0" err="1"/>
-              <a:t>Curabitur</a:t>
-            </a:r>
-            <a:r>
-              <a:rPr lang="en-US" sz="3200" dirty="0"/>
-              <a:t> </a:t>
-            </a:r>
-            <a:r>
-              <a:rPr lang="en-US" sz="3200" dirty="0" err="1"/>
-              <a:t>nunc</a:t>
-            </a:r>
-            <a:r>
-              <a:rPr lang="en-US" sz="3200" dirty="0"/>
-              <a:t> </a:t>
-            </a:r>
-            <a:r>
-              <a:rPr lang="en-US" sz="3200" dirty="0" err="1"/>
-              <a:t>nibh</a:t>
-            </a:r>
-            <a:r>
-              <a:rPr lang="en-US" sz="3200" dirty="0"/>
-              <a:t>, </a:t>
-            </a:r>
-            <a:r>
-              <a:rPr lang="en-US" sz="3200" dirty="0" err="1"/>
-              <a:t>luctus</a:t>
-            </a:r>
-            <a:r>
-              <a:rPr lang="en-US" sz="3200" dirty="0"/>
-              <a:t> </a:t>
-            </a:r>
-            <a:r>
-              <a:rPr lang="en-US" sz="3200" dirty="0" err="1"/>
-              <a:t>quis</a:t>
-            </a:r>
-            <a:r>
-              <a:rPr lang="en-US" sz="3200" dirty="0"/>
-              <a:t> eros vel, </a:t>
-            </a:r>
-            <a:r>
-              <a:rPr lang="en-US" sz="3200" dirty="0" err="1"/>
-              <a:t>aliquet</a:t>
-            </a:r>
-            <a:r>
-              <a:rPr lang="en-US" sz="3200" dirty="0"/>
-              <a:t> </a:t>
-            </a:r>
-            <a:r>
-              <a:rPr lang="en-US" sz="3200" dirty="0" err="1"/>
-              <a:t>laoreet</a:t>
-            </a:r>
-            <a:r>
-              <a:rPr lang="en-US" sz="3200" dirty="0"/>
-              <a:t> </a:t>
-            </a:r>
-            <a:r>
-              <a:rPr lang="en-US" sz="3200" dirty="0" err="1"/>
-              <a:t>urna</a:t>
-            </a:r>
-            <a:r>
-              <a:rPr lang="en-US" sz="3200" dirty="0"/>
-              <a:t>. </a:t>
-            </a:r>
-            <a:r>
-              <a:rPr lang="en-US" sz="3200" dirty="0" err="1"/>
-              <a:t>Aliquam</a:t>
-            </a:r>
-            <a:r>
-              <a:rPr lang="en-US" sz="3200" dirty="0"/>
-              <a:t> </a:t>
-            </a:r>
-            <a:r>
-              <a:rPr lang="en-US" sz="3200" dirty="0" err="1"/>
-              <a:t>erat</a:t>
-            </a:r>
-            <a:r>
-              <a:rPr lang="en-US" sz="3200" dirty="0"/>
-              <a:t> </a:t>
-            </a:r>
-            <a:r>
-              <a:rPr lang="en-US" sz="3200" dirty="0" err="1"/>
-              <a:t>volutpat</a:t>
-            </a:r>
-            <a:r>
-              <a:rPr lang="en-US" sz="3200" dirty="0"/>
-              <a:t>. </a:t>
+              <a:t>Home Page</a:t>
             </a:r>
           </a:p>
         </p:txBody>

--- a/documentation/csci_poster.pptx
+++ b/documentation/csci_poster.pptx
@@ -4319,7 +4319,7 @@
         <p:spPr>
           <a:xfrm>
             <a:off x="1373066" y="16641589"/>
-            <a:ext cx="7543800" cy="20282475"/>
+            <a:ext cx="7543800" cy="19297590"/>
           </a:xfrm>
           <a:prstGeom prst="rect">
             <a:avLst/>
@@ -4386,7 +4386,7 @@
                 </a:solidFill>
                 <a:effectLst/>
               </a:rPr>
-              <a:t>If we have time to implement it, users will also be able to create palettes through a color search feature. This will allow the user to pick a base color, such as “blue” or “green” from a dropdown menu. Then, the user will be prompted to pick the specific shade of that color that they are looking for. Once they have selected a base color, 4 complementary colors will be generated using an algorithm. If the user would prefer to pick their own shades, there will be an option to create custom colors. </a:t>
+              <a:t>Users will also be able to create palettes through a color search feature. This will allow the user to pick a base color, such as “blue” or “green” from a dropdown menu. Then, the user will be prompted to pick the specific shade of that color that they are looking for. Once they have selected a base color, 4 complementary colors will be generated using an algorithm. If the user would prefer to pick their own shades, there will be an option to create custom colors. </a:t>
             </a:r>
             <a:endParaRPr lang="en-US" sz="3200" b="0" dirty="0">
               <a:effectLst/>
@@ -4408,7 +4408,7 @@
                 </a:solidFill>
                 <a:effectLst/>
               </a:rPr>
-              <a:t>On the social side of the site users will be allowed to share their color palettes with friends and the community. The community page will allow users to find color palettes created by other users of the Palette Picker community. When users save </a:t>
+              <a:t>On the social side of the site users will be allowed to share their color palettes with friends and the community. The community page will allow users to find color palettes created by other users of the Palette Picker community. When users save a palette, it will automatically post to their profile, and be available through the community page. If users do not wish to share their post with the community there will be a privacy setting, in which you can disable posting to the community page, disable posting to your profile, and disable other users from viewing your profile. Users will also have the option of sharing palettes with </a:t>
             </a:r>
             <a:r>
               <a:rPr lang="en-US" sz="3200" b="0" i="0" u="none" strike="noStrike">
@@ -4417,7 +4417,24 @@
                 </a:solidFill>
                 <a:effectLst/>
               </a:rPr>
-              <a:t>a palette, </a:t>
+              <a:t>friends</a:t>
+            </a:r>
+            <a:r>
+              <a:rPr lang="en-US" sz="3200">
+                <a:solidFill>
+                  <a:srgbClr val="000000"/>
+                </a:solidFill>
+              </a:rPr>
+              <a:t>, </a:t>
+            </a:r>
+            <a:r>
+              <a:rPr lang="en-US" sz="3200" b="0" i="0" u="none" strike="noStrike">
+                <a:solidFill>
+                  <a:srgbClr val="000000"/>
+                </a:solidFill>
+                <a:effectLst/>
+              </a:rPr>
+              <a:t>uploading </a:t>
             </a:r>
             <a:r>
               <a:rPr lang="en-US" sz="3200" b="0" i="0" u="none" strike="noStrike" dirty="0">
@@ -4426,7 +4443,7 @@
                 </a:solidFill>
                 <a:effectLst/>
               </a:rPr>
-              <a:t>it will automatically post to their profile, and be available through the community page. If users do not wish to share their post with the community there will be a privacy setting, in which you can disable posting to the community page, disable posting to your profile, and disable other users from viewing your profile. Users will also have the option of sharing palettes with friends. If time permits, uploading palettes, saving palettes, adding friends, and a few other of these features will be limited to users that have created an account on the site.</a:t>
+              <a:t>palettes, saving palettes, adding friends, and a few other of these features will be limited to users that have created an account on the site.</a:t>
             </a:r>
             <a:endParaRPr lang="en-US" sz="3200" dirty="0"/>
           </a:p>
@@ -4446,7 +4463,7 @@
         </p:nvSpPr>
         <p:spPr>
           <a:xfrm>
-            <a:off x="10783033" y="17682833"/>
+            <a:off x="10744200" y="21680364"/>
             <a:ext cx="7543800" cy="584775"/>
           </a:xfrm>
           <a:prstGeom prst="rect">
@@ -4589,7 +4606,7 @@
       </p:sp>
       <p:pic>
         <p:nvPicPr>
-          <p:cNvPr id="65" name="Picture 64" descr="A picture containing text, monitor, electronics, screenshot&#10;&#10;Description automatically generated">
+          <p:cNvPr id="65" name="Picture 64">
             <a:extLst>
               <a:ext uri="{FF2B5EF4-FFF2-40B4-BE49-F238E27FC236}">
                 <a16:creationId xmlns:a16="http://schemas.microsoft.com/office/drawing/2014/main" id="{F6801293-8C2D-DC4C-9773-5E5463ED4BFA}"/>
@@ -4602,25 +4619,29 @@
           <p:nvPr/>
         </p:nvPicPr>
         <p:blipFill>
-          <a:blip r:embed="rId5" cstate="print">
+          <a:blip r:embed="rId5">
             <a:extLst>
               <a:ext uri="{28A0092B-C50C-407E-A947-70E740481C1C}">
                 <a14:useLocalDpi xmlns:a14="http://schemas.microsoft.com/office/drawing/2010/main" val="0"/>
               </a:ext>
             </a:extLst>
           </a:blip>
-          <a:stretch>
-            <a:fillRect/>
-          </a:stretch>
+          <a:srcRect/>
+          <a:stretch/>
         </p:blipFill>
         <p:spPr>
           <a:xfrm>
-            <a:off x="12458700" y="20325113"/>
-            <a:ext cx="4114800" cy="8509000"/>
+            <a:off x="10744200" y="24238840"/>
+            <a:ext cx="7543800" cy="7166608"/>
           </a:xfrm>
           <a:prstGeom prst="rect">
             <a:avLst/>
           </a:prstGeom>
+          <a:ln>
+            <a:solidFill>
+              <a:schemeClr val="accent1"/>
+            </a:solidFill>
+          </a:ln>
         </p:spPr>
       </p:pic>
       <p:sp>
@@ -4637,8 +4658,8 @@
         </p:nvSpPr>
         <p:spPr>
           <a:xfrm>
-            <a:off x="10783033" y="30256051"/>
-            <a:ext cx="7543800" cy="3046988"/>
+            <a:off x="10820400" y="32429768"/>
+            <a:ext cx="7543800" cy="584775"/>
           </a:xfrm>
           <a:prstGeom prst="rect">
             <a:avLst/>
@@ -4678,191 +4699,7 @@
             </a:r>
             <a:r>
               <a:rPr lang="en-US" sz="3200" dirty="0"/>
-              <a:t>Lorem ipsum dolor sit </a:t>
-            </a:r>
-            <a:r>
-              <a:rPr lang="en-US" sz="3200" dirty="0" err="1"/>
-              <a:t>amet</a:t>
-            </a:r>
-            <a:r>
-              <a:rPr lang="en-US" sz="3200" dirty="0"/>
-              <a:t>, </a:t>
-            </a:r>
-            <a:r>
-              <a:rPr lang="en-US" sz="3200" dirty="0" err="1"/>
-              <a:t>consectetur</a:t>
-            </a:r>
-            <a:r>
-              <a:rPr lang="en-US" sz="3200" dirty="0"/>
-              <a:t> </a:t>
-            </a:r>
-            <a:r>
-              <a:rPr lang="en-US" sz="3200" dirty="0" err="1"/>
-              <a:t>adipiscing</a:t>
-            </a:r>
-            <a:r>
-              <a:rPr lang="en-US" sz="3200" dirty="0"/>
-              <a:t> </a:t>
-            </a:r>
-            <a:r>
-              <a:rPr lang="en-US" sz="3200" dirty="0" err="1"/>
-              <a:t>elit</a:t>
-            </a:r>
-            <a:r>
-              <a:rPr lang="en-US" sz="3200" dirty="0"/>
-              <a:t>. </a:t>
-            </a:r>
-            <a:r>
-              <a:rPr lang="en-US" sz="3200" dirty="0" err="1"/>
-              <a:t>Aliquam</a:t>
-            </a:r>
-            <a:r>
-              <a:rPr lang="en-US" sz="3200" dirty="0"/>
-              <a:t> </a:t>
-            </a:r>
-            <a:r>
-              <a:rPr lang="en-US" sz="3200" dirty="0" err="1"/>
-              <a:t>hendrerit</a:t>
-            </a:r>
-            <a:r>
-              <a:rPr lang="en-US" sz="3200" dirty="0"/>
-              <a:t> </a:t>
-            </a:r>
-            <a:r>
-              <a:rPr lang="en-US" sz="3200" dirty="0" err="1"/>
-              <a:t>laoreet</a:t>
-            </a:r>
-            <a:r>
-              <a:rPr lang="en-US" sz="3200" dirty="0"/>
-              <a:t> ante </a:t>
-            </a:r>
-            <a:r>
-              <a:rPr lang="en-US" sz="3200" dirty="0" err="1"/>
-              <a:t>eget</a:t>
-            </a:r>
-            <a:r>
-              <a:rPr lang="en-US" sz="3200" dirty="0"/>
-              <a:t> </a:t>
-            </a:r>
-            <a:r>
-              <a:rPr lang="en-US" sz="3200" dirty="0" err="1"/>
-              <a:t>commodo</a:t>
-            </a:r>
-            <a:r>
-              <a:rPr lang="en-US" sz="3200" dirty="0"/>
-              <a:t>. </a:t>
-            </a:r>
-            <a:r>
-              <a:rPr lang="en-US" sz="3200" dirty="0" err="1"/>
-              <a:t>Aliquam</a:t>
-            </a:r>
-            <a:r>
-              <a:rPr lang="en-US" sz="3200" dirty="0"/>
-              <a:t> </a:t>
-            </a:r>
-            <a:r>
-              <a:rPr lang="en-US" sz="3200" dirty="0" err="1"/>
-              <a:t>erat</a:t>
-            </a:r>
-            <a:r>
-              <a:rPr lang="en-US" sz="3200" dirty="0"/>
-              <a:t> </a:t>
-            </a:r>
-            <a:r>
-              <a:rPr lang="en-US" sz="3200" dirty="0" err="1"/>
-              <a:t>volutpat</a:t>
-            </a:r>
-            <a:r>
-              <a:rPr lang="en-US" sz="3200" dirty="0"/>
-              <a:t>. </a:t>
-            </a:r>
-            <a:r>
-              <a:rPr lang="en-US" sz="3200" dirty="0" err="1"/>
-              <a:t>Curabitur</a:t>
-            </a:r>
-            <a:r>
-              <a:rPr lang="en-US" sz="3200" dirty="0"/>
-              <a:t> </a:t>
-            </a:r>
-            <a:r>
-              <a:rPr lang="en-US" sz="3200" dirty="0" err="1"/>
-              <a:t>nunc</a:t>
-            </a:r>
-            <a:r>
-              <a:rPr lang="en-US" sz="3200" dirty="0"/>
-              <a:t> </a:t>
-            </a:r>
-            <a:r>
-              <a:rPr lang="en-US" sz="3200" dirty="0" err="1"/>
-              <a:t>nibh</a:t>
-            </a:r>
-            <a:r>
-              <a:rPr lang="en-US" sz="3200" dirty="0"/>
-              <a:t>, </a:t>
-            </a:r>
-            <a:r>
-              <a:rPr lang="en-US" sz="3200" dirty="0" err="1"/>
-              <a:t>luctus</a:t>
-            </a:r>
-            <a:r>
-              <a:rPr lang="en-US" sz="3200" dirty="0"/>
-              <a:t> </a:t>
-            </a:r>
-            <a:r>
-              <a:rPr lang="en-US" sz="3200" dirty="0" err="1"/>
-              <a:t>quis</a:t>
-            </a:r>
-            <a:r>
-              <a:rPr lang="en-US" sz="3200" dirty="0"/>
-              <a:t> eros vel, </a:t>
-            </a:r>
-            <a:r>
-              <a:rPr lang="en-US" sz="3200" dirty="0" err="1"/>
-              <a:t>aliquet</a:t>
-            </a:r>
-            <a:r>
-              <a:rPr lang="en-US" sz="3200" dirty="0"/>
-              <a:t> </a:t>
-            </a:r>
-            <a:r>
-              <a:rPr lang="en-US" sz="3200" dirty="0" err="1"/>
-              <a:t>laoreet</a:t>
-            </a:r>
-            <a:r>
-              <a:rPr lang="en-US" sz="3200" dirty="0"/>
-              <a:t> </a:t>
-            </a:r>
-            <a:r>
-              <a:rPr lang="en-US" sz="3200" dirty="0" err="1"/>
-              <a:t>urna</a:t>
-            </a:r>
-            <a:r>
-              <a:rPr lang="en-US" sz="3200" dirty="0"/>
-              <a:t>. </a:t>
-            </a:r>
-            <a:r>
-              <a:rPr lang="en-US" sz="3200" dirty="0" err="1"/>
-              <a:t>Aliquam</a:t>
-            </a:r>
-            <a:r>
-              <a:rPr lang="en-US" sz="3200" dirty="0"/>
-              <a:t> </a:t>
-            </a:r>
-            <a:r>
-              <a:rPr lang="en-US" sz="3200" dirty="0" err="1"/>
-              <a:t>erat</a:t>
-            </a:r>
-            <a:r>
-              <a:rPr lang="en-US" sz="3200" dirty="0"/>
-              <a:t> </a:t>
-            </a:r>
-            <a:r>
-              <a:rPr lang="en-US" sz="3200" dirty="0" err="1"/>
-              <a:t>volutpat</a:t>
-            </a:r>
-            <a:r>
-              <a:rPr lang="en-US" sz="3200" dirty="0"/>
-              <a:t>. </a:t>
+              <a:t>Home Page</a:t>
             </a:r>
           </a:p>
         </p:txBody>
@@ -4881,7 +4718,7 @@
         </p:nvSpPr>
         <p:spPr>
           <a:xfrm>
-            <a:off x="29489400" y="26910791"/>
+            <a:off x="29413200" y="20455219"/>
             <a:ext cx="7543800" cy="830997"/>
           </a:xfrm>
           <a:prstGeom prst="rect">
@@ -4940,8 +4777,8 @@
         </p:nvSpPr>
         <p:spPr>
           <a:xfrm>
-            <a:off x="29489400" y="27822144"/>
-            <a:ext cx="7543800" cy="4524315"/>
+            <a:off x="29413200" y="21580976"/>
+            <a:ext cx="7543800" cy="6986528"/>
           </a:xfrm>
           <a:prstGeom prst="rect">
             <a:avLst/>
@@ -4971,8 +4808,12 @@
               <a:buAutoNum type="arabicPeriod"/>
             </a:pPr>
             <a:r>
+              <a:rPr lang="en-US" sz="3200" b="1" dirty="0"/>
+              <a:t>MYSQL</a:t>
+            </a:r>
+            <a:r>
               <a:rPr lang="en-US" sz="3200" dirty="0"/>
-              <a:t>https://dev.mysql.com/doc/refman/8.0/en/</a:t>
+              <a:t>-https://dev.mysql.com/doc/refman/8.0/en/</a:t>
             </a:r>
           </a:p>
           <a:p>
@@ -4980,8 +4821,12 @@
               <a:buAutoNum type="arabicPeriod"/>
             </a:pPr>
             <a:r>
+              <a:rPr lang="en-US" sz="3200" b="1" dirty="0"/>
+              <a:t>PHP</a:t>
+            </a:r>
+            <a:r>
               <a:rPr lang="en-US" sz="3200" dirty="0"/>
-              <a:t>https://www.php.net/manual/en/index.php</a:t>
+              <a:t>-https://www.php.net/manual/en/index.php</a:t>
             </a:r>
           </a:p>
           <a:p>
@@ -4989,8 +4834,12 @@
               <a:buAutoNum type="arabicPeriod"/>
             </a:pPr>
             <a:r>
+              <a:rPr lang="en-US" sz="3200" b="1" dirty="0"/>
+              <a:t>Ubuntu</a:t>
+            </a:r>
+            <a:r>
               <a:rPr lang="en-US" sz="3200" dirty="0"/>
-              <a:t>https://help.ubuntu.com/lts/ubuntu-help/index.html</a:t>
+              <a:t>-https://help.ubuntu.com/lts/ubuntu-help/index.html</a:t>
             </a:r>
           </a:p>
           <a:p>
@@ -4998,8 +4847,12 @@
               <a:buAutoNum type="arabicPeriod"/>
             </a:pPr>
             <a:r>
+              <a:rPr lang="en-US" sz="3200" b="1" dirty="0"/>
+              <a:t>APACHE</a:t>
+            </a:r>
+            <a:r>
               <a:rPr lang="en-US" sz="3200" dirty="0"/>
-              <a:t>https://httpd.apache.org/docs/2.4/</a:t>
+              <a:t>-https://httpd.apache.org/docs/2.4/</a:t>
             </a:r>
           </a:p>
           <a:p>
@@ -5007,8 +4860,15 @@
               <a:buAutoNum type="arabicPeriod"/>
             </a:pPr>
             <a:r>
+              <a:rPr lang="en-US" sz="3200" b="1" dirty="0"/>
+              <a:t>JavaScript-</a:t>
+            </a:r>
+          </a:p>
+          <a:p>
+            <a:pPr algn="just"/>
+            <a:r>
               <a:rPr lang="en-US" sz="3200" dirty="0"/>
-              <a:t>https://devdocs.io/javascript/</a:t>
+              <a:t>      https://devdocs.io/javascript/</a:t>
             </a:r>
           </a:p>
           <a:p>
@@ -5031,7 +4891,7 @@
         </p:nvSpPr>
         <p:spPr>
           <a:xfrm>
-            <a:off x="29489400" y="32497775"/>
+            <a:off x="29413200" y="28911515"/>
             <a:ext cx="7543800" cy="914400"/>
           </a:xfrm>
           <a:prstGeom prst="rect">
@@ -5090,8 +4950,8 @@
         </p:nvSpPr>
         <p:spPr>
           <a:xfrm>
-            <a:off x="29413200" y="33371790"/>
-            <a:ext cx="7543800" cy="3539430"/>
+            <a:off x="29413200" y="30169926"/>
+            <a:ext cx="7543800" cy="4031873"/>
           </a:xfrm>
           <a:prstGeom prst="rect">
             <a:avLst/>
@@ -5120,7 +4980,7 @@
             <a:pPr algn="just"/>
             <a:r>
               <a:rPr lang="en-US" sz="3200" dirty="0"/>
-              <a:t>We would like to thank Dr. Karen Meisch for her support of students in the College of Science, Technology, Engineering &amp; Mathematics, and Dr. Leong Lee for his support of students in the Department of Computer Science and Information Technology.</a:t>
+              <a:t>We would like to thank Dr. Karen Meisch for her support of students in the College of Science, Technology, Engineering &amp; Mathematics,  Dr. Leong Lee for his support of students in the Department of Computer Science and Information Technology, and Dr. John Nicholson, our mentor, for his help and support.</a:t>
             </a:r>
           </a:p>
         </p:txBody>
@@ -5206,15 +5066,15 @@
       </p:cxnSp>
       <p:pic>
         <p:nvPicPr>
-          <p:cNvPr id="1030" name="Picture 6">
+          <p:cNvPr id="3" name="Picture 2" descr="A picture containing letter&#10;&#10;Description automatically generated">
             <a:extLst>
               <a:ext uri="{FF2B5EF4-FFF2-40B4-BE49-F238E27FC236}">
-                <a16:creationId xmlns:a16="http://schemas.microsoft.com/office/drawing/2014/main" id="{A5E67C94-0A82-4998-A219-4BE14A6A1443}"/>
+                <a16:creationId xmlns:a16="http://schemas.microsoft.com/office/drawing/2014/main" id="{FC80CE1B-694D-4CA9-A0FF-2E65A2524516}"/>
               </a:ext>
             </a:extLst>
           </p:cNvPr>
           <p:cNvPicPr>
-            <a:picLocks noChangeAspect="1" noChangeArrowheads="1"/>
+            <a:picLocks noChangeAspect="1"/>
           </p:cNvPicPr>
           <p:nvPr/>
         </p:nvPicPr>
@@ -5226,29 +5086,18 @@
               </a:ext>
             </a:extLst>
           </a:blip>
-          <a:srcRect/>
           <a:stretch>
             <a:fillRect/>
           </a:stretch>
         </p:blipFill>
-        <p:spPr bwMode="auto">
-          <a:xfrm>
-            <a:off x="10744200" y="12794820"/>
-            <a:ext cx="7543800" cy="4229957"/>
+        <p:spPr>
+          <a:xfrm>
+            <a:off x="10744200" y="13724551"/>
+            <a:ext cx="6962775" cy="6972300"/>
           </a:xfrm>
           <a:prstGeom prst="rect">
             <a:avLst/>
           </a:prstGeom>
-          <a:noFill/>
-          <a:extLst>
-            <a:ext uri="{909E8E84-426E-40DD-AFC4-6F175D3DCCD1}">
-              <a14:hiddenFill xmlns:a14="http://schemas.microsoft.com/office/drawing/2010/main">
-                <a:solidFill>
-                  <a:srgbClr val="FFFFFF"/>
-                </a:solidFill>
-              </a14:hiddenFill>
-            </a:ext>
-          </a:extLst>
         </p:spPr>
       </p:pic>
     </p:spTree>

--- a/documentation/csci_poster.pptx
+++ b/documentation/csci_poster.pptx
@@ -4536,8 +4536,8 @@
         </p:blipFill>
         <p:spPr>
           <a:xfrm>
-            <a:off x="29413200" y="14529276"/>
-            <a:ext cx="7543800" cy="3960906"/>
+            <a:off x="29489400" y="15268268"/>
+            <a:ext cx="7543800" cy="5156777"/>
           </a:xfrm>
           <a:prstGeom prst="rect">
             <a:avLst/>
@@ -4558,7 +4558,7 @@
         </p:nvSpPr>
         <p:spPr>
           <a:xfrm>
-            <a:off x="29413200" y="19009479"/>
+            <a:off x="29413200" y="21240767"/>
             <a:ext cx="7543800" cy="1077218"/>
           </a:xfrm>
           <a:prstGeom prst="rect">
@@ -4718,7 +4718,7 @@
         </p:nvSpPr>
         <p:spPr>
           <a:xfrm>
-            <a:off x="29413200" y="20455219"/>
+            <a:off x="29413200" y="23554944"/>
             <a:ext cx="7543800" cy="830997"/>
           </a:xfrm>
           <a:prstGeom prst="rect">
@@ -4777,7 +4777,7 @@
         </p:nvSpPr>
         <p:spPr>
           <a:xfrm>
-            <a:off x="29413200" y="21580976"/>
+            <a:off x="29413200" y="24472667"/>
             <a:ext cx="7543800" cy="6986528"/>
           </a:xfrm>
           <a:prstGeom prst="rect">
@@ -4891,7 +4891,7 @@
         </p:nvSpPr>
         <p:spPr>
           <a:xfrm>
-            <a:off x="29413200" y="28911515"/>
+            <a:off x="29413200" y="31976568"/>
             <a:ext cx="7543800" cy="914400"/>
           </a:xfrm>
           <a:prstGeom prst="rect">
@@ -4950,7 +4950,7 @@
         </p:nvSpPr>
         <p:spPr>
           <a:xfrm>
-            <a:off x="29413200" y="30169926"/>
+            <a:off x="29413200" y="32881824"/>
             <a:ext cx="7543800" cy="4031873"/>
           </a:xfrm>
           <a:prstGeom prst="rect">

--- a/documentation/csci_poster.pptx
+++ b/documentation/csci_poster.pptx
@@ -4259,7 +4259,7 @@
         </p:nvSpPr>
         <p:spPr>
           <a:xfrm>
-            <a:off x="1371600" y="15465667"/>
+            <a:off x="1371600" y="15727680"/>
             <a:ext cx="7543800" cy="914400"/>
           </a:xfrm>
           <a:prstGeom prst="rect">
@@ -4408,33 +4408,15 @@
                 </a:solidFill>
                 <a:effectLst/>
               </a:rPr>
-              <a:t>On the social side of the site users will be allowed to share their color palettes with friends and the community. The community page will allow users to find color palettes created by other users of the Palette Picker community. When users save a palette, it will automatically post to their profile, and be available through the community page. If users do not wish to share their post with the community there will be a privacy setting, in which you can disable posting to the community page, disable posting to your profile, and disable other users from viewing your profile. Users will also have the option of sharing palettes with </a:t>
-            </a:r>
-            <a:r>
-              <a:rPr lang="en-US" sz="3200" b="0" i="0" u="none" strike="noStrike">
-                <a:solidFill>
-                  <a:srgbClr val="000000"/>
-                </a:solidFill>
-                <a:effectLst/>
-              </a:rPr>
-              <a:t>friends</a:t>
-            </a:r>
-            <a:r>
-              <a:rPr lang="en-US" sz="3200">
+              <a:t>On the social side of the site users will be allowed to share their color palettes with friends and the community. The community page will allow users to find color palettes created by other users of the Palette Picker community. When users save a palette, it will automatically post to their profile, and be available through the community page. If users do not wish to share their post with the community there will be a privacy setting, in which you can disable posting to the community page, disable posting to your profile, and disable other users from viewing your profile. Users will also have the option of sharing palettes with friends</a:t>
+            </a:r>
+            <a:r>
+              <a:rPr lang="en-US" sz="3200" dirty="0">
                 <a:solidFill>
                   <a:srgbClr val="000000"/>
                 </a:solidFill>
               </a:rPr>
               <a:t>, </a:t>
-            </a:r>
-            <a:r>
-              <a:rPr lang="en-US" sz="3200" b="0" i="0" u="none" strike="noStrike">
-                <a:solidFill>
-                  <a:srgbClr val="000000"/>
-                </a:solidFill>
-                <a:effectLst/>
-              </a:rPr>
-              <a:t>uploading </a:t>
             </a:r>
             <a:r>
               <a:rPr lang="en-US" sz="3200" b="0" i="0" u="none" strike="noStrike" dirty="0">
@@ -4443,7 +4425,7 @@
                 </a:solidFill>
                 <a:effectLst/>
               </a:rPr>
-              <a:t>palettes, saving palettes, adding friends, and a few other of these features will be limited to users that have created an account on the site.</a:t>
+              <a:t>uploading palettes, saving palettes, adding friends, and a few other of these features will be limited to users that have created an account on the site.</a:t>
             </a:r>
             <a:endParaRPr lang="en-US" sz="3200" dirty="0"/>
           </a:p>
@@ -4631,12 +4613,15 @@
         </p:blipFill>
         <p:spPr>
           <a:xfrm>
-            <a:off x="10744200" y="24238840"/>
-            <a:ext cx="7543800" cy="7166608"/>
+            <a:off x="10744200" y="24861869"/>
+            <a:ext cx="7543800" cy="5920550"/>
           </a:xfrm>
           <a:prstGeom prst="rect">
             <a:avLst/>
           </a:prstGeom>
+          <a:solidFill>
+            <a:schemeClr val="bg1"/>
+          </a:solidFill>
           <a:ln>
             <a:solidFill>
               <a:schemeClr val="accent1"/>
@@ -4658,7 +4643,7 @@
         </p:nvSpPr>
         <p:spPr>
           <a:xfrm>
-            <a:off x="10820400" y="32429768"/>
+            <a:off x="10744200" y="31391793"/>
             <a:ext cx="7543800" cy="584775"/>
           </a:xfrm>
           <a:prstGeom prst="rect">

--- a/documentation/csci_poster.pptx
+++ b/documentation/csci_poster.pptx
@@ -274,7 +274,7 @@
           <a:p>
             <a:fld id="{64ED9595-0AE4-4B15-B393-D0F1DD0EB94B}" type="datetimeFigureOut">
               <a:rPr lang="en-US" smtClean="0"/>
-              <a:t>4/12/2022</a:t>
+              <a:t>4/13/2022</a:t>
             </a:fld>
             <a:endParaRPr lang="en-US"/>
           </a:p>
@@ -761,7 +761,7 @@
           <a:p>
             <a:fld id="{41C03D7F-B796-4B92-B0C7-6D4C9CC8C787}" type="datetimeFigureOut">
               <a:rPr lang="en-US" smtClean="0"/>
-              <a:t>4/12/2022</a:t>
+              <a:t>4/13/2022</a:t>
             </a:fld>
             <a:endParaRPr lang="en-US"/>
           </a:p>
@@ -931,7 +931,7 @@
           <a:p>
             <a:fld id="{41C03D7F-B796-4B92-B0C7-6D4C9CC8C787}" type="datetimeFigureOut">
               <a:rPr lang="en-US" smtClean="0"/>
-              <a:t>4/12/2022</a:t>
+              <a:t>4/13/2022</a:t>
             </a:fld>
             <a:endParaRPr lang="en-US"/>
           </a:p>
@@ -1111,7 +1111,7 @@
           <a:p>
             <a:fld id="{41C03D7F-B796-4B92-B0C7-6D4C9CC8C787}" type="datetimeFigureOut">
               <a:rPr lang="en-US" smtClean="0"/>
-              <a:t>4/12/2022</a:t>
+              <a:t>4/13/2022</a:t>
             </a:fld>
             <a:endParaRPr lang="en-US"/>
           </a:p>
@@ -1281,7 +1281,7 @@
           <a:p>
             <a:fld id="{41C03D7F-B796-4B92-B0C7-6D4C9CC8C787}" type="datetimeFigureOut">
               <a:rPr lang="en-US" smtClean="0"/>
-              <a:t>4/12/2022</a:t>
+              <a:t>4/13/2022</a:t>
             </a:fld>
             <a:endParaRPr lang="en-US"/>
           </a:p>
@@ -1525,7 +1525,7 @@
           <a:p>
             <a:fld id="{41C03D7F-B796-4B92-B0C7-6D4C9CC8C787}" type="datetimeFigureOut">
               <a:rPr lang="en-US" smtClean="0"/>
-              <a:t>4/12/2022</a:t>
+              <a:t>4/13/2022</a:t>
             </a:fld>
             <a:endParaRPr lang="en-US"/>
           </a:p>
@@ -1757,7 +1757,7 @@
           <a:p>
             <a:fld id="{41C03D7F-B796-4B92-B0C7-6D4C9CC8C787}" type="datetimeFigureOut">
               <a:rPr lang="en-US" smtClean="0"/>
-              <a:t>4/12/2022</a:t>
+              <a:t>4/13/2022</a:t>
             </a:fld>
             <a:endParaRPr lang="en-US"/>
           </a:p>
@@ -2124,7 +2124,7 @@
           <a:p>
             <a:fld id="{41C03D7F-B796-4B92-B0C7-6D4C9CC8C787}" type="datetimeFigureOut">
               <a:rPr lang="en-US" smtClean="0"/>
-              <a:t>4/12/2022</a:t>
+              <a:t>4/13/2022</a:t>
             </a:fld>
             <a:endParaRPr lang="en-US"/>
           </a:p>
@@ -2242,7 +2242,7 @@
           <a:p>
             <a:fld id="{41C03D7F-B796-4B92-B0C7-6D4C9CC8C787}" type="datetimeFigureOut">
               <a:rPr lang="en-US" smtClean="0"/>
-              <a:t>4/12/2022</a:t>
+              <a:t>4/13/2022</a:t>
             </a:fld>
             <a:endParaRPr lang="en-US"/>
           </a:p>
@@ -2337,7 +2337,7 @@
           <a:p>
             <a:fld id="{41C03D7F-B796-4B92-B0C7-6D4C9CC8C787}" type="datetimeFigureOut">
               <a:rPr lang="en-US" smtClean="0"/>
-              <a:t>4/12/2022</a:t>
+              <a:t>4/13/2022</a:t>
             </a:fld>
             <a:endParaRPr lang="en-US"/>
           </a:p>
@@ -2614,7 +2614,7 @@
           <a:p>
             <a:fld id="{41C03D7F-B796-4B92-B0C7-6D4C9CC8C787}" type="datetimeFigureOut">
               <a:rPr lang="en-US" smtClean="0"/>
-              <a:t>4/12/2022</a:t>
+              <a:t>4/13/2022</a:t>
             </a:fld>
             <a:endParaRPr lang="en-US"/>
           </a:p>
@@ -2871,7 +2871,7 @@
           <a:p>
             <a:fld id="{41C03D7F-B796-4B92-B0C7-6D4C9CC8C787}" type="datetimeFigureOut">
               <a:rPr lang="en-US" smtClean="0"/>
-              <a:t>4/12/2022</a:t>
+              <a:t>4/13/2022</a:t>
             </a:fld>
             <a:endParaRPr lang="en-US"/>
           </a:p>
@@ -3084,7 +3084,7 @@
           <a:p>
             <a:fld id="{41C03D7F-B796-4B92-B0C7-6D4C9CC8C787}" type="datetimeFigureOut">
               <a:rPr lang="en-US" smtClean="0"/>
-              <a:t>4/12/2022</a:t>
+              <a:t>4/13/2022</a:t>
             </a:fld>
             <a:endParaRPr lang="en-US"/>
           </a:p>
@@ -4150,7 +4150,7 @@
         </p:nvSpPr>
         <p:spPr>
           <a:xfrm>
-            <a:off x="29489400" y="7278624"/>
+            <a:off x="29489400" y="7315200"/>
             <a:ext cx="7543800" cy="6494085"/>
           </a:xfrm>
           <a:prstGeom prst="rect">
@@ -4200,7 +4200,7 @@
         </p:nvSpPr>
         <p:spPr>
           <a:xfrm>
-            <a:off x="29489400" y="6364223"/>
+            <a:off x="29489400" y="6400800"/>
             <a:ext cx="7543800" cy="914400"/>
           </a:xfrm>
           <a:prstGeom prst="rect">
@@ -4445,7 +4445,7 @@
         </p:nvSpPr>
         <p:spPr>
           <a:xfrm>
-            <a:off x="10744200" y="21680364"/>
+            <a:off x="10744200" y="20918364"/>
             <a:ext cx="7543800" cy="584775"/>
           </a:xfrm>
           <a:prstGeom prst="rect">
@@ -4613,7 +4613,7 @@
         </p:blipFill>
         <p:spPr>
           <a:xfrm>
-            <a:off x="10744200" y="24861869"/>
+            <a:off x="10744200" y="22179629"/>
             <a:ext cx="7543800" cy="5920550"/>
           </a:xfrm>
           <a:prstGeom prst="rect">
@@ -4643,7 +4643,7 @@
         </p:nvSpPr>
         <p:spPr>
           <a:xfrm>
-            <a:off x="10744200" y="31391793"/>
+            <a:off x="10744200" y="28740033"/>
             <a:ext cx="7543800" cy="584775"/>
           </a:xfrm>
           <a:prstGeom prst="rect">
@@ -5077,14 +5077,155 @@
         </p:blipFill>
         <p:spPr>
           <a:xfrm>
-            <a:off x="10744200" y="13724551"/>
-            <a:ext cx="6962775" cy="6972300"/>
+            <a:off x="10744199" y="12657751"/>
+            <a:ext cx="7543800" cy="7554120"/>
           </a:xfrm>
           <a:prstGeom prst="rect">
             <a:avLst/>
           </a:prstGeom>
         </p:spPr>
       </p:pic>
+      <p:grpSp>
+        <p:nvGrpSpPr>
+          <p:cNvPr id="7" name="Group 6">
+            <a:extLst>
+              <a:ext uri="{FF2B5EF4-FFF2-40B4-BE49-F238E27FC236}">
+                <a16:creationId xmlns:a16="http://schemas.microsoft.com/office/drawing/2014/main" id="{ADFE2D24-B211-4002-8A49-498C97029A77}"/>
+              </a:ext>
+            </a:extLst>
+          </p:cNvPr>
+          <p:cNvGrpSpPr/>
+          <p:nvPr/>
+        </p:nvGrpSpPr>
+        <p:grpSpPr>
+          <a:xfrm>
+            <a:off x="10744199" y="30274924"/>
+            <a:ext cx="7543800" cy="5223960"/>
+            <a:chOff x="10744199" y="30274924"/>
+            <a:chExt cx="7543800" cy="5223960"/>
+          </a:xfrm>
+        </p:grpSpPr>
+        <p:pic>
+          <p:nvPicPr>
+            <p:cNvPr id="2" name="Picture 1">
+              <a:extLst>
+                <a:ext uri="{FF2B5EF4-FFF2-40B4-BE49-F238E27FC236}">
+                  <a16:creationId xmlns:a16="http://schemas.microsoft.com/office/drawing/2014/main" id="{F775657B-E4A6-4451-8066-DBA6E364CFFC}"/>
+                </a:ext>
+              </a:extLst>
+            </p:cNvPr>
+            <p:cNvPicPr>
+              <a:picLocks noChangeAspect="1"/>
+            </p:cNvPicPr>
+            <p:nvPr/>
+          </p:nvPicPr>
+          <p:blipFill>
+            <a:blip r:embed="rId9"/>
+            <a:stretch>
+              <a:fillRect/>
+            </a:stretch>
+          </p:blipFill>
+          <p:spPr>
+            <a:xfrm>
+              <a:off x="10744199" y="30275645"/>
+              <a:ext cx="6542680" cy="5223239"/>
+            </a:xfrm>
+            <a:prstGeom prst="rect">
+              <a:avLst/>
+            </a:prstGeom>
+          </p:spPr>
+        </p:pic>
+        <p:pic>
+          <p:nvPicPr>
+            <p:cNvPr id="5" name="Picture 4">
+              <a:extLst>
+                <a:ext uri="{FF2B5EF4-FFF2-40B4-BE49-F238E27FC236}">
+                  <a16:creationId xmlns:a16="http://schemas.microsoft.com/office/drawing/2014/main" id="{2FF717F3-6575-433F-A12B-360400511D64}"/>
+                </a:ext>
+              </a:extLst>
+            </p:cNvPr>
+            <p:cNvPicPr>
+              <a:picLocks noChangeAspect="1"/>
+            </p:cNvPicPr>
+            <p:nvPr/>
+          </p:nvPicPr>
+          <p:blipFill>
+            <a:blip r:embed="rId10"/>
+            <a:stretch>
+              <a:fillRect/>
+            </a:stretch>
+          </p:blipFill>
+          <p:spPr>
+            <a:xfrm>
+              <a:off x="17272916" y="30274924"/>
+              <a:ext cx="1015083" cy="5223239"/>
+            </a:xfrm>
+            <a:prstGeom prst="rect">
+              <a:avLst/>
+            </a:prstGeom>
+          </p:spPr>
+        </p:pic>
+      </p:grpSp>
+      <p:sp>
+        <p:nvSpPr>
+          <p:cNvPr id="34" name="TextBox 33">
+            <a:extLst>
+              <a:ext uri="{FF2B5EF4-FFF2-40B4-BE49-F238E27FC236}">
+                <a16:creationId xmlns:a16="http://schemas.microsoft.com/office/drawing/2014/main" id="{8A633DC7-95FC-4436-AC20-14FF6C5F35DD}"/>
+              </a:ext>
+            </a:extLst>
+          </p:cNvPr>
+          <p:cNvSpPr txBox="1"/>
+          <p:nvPr/>
+        </p:nvSpPr>
+        <p:spPr>
+          <a:xfrm>
+            <a:off x="10744199" y="35835336"/>
+            <a:ext cx="7543800" cy="1077218"/>
+          </a:xfrm>
+          <a:prstGeom prst="rect">
+            <a:avLst/>
+          </a:prstGeom>
+          <a:ln>
+            <a:noFill/>
+          </a:ln>
+        </p:spPr>
+        <p:style>
+          <a:lnRef idx="2">
+            <a:schemeClr val="dk1"/>
+          </a:lnRef>
+          <a:fillRef idx="1">
+            <a:schemeClr val="lt1"/>
+          </a:fillRef>
+          <a:effectRef idx="0">
+            <a:schemeClr val="dk1"/>
+          </a:effectRef>
+          <a:fontRef idx="minor">
+            <a:schemeClr val="dk1"/>
+          </a:fontRef>
+        </p:style>
+        <p:txBody>
+          <a:bodyPr wrap="square" rtlCol="0">
+            <a:spAutoFit/>
+          </a:bodyPr>
+          <a:lstStyle/>
+          <a:p>
+            <a:pPr algn="just"/>
+            <a:r>
+              <a:rPr lang="en-US" sz="3200" b="1" dirty="0">
+                <a:solidFill>
+                  <a:srgbClr val="BB1C3F"/>
+                </a:solidFill>
+              </a:rPr>
+              <a:t>Figure 4: </a:t>
+            </a:r>
+            <a:r>
+              <a:rPr lang="en-US" sz="3200" dirty="0"/>
+              <a:t>Palette Example from Van Gogh’s Starry Night</a:t>
+            </a:r>
+          </a:p>
+        </p:txBody>
+      </p:sp>
     </p:spTree>
     <p:extLst>
       <p:ext uri="{BB962C8B-B14F-4D97-AF65-F5344CB8AC3E}">

--- a/documentation/csci_poster.pptx
+++ b/documentation/csci_poster.pptx
@@ -4259,7 +4259,7 @@
         </p:nvSpPr>
         <p:spPr>
           <a:xfrm>
-            <a:off x="1371600" y="15727680"/>
+            <a:off x="1371600" y="15745968"/>
             <a:ext cx="7543800" cy="914400"/>
           </a:xfrm>
           <a:prstGeom prst="rect">
@@ -4318,7 +4318,7 @@
         </p:nvSpPr>
         <p:spPr>
           <a:xfrm>
-            <a:off x="1373066" y="16641589"/>
+            <a:off x="1373066" y="16660368"/>
             <a:ext cx="7543800" cy="19297590"/>
           </a:xfrm>
           <a:prstGeom prst="rect">
@@ -4445,7 +4445,7 @@
         </p:nvSpPr>
         <p:spPr>
           <a:xfrm>
-            <a:off x="10744200" y="20918364"/>
+            <a:off x="10744200" y="20769515"/>
             <a:ext cx="7543800" cy="584775"/>
           </a:xfrm>
           <a:prstGeom prst="rect">
@@ -4518,7 +4518,7 @@
         </p:blipFill>
         <p:spPr>
           <a:xfrm>
-            <a:off x="29489400" y="15268268"/>
+            <a:off x="29489400" y="14165426"/>
             <a:ext cx="7543800" cy="5156777"/>
           </a:xfrm>
           <a:prstGeom prst="rect">
@@ -4540,7 +4540,7 @@
         </p:nvSpPr>
         <p:spPr>
           <a:xfrm>
-            <a:off x="29413200" y="21240767"/>
+            <a:off x="29413200" y="19678344"/>
             <a:ext cx="7543800" cy="1077218"/>
           </a:xfrm>
           <a:prstGeom prst="rect">
@@ -4613,7 +4613,7 @@
         </p:blipFill>
         <p:spPr>
           <a:xfrm>
-            <a:off x="10744200" y="22179629"/>
+            <a:off x="10744200" y="22042230"/>
             <a:ext cx="7543800" cy="5920550"/>
           </a:xfrm>
           <a:prstGeom prst="rect">
@@ -4643,7 +4643,7 @@
         </p:nvSpPr>
         <p:spPr>
           <a:xfrm>
-            <a:off x="10744200" y="28740033"/>
+            <a:off x="10744200" y="28650720"/>
             <a:ext cx="7543800" cy="584775"/>
           </a:xfrm>
           <a:prstGeom prst="rect">
@@ -4680,11 +4680,11 @@
                   <a:srgbClr val="BB1C3F"/>
                 </a:solidFill>
               </a:rPr>
-              <a:t>Figure 3: </a:t>
+              <a:t>Figure 3:</a:t>
             </a:r>
             <a:r>
               <a:rPr lang="en-US" sz="3200" dirty="0"/>
-              <a:t>Home Page</a:t>
+              <a:t> Palette Picker Home Page</a:t>
             </a:r>
           </a:p>
         </p:txBody>
@@ -4703,7 +4703,7 @@
         </p:nvSpPr>
         <p:spPr>
           <a:xfrm>
-            <a:off x="29413200" y="23554944"/>
+            <a:off x="29413200" y="21111703"/>
             <a:ext cx="7543800" cy="830997"/>
           </a:xfrm>
           <a:prstGeom prst="rect">
@@ -4762,8 +4762,8 @@
         </p:nvSpPr>
         <p:spPr>
           <a:xfrm>
-            <a:off x="29413200" y="24472667"/>
-            <a:ext cx="7543800" cy="6986528"/>
+            <a:off x="29413200" y="22298841"/>
+            <a:ext cx="7543800" cy="8956298"/>
           </a:xfrm>
           <a:prstGeom prst="rect">
             <a:avLst/>
@@ -4798,21 +4798,22 @@
             </a:r>
             <a:r>
               <a:rPr lang="en-US" sz="3200" dirty="0"/>
-              <a:t>-https://dev.mysql.com/doc/refman/8.0/en/</a:t>
+              <a:t>-https://dev.mysql.com/doc/refman/8.0/</a:t>
+            </a:r>
+            <a:r>
+              <a:rPr lang="en-US" sz="3200" dirty="0" err="1"/>
+              <a:t>en</a:t>
+            </a:r>
+            <a:r>
+              <a:rPr lang="en-US" sz="3200" dirty="0"/>
+              <a:t>/</a:t>
             </a:r>
           </a:p>
           <a:p>
             <a:pPr marL="514350" indent="-514350" algn="just">
               <a:buAutoNum type="arabicPeriod"/>
             </a:pPr>
-            <a:r>
-              <a:rPr lang="en-US" sz="3200" b="1" dirty="0"/>
-              <a:t>PHP</a:t>
-            </a:r>
-            <a:r>
-              <a:rPr lang="en-US" sz="3200" dirty="0"/>
-              <a:t>-https://www.php.net/manual/en/index.php</a:t>
-            </a:r>
+            <a:endParaRPr lang="en-US" sz="3200" dirty="0"/>
           </a:p>
           <a:p>
             <a:pPr marL="514350" indent="-514350" algn="just">
@@ -4820,17 +4821,42 @@
             </a:pPr>
             <a:r>
               <a:rPr lang="en-US" sz="3200" b="1" dirty="0"/>
-              <a:t>Ubuntu</a:t>
+              <a:t>PHP</a:t>
             </a:r>
             <a:r>
               <a:rPr lang="en-US" sz="3200" dirty="0"/>
-              <a:t>-https://help.ubuntu.com/lts/ubuntu-help/index.html</a:t>
+              <a:t>-https://www.php.net/manual/en/index.php</a:t>
             </a:r>
           </a:p>
           <a:p>
             <a:pPr marL="514350" indent="-514350" algn="just">
               <a:buAutoNum type="arabicPeriod"/>
             </a:pPr>
+            <a:endParaRPr lang="en-US" sz="3200" dirty="0"/>
+          </a:p>
+          <a:p>
+            <a:pPr marL="514350" indent="-514350" algn="just">
+              <a:buAutoNum type="arabicPeriod"/>
+            </a:pPr>
+            <a:r>
+              <a:rPr lang="en-US" sz="3200" b="1" dirty="0"/>
+              <a:t>Ubuntu</a:t>
+            </a:r>
+            <a:r>
+              <a:rPr lang="en-US" sz="3200" dirty="0"/>
+              <a:t>-https://help.ubuntu.com/lts/ubuntu-help/index.html</a:t>
+            </a:r>
+          </a:p>
+          <a:p>
+            <a:pPr marL="514350" indent="-514350" algn="just">
+              <a:buAutoNum type="arabicPeriod"/>
+            </a:pPr>
+            <a:endParaRPr lang="en-US" sz="3200" dirty="0"/>
+          </a:p>
+          <a:p>
+            <a:pPr marL="514350" indent="-514350" algn="just">
+              <a:buAutoNum type="arabicPeriod"/>
+            </a:pPr>
             <a:r>
               <a:rPr lang="en-US" sz="3200" b="1" dirty="0"/>
               <a:t>APACHE</a:t>
@@ -4839,6 +4865,12 @@
               <a:rPr lang="en-US" sz="3200" dirty="0"/>
               <a:t>-https://httpd.apache.org/docs/2.4/</a:t>
             </a:r>
+          </a:p>
+          <a:p>
+            <a:pPr marL="514350" indent="-514350" algn="just">
+              <a:buAutoNum type="arabicPeriod"/>
+            </a:pPr>
+            <a:endParaRPr lang="en-US" sz="3200" dirty="0"/>
           </a:p>
           <a:p>
             <a:pPr marL="514350" indent="-514350" algn="just">
@@ -4876,7 +4908,7 @@
         </p:nvSpPr>
         <p:spPr>
           <a:xfrm>
-            <a:off x="29413200" y="31976568"/>
+            <a:off x="29413200" y="31611280"/>
             <a:ext cx="7543800" cy="914400"/>
           </a:xfrm>
           <a:prstGeom prst="rect">
@@ -5077,7 +5109,7 @@
         </p:blipFill>
         <p:spPr>
           <a:xfrm>
-            <a:off x="10744199" y="12657751"/>
+            <a:off x="10744199" y="12527455"/>
             <a:ext cx="7543800" cy="7554120"/>
           </a:xfrm>
           <a:prstGeom prst="rect">
@@ -5099,7 +5131,7 @@
         </p:nvGrpSpPr>
         <p:grpSpPr>
           <a:xfrm>
-            <a:off x="10744199" y="30274924"/>
+            <a:off x="10744199" y="29923435"/>
             <a:ext cx="7543800" cy="5223960"/>
             <a:chOff x="10744199" y="30274924"/>
             <a:chExt cx="7543800" cy="5223960"/>

--- a/documentation/csci_poster.pptx
+++ b/documentation/csci_poster.pptx
@@ -274,7 +274,7 @@
           <a:p>
             <a:fld id="{64ED9595-0AE4-4B15-B393-D0F1DD0EB94B}" type="datetimeFigureOut">
               <a:rPr lang="en-US" smtClean="0"/>
-              <a:t>4/13/2022</a:t>
+              <a:t>4/14/2022</a:t>
             </a:fld>
             <a:endParaRPr lang="en-US"/>
           </a:p>
@@ -761,7 +761,7 @@
           <a:p>
             <a:fld id="{41C03D7F-B796-4B92-B0C7-6D4C9CC8C787}" type="datetimeFigureOut">
               <a:rPr lang="en-US" smtClean="0"/>
-              <a:t>4/13/2022</a:t>
+              <a:t>4/14/2022</a:t>
             </a:fld>
             <a:endParaRPr lang="en-US"/>
           </a:p>
@@ -931,7 +931,7 @@
           <a:p>
             <a:fld id="{41C03D7F-B796-4B92-B0C7-6D4C9CC8C787}" type="datetimeFigureOut">
               <a:rPr lang="en-US" smtClean="0"/>
-              <a:t>4/13/2022</a:t>
+              <a:t>4/14/2022</a:t>
             </a:fld>
             <a:endParaRPr lang="en-US"/>
           </a:p>
@@ -1111,7 +1111,7 @@
           <a:p>
             <a:fld id="{41C03D7F-B796-4B92-B0C7-6D4C9CC8C787}" type="datetimeFigureOut">
               <a:rPr lang="en-US" smtClean="0"/>
-              <a:t>4/13/2022</a:t>
+              <a:t>4/14/2022</a:t>
             </a:fld>
             <a:endParaRPr lang="en-US"/>
           </a:p>
@@ -1281,7 +1281,7 @@
           <a:p>
             <a:fld id="{41C03D7F-B796-4B92-B0C7-6D4C9CC8C787}" type="datetimeFigureOut">
               <a:rPr lang="en-US" smtClean="0"/>
-              <a:t>4/13/2022</a:t>
+              <a:t>4/14/2022</a:t>
             </a:fld>
             <a:endParaRPr lang="en-US"/>
           </a:p>
@@ -1525,7 +1525,7 @@
           <a:p>
             <a:fld id="{41C03D7F-B796-4B92-B0C7-6D4C9CC8C787}" type="datetimeFigureOut">
               <a:rPr lang="en-US" smtClean="0"/>
-              <a:t>4/13/2022</a:t>
+              <a:t>4/14/2022</a:t>
             </a:fld>
             <a:endParaRPr lang="en-US"/>
           </a:p>
@@ -1757,7 +1757,7 @@
           <a:p>
             <a:fld id="{41C03D7F-B796-4B92-B0C7-6D4C9CC8C787}" type="datetimeFigureOut">
               <a:rPr lang="en-US" smtClean="0"/>
-              <a:t>4/13/2022</a:t>
+              <a:t>4/14/2022</a:t>
             </a:fld>
             <a:endParaRPr lang="en-US"/>
           </a:p>
@@ -2124,7 +2124,7 @@
           <a:p>
             <a:fld id="{41C03D7F-B796-4B92-B0C7-6D4C9CC8C787}" type="datetimeFigureOut">
               <a:rPr lang="en-US" smtClean="0"/>
-              <a:t>4/13/2022</a:t>
+              <a:t>4/14/2022</a:t>
             </a:fld>
             <a:endParaRPr lang="en-US"/>
           </a:p>
@@ -2242,7 +2242,7 @@
           <a:p>
             <a:fld id="{41C03D7F-B796-4B92-B0C7-6D4C9CC8C787}" type="datetimeFigureOut">
               <a:rPr lang="en-US" smtClean="0"/>
-              <a:t>4/13/2022</a:t>
+              <a:t>4/14/2022</a:t>
             </a:fld>
             <a:endParaRPr lang="en-US"/>
           </a:p>
@@ -2337,7 +2337,7 @@
           <a:p>
             <a:fld id="{41C03D7F-B796-4B92-B0C7-6D4C9CC8C787}" type="datetimeFigureOut">
               <a:rPr lang="en-US" smtClean="0"/>
-              <a:t>4/13/2022</a:t>
+              <a:t>4/14/2022</a:t>
             </a:fld>
             <a:endParaRPr lang="en-US"/>
           </a:p>
@@ -2614,7 +2614,7 @@
           <a:p>
             <a:fld id="{41C03D7F-B796-4B92-B0C7-6D4C9CC8C787}" type="datetimeFigureOut">
               <a:rPr lang="en-US" smtClean="0"/>
-              <a:t>4/13/2022</a:t>
+              <a:t>4/14/2022</a:t>
             </a:fld>
             <a:endParaRPr lang="en-US"/>
           </a:p>
@@ -2871,7 +2871,7 @@
           <a:p>
             <a:fld id="{41C03D7F-B796-4B92-B0C7-6D4C9CC8C787}" type="datetimeFigureOut">
               <a:rPr lang="en-US" smtClean="0"/>
-              <a:t>4/13/2022</a:t>
+              <a:t>4/14/2022</a:t>
             </a:fld>
             <a:endParaRPr lang="en-US"/>
           </a:p>
@@ -3084,7 +3084,7 @@
           <a:p>
             <a:fld id="{41C03D7F-B796-4B92-B0C7-6D4C9CC8C787}" type="datetimeFigureOut">
               <a:rPr lang="en-US" smtClean="0"/>
-              <a:t>4/13/2022</a:t>
+              <a:t>4/14/2022</a:t>
             </a:fld>
             <a:endParaRPr lang="en-US"/>
           </a:p>
@@ -3498,7 +3498,7 @@
         <p:spPr>
           <a:xfrm>
             <a:off x="1371600" y="7315200"/>
-            <a:ext cx="7543800" cy="7971413"/>
+            <a:ext cx="7543800" cy="8463855"/>
           </a:xfrm>
           <a:prstGeom prst="rect">
             <a:avLst/>
@@ -3537,13 +3537,21 @@
               <a:t> </a:t>
             </a:r>
             <a:r>
+              <a:rPr lang="en-US" sz="3200" dirty="0">
+                <a:solidFill>
+                  <a:srgbClr val="000000"/>
+                </a:solidFill>
+              </a:rPr>
+              <a:t>The Palette Picker</a:t>
+            </a:r>
+            <a:r>
               <a:rPr lang="en-US" sz="3200" b="0" i="0" u="none" strike="noStrike" dirty="0">
                 <a:solidFill>
                   <a:srgbClr val="000000"/>
                 </a:solidFill>
                 <a:effectLst/>
               </a:rPr>
-              <a:t>Our proposal is for a web-based application called The Palette Picker. The Palette Picker will allow users to create personalized five color sets, and then share those patterns with friends and the community. These palettes can be referenced when creating pottery, painting your home, using a digital art program, or other activities that utilize color and require a cohesive look or </a:t>
+              <a:t> is a web-based application called The Palette Picker. The Palette Picker will allow users to create personalized five color sets, and then share those patterns with friends and the community. These palettes can be referenced when creating pottery, painting your home, using a digital art program, or other activities that utilize color and require a cohesive look or </a:t>
             </a:r>
             <a:r>
               <a:rPr lang="en-US" sz="3200" dirty="0">
@@ -3820,7 +3828,7 @@
         <p:spPr>
           <a:xfrm>
             <a:off x="10744200" y="7315200"/>
-            <a:ext cx="7543800" cy="4524315"/>
+            <a:ext cx="7543800" cy="5016758"/>
           </a:xfrm>
           <a:prstGeom prst="rect">
             <a:avLst/>
@@ -3849,7 +3857,7 @@
             <a:pPr algn="just"/>
             <a:r>
               <a:rPr lang="en-US" sz="3200" dirty="0"/>
-              <a:t> This project was developed utilizing Windows operating systems and is hosted on a </a:t>
+              <a:t> This project was developed utilizing Windows operating systems and is hosted using </a:t>
             </a:r>
             <a:r>
               <a:rPr lang="en-US" sz="3200" dirty="0" err="1"/>
@@ -3857,7 +3865,7 @@
             </a:r>
             <a:r>
               <a:rPr lang="en-US" sz="3200" dirty="0"/>
-              <a:t> server. The code base consists of JavaScript, HTML, CSS, and PHP, and was developed on Visual Studio Code. For version control we connected GitHub to </a:t>
+              <a:t>, a third-party hosting company. The code base consists of JavaScript, HTML, CSS, and PHP, and was developed on Visual Studio Code. For version control we connected GitHub to </a:t>
             </a:r>
             <a:r>
               <a:rPr lang="en-US" sz="3200" dirty="0" err="1"/>
@@ -4200,7 +4208,7 @@
         </p:nvSpPr>
         <p:spPr>
           <a:xfrm>
-            <a:off x="29489400" y="6400800"/>
+            <a:off x="29489400" y="6400799"/>
             <a:ext cx="7543800" cy="914400"/>
           </a:xfrm>
           <a:prstGeom prst="rect">
@@ -4259,7 +4267,7 @@
         </p:nvSpPr>
         <p:spPr>
           <a:xfrm>
-            <a:off x="1371600" y="15745968"/>
+            <a:off x="1371598" y="16607009"/>
             <a:ext cx="7543800" cy="914400"/>
           </a:xfrm>
           <a:prstGeom prst="rect">
@@ -4318,7 +4326,7 @@
         </p:nvSpPr>
         <p:spPr>
           <a:xfrm>
-            <a:off x="1373066" y="16660368"/>
+            <a:off x="1371600" y="17614964"/>
             <a:ext cx="7543800" cy="19297590"/>
           </a:xfrm>
           <a:prstGeom prst="rect">
@@ -4445,7 +4453,7 @@
         </p:nvSpPr>
         <p:spPr>
           <a:xfrm>
-            <a:off x="10744200" y="20769515"/>
+            <a:off x="10807948" y="21073955"/>
             <a:ext cx="7543800" cy="584775"/>
           </a:xfrm>
           <a:prstGeom prst="rect">
@@ -4613,7 +4621,7 @@
         </p:blipFill>
         <p:spPr>
           <a:xfrm>
-            <a:off x="10744200" y="22042230"/>
+            <a:off x="10744199" y="22522079"/>
             <a:ext cx="7543800" cy="5920550"/>
           </a:xfrm>
           <a:prstGeom prst="rect">
@@ -4643,7 +4651,7 @@
         </p:nvSpPr>
         <p:spPr>
           <a:xfrm>
-            <a:off x="10744200" y="28650720"/>
+            <a:off x="10744199" y="29130569"/>
             <a:ext cx="7543800" cy="584775"/>
           </a:xfrm>
           <a:prstGeom prst="rect">
@@ -4703,7 +4711,7 @@
         </p:nvSpPr>
         <p:spPr>
           <a:xfrm>
-            <a:off x="29413200" y="21111703"/>
+            <a:off x="29413200" y="21243232"/>
             <a:ext cx="7543800" cy="830997"/>
           </a:xfrm>
           <a:prstGeom prst="rect">
@@ -4908,7 +4916,7 @@
         </p:nvSpPr>
         <p:spPr>
           <a:xfrm>
-            <a:off x="29413200" y="31611280"/>
+            <a:off x="29389137" y="31742809"/>
             <a:ext cx="7543800" cy="914400"/>
           </a:xfrm>
           <a:prstGeom prst="rect">
@@ -4967,7 +4975,7 @@
         </p:nvSpPr>
         <p:spPr>
           <a:xfrm>
-            <a:off x="29413200" y="32881824"/>
+            <a:off x="29389137" y="32881821"/>
             <a:ext cx="7543800" cy="4031873"/>
           </a:xfrm>
           <a:prstGeom prst="rect">
@@ -5109,7 +5117,7 @@
         </p:blipFill>
         <p:spPr>
           <a:xfrm>
-            <a:off x="10744199" y="12527455"/>
+            <a:off x="10667998" y="12829949"/>
             <a:ext cx="7543800" cy="7554120"/>
           </a:xfrm>
           <a:prstGeom prst="rect">
@@ -5131,7 +5139,7 @@
         </p:nvGrpSpPr>
         <p:grpSpPr>
           <a:xfrm>
-            <a:off x="10744199" y="29923435"/>
+            <a:off x="10744199" y="30402563"/>
             <a:ext cx="7543800" cy="5223960"/>
             <a:chOff x="10744199" y="30274924"/>
             <a:chExt cx="7543800" cy="5223960"/>
@@ -5212,7 +5220,7 @@
         </p:nvSpPr>
         <p:spPr>
           <a:xfrm>
-            <a:off x="10744199" y="35835336"/>
+            <a:off x="10744199" y="35834614"/>
             <a:ext cx="7543800" cy="1077218"/>
           </a:xfrm>
           <a:prstGeom prst="rect">

--- a/documentation/csci_poster.pptx
+++ b/documentation/csci_poster.pptx
@@ -3498,7 +3498,7 @@
         <p:spPr>
           <a:xfrm>
             <a:off x="1371600" y="7315200"/>
-            <a:ext cx="7543800" cy="8463855"/>
+            <a:ext cx="7543800" cy="7971413"/>
           </a:xfrm>
           <a:prstGeom prst="rect">
             <a:avLst/>
@@ -3551,7 +3551,24 @@
                 </a:solidFill>
                 <a:effectLst/>
               </a:rPr>
-              <a:t> is a web-based application called The Palette Picker. The Palette Picker will allow users to create personalized five color sets, and then share those patterns with friends and the community. These palettes can be referenced when creating pottery, painting your home, using a digital art program, or other activities that utilize color and require a cohesive look or </a:t>
+              <a:t> is a web-based application that will allow users to create personalized five color </a:t>
+            </a:r>
+            <a:r>
+              <a:rPr lang="en-US" sz="3200" dirty="0">
+                <a:solidFill>
+                  <a:srgbClr val="000000"/>
+                </a:solidFill>
+              </a:rPr>
+              <a:t>palette</a:t>
+            </a:r>
+            <a:r>
+              <a:rPr lang="en-US" sz="3200" b="0" i="0" u="none" strike="noStrike" dirty="0">
+                <a:solidFill>
+                  <a:srgbClr val="000000"/>
+                </a:solidFill>
+                <a:effectLst/>
+              </a:rPr>
+              <a:t>s, and then share those patterns with friends and the community. These palettes can be referenced when creating pottery, painting your home, using a digital art program, or other activities that utilize color and require a cohesive look or </a:t>
             </a:r>
             <a:r>
               <a:rPr lang="en-US" sz="3200" dirty="0">
@@ -4394,7 +4411,7 @@
                 </a:solidFill>
                 <a:effectLst/>
               </a:rPr>
-              <a:t>Users will also be able to create palettes through a color search feature. This will allow the user to pick a base color, such as “blue” or “green” from a dropdown menu. Then, the user will be prompted to pick the specific shade of that color that they are looking for. Once they have selected a base color, 4 complementary colors will be generated using an algorithm. If the user would prefer to pick their own shades, there will be an option to create custom colors. </a:t>
+              <a:t>Users can also create palettes through a color search feature. This will allow the user to pick a base color, such as “blue” or “green” from a dropdown menu. Then, the user will be prompted to pick the specific shade of that color that they are looking for. Once they have selected a base color, 4 complementary colors will be generated using an algorithm. If the user would prefer to pick their own shades, there will be an option to create custom colors. </a:t>
             </a:r>
             <a:endParaRPr lang="en-US" sz="3200" b="0" dirty="0">
               <a:effectLst/>

--- a/documentation/csci_poster.pptx
+++ b/documentation/csci_poster.pptx
@@ -3969,7 +3969,7 @@
         <p:spPr>
           <a:xfrm>
             <a:off x="20116800" y="7315200"/>
-            <a:ext cx="7543800" cy="25699343"/>
+            <a:ext cx="7543800" cy="28653998"/>
           </a:xfrm>
           <a:prstGeom prst="rect">
             <a:avLst/>
@@ -3998,7 +3998,18 @@
             <a:pPr algn="just"/>
             <a:r>
               <a:rPr lang="en-US" sz="3200" dirty="0"/>
-              <a:t> The Palette Picker component diagram (Figure 1) illustrates how our components interact with each other starting with the UI. The UI has two required interfaces, which are the Credentials interface and the </a:t>
+              <a:t>Our project uses JavaScript, PHP, and HTML. Since the primary functions of the application include creating and saving palettes, we also utilize MySQL for storing that information.</a:t>
+            </a:r>
+          </a:p>
+          <a:p>
+            <a:pPr algn="just"/>
+            <a:endParaRPr lang="en-US" sz="3200" dirty="0"/>
+          </a:p>
+          <a:p>
+            <a:pPr algn="just"/>
+            <a:r>
+              <a:rPr lang="en-US" sz="3200" dirty="0"/>
+              <a:t>The Palette Picker component diagram (Figure 1) illustrates how our components interact with each other starting with the UI. The UI has two required interfaces, which are the Credentials interface and the </a:t>
             </a:r>
             <a:r>
               <a:rPr lang="en-US" sz="3200" dirty="0" err="1"/>

--- a/documentation/csci_poster.pptx
+++ b/documentation/csci_poster.pptx
@@ -3998,7 +3998,15 @@
             <a:pPr algn="just"/>
             <a:r>
               <a:rPr lang="en-US" sz="3200" dirty="0"/>
-              <a:t>Our project uses JavaScript, PHP, and HTML. Since the primary functions of the application include creating and saving palettes, we also utilize MySQL for storing that information.</a:t>
+              <a:t>Our project uses JavaScript, PHP, and HTML. Since </a:t>
+            </a:r>
+            <a:r>
+              <a:rPr lang="en-US" sz="3200"/>
+              <a:t>some of the </a:t>
+            </a:r>
+            <a:r>
+              <a:rPr lang="en-US" sz="3200" dirty="0"/>
+              <a:t>primary functions of the application include creating and saving palettes, we also utilize MySQL for storing that information.</a:t>
             </a:r>
           </a:p>
           <a:p>

--- a/documentation/csci_poster.pptx
+++ b/documentation/csci_poster.pptx
@@ -3882,11 +3882,11 @@
             </a:r>
             <a:r>
               <a:rPr lang="en-US" sz="3200" dirty="0"/>
-              <a:t>, a third-party hosting company. The code base consists of JavaScript, HTML, CSS, and PHP, and was developed on Visual Studio Code. For version control we connected GitHub to </a:t>
-            </a:r>
-            <a:r>
-              <a:rPr lang="en-US" sz="3200" dirty="0" err="1"/>
-              <a:t>gitDesktop</a:t>
+              <a:t>, a third-party hosting company. The code base consists of JavaScript, HTML, CSS, and PHP, and was developed on Visual Studio Code. For version control we connected GitHub </a:t>
+            </a:r>
+            <a:r>
+              <a:rPr lang="en-US" sz="3200"/>
+              <a:t>to GitHub Desktop</a:t>
             </a:r>
             <a:r>
               <a:rPr lang="en-US" sz="3200" dirty="0"/>
@@ -3998,15 +3998,7 @@
             <a:pPr algn="just"/>
             <a:r>
               <a:rPr lang="en-US" sz="3200" dirty="0"/>
-              <a:t>Our project uses JavaScript, PHP, and HTML. Since </a:t>
-            </a:r>
-            <a:r>
-              <a:rPr lang="en-US" sz="3200"/>
-              <a:t>some of the </a:t>
-            </a:r>
-            <a:r>
-              <a:rPr lang="en-US" sz="3200" dirty="0"/>
-              <a:t>primary functions of the application include creating and saving palettes, we also utilize MySQL for storing that information.</a:t>
+              <a:t>Our project uses JavaScript, PHP, and HTML. Since some of the primary functions of the application include creating and saving palettes, we also utilize MySQL for storing that information.</a:t>
             </a:r>
           </a:p>
           <a:p>
@@ -4303,7 +4295,7 @@
         </p:nvSpPr>
         <p:spPr>
           <a:xfrm>
-            <a:off x="1371598" y="16607009"/>
+            <a:off x="1371598" y="15718536"/>
             <a:ext cx="7543800" cy="914400"/>
           </a:xfrm>
           <a:prstGeom prst="rect">
@@ -4362,8 +4354,8 @@
         </p:nvSpPr>
         <p:spPr>
           <a:xfrm>
-            <a:off x="1371600" y="17614964"/>
-            <a:ext cx="7543800" cy="19297590"/>
+            <a:off x="1371600" y="16632936"/>
+            <a:ext cx="7543800" cy="20282475"/>
           </a:xfrm>
           <a:prstGeom prst="rect">
             <a:avLst/>
@@ -4399,7 +4391,7 @@
             </a:pPr>
             <a:r>
               <a:rPr lang="en-US" sz="3200" dirty="0"/>
-              <a:t> </a:t>
+              <a:t> The primary functions of the application include creating and saving palettes to a personal library, as well as searching palettes made by others and saving those. </a:t>
             </a:r>
             <a:r>
               <a:rPr lang="en-US" sz="3200" b="0" i="0" u="none" strike="noStrike" dirty="0">
@@ -4430,7 +4422,7 @@
                 </a:solidFill>
                 <a:effectLst/>
               </a:rPr>
-              <a:t>Users can also create palettes through a color search feature. This will allow the user to pick a base color, such as “blue” or “green” from a dropdown menu. Then, the user will be prompted to pick the specific shade of that color that they are looking for. Once they have selected a base color, 4 complementary colors will be generated using an algorithm. If the user would prefer to pick their own shades, there will be an option to create custom colors. </a:t>
+              <a:t>Users can also create palettes through a color search feature. This will allow the user to pick a base hue using a slider and change the selected color’s brightness and saturation. Then, the user will be prompted to pick the specific shade of that color that they are looking for. If the user would prefer to pick their own shades, there will be an option to create custom colors. </a:t>
             </a:r>
             <a:endParaRPr lang="en-US" sz="3200" b="0" dirty="0">
               <a:effectLst/>

--- a/documentation/csci_poster.pptx
+++ b/documentation/csci_poster.pptx
@@ -3882,15 +3882,7 @@
             </a:r>
             <a:r>
               <a:rPr lang="en-US" sz="3200" dirty="0"/>
-              <a:t>, a third-party hosting company. The code base consists of JavaScript, HTML, CSS, and PHP, and was developed on Visual Studio Code. For version control we connected GitHub </a:t>
-            </a:r>
-            <a:r>
-              <a:rPr lang="en-US" sz="3200"/>
-              <a:t>to GitHub Desktop</a:t>
-            </a:r>
-            <a:r>
-              <a:rPr lang="en-US" sz="3200" dirty="0"/>
-              <a:t>, which ensured that unsafe states could be reversed and corrected. The database is relational, developed in MySQL.</a:t>
+              <a:t>, a third-party hosting company. The code base consists of JavaScript, HTML, CSS, and PHP, and was developed on Visual Studio Code. For version control we connected GitHub to GitHub Desktop, which ensured that unsafe states could be reversed and corrected. The database is relational, developed in MySQL.</a:t>
             </a:r>
           </a:p>
         </p:txBody>
@@ -3969,7 +3961,7 @@
         <p:spPr>
           <a:xfrm>
             <a:off x="20116800" y="7315200"/>
-            <a:ext cx="7543800" cy="28653998"/>
+            <a:ext cx="7543800" cy="29638883"/>
           </a:xfrm>
           <a:prstGeom prst="rect">
             <a:avLst/>
@@ -3998,8 +3990,13 @@
             <a:pPr algn="just"/>
             <a:r>
               <a:rPr lang="en-US" sz="3200" dirty="0"/>
-              <a:t>Our project uses JavaScript, PHP, and HTML. Since some of the primary functions of the application include creating and saving palettes, we also utilize MySQL for storing that information.</a:t>
-            </a:r>
+              <a:t>Our project uses JavaScript, PHP, and HTML. Since some of the primary functions of the application include creating and saving palettes, we also utilize MySQL for storing that information. The general feel of the website is shown by our Home Page </a:t>
+            </a:r>
+            <a:r>
+              <a:rPr lang="en-US" sz="3200"/>
+              <a:t>(Figure 3).</a:t>
+            </a:r>
+            <a:endParaRPr lang="en-US" sz="3200" dirty="0"/>
           </a:p>
           <a:p>
             <a:pPr algn="just"/>

--- a/documentation/csci_poster.pptx
+++ b/documentation/csci_poster.pptx
@@ -3524,7 +3524,7 @@
           </a:bodyPr>
           <a:lstStyle/>
           <a:p>
-            <a:pPr rtl="0">
+            <a:pPr algn="just" rtl="0">
               <a:spcBef>
                 <a:spcPts val="0"/>
               </a:spcBef>
@@ -3845,7 +3845,7 @@
         <p:spPr>
           <a:xfrm>
             <a:off x="10744200" y="7315200"/>
-            <a:ext cx="7543800" cy="5016758"/>
+            <a:ext cx="7543800" cy="4524315"/>
           </a:xfrm>
           <a:prstGeom prst="rect">
             <a:avLst/>
@@ -3882,7 +3882,7 @@
             </a:r>
             <a:r>
               <a:rPr lang="en-US" sz="3200" dirty="0"/>
-              <a:t>, a third-party hosting company. The code base consists of JavaScript, HTML, CSS, and PHP, and was developed on Visual Studio Code. For version control we connected GitHub to GitHub Desktop, which ensured that unsafe states could be reversed and corrected. The database is relational, developed in MySQL.</a:t>
+              <a:t>, a third-party hosting company. The code base consists of JavaScript, HTML, and CSS on the client side and PHP on the server side and was developed on Visual Studio Code. For version control we connected GitHub to GitHub Desktop. The system uses the relational database MySQL.</a:t>
             </a:r>
           </a:p>
         </p:txBody>
@@ -3961,7 +3961,7 @@
         <p:spPr>
           <a:xfrm>
             <a:off x="20116800" y="7315200"/>
-            <a:ext cx="7543800" cy="29638883"/>
+            <a:ext cx="7543800" cy="21759803"/>
           </a:xfrm>
           <a:prstGeom prst="rect">
             <a:avLst/>
@@ -3990,17 +3990,8 @@
             <a:pPr algn="just"/>
             <a:r>
               <a:rPr lang="en-US" sz="3200" dirty="0"/>
-              <a:t>Our project uses JavaScript, PHP, and HTML. Since some of the primary functions of the application include creating and saving palettes, we also utilize MySQL for storing that information. The general feel of the website is shown by our Home Page </a:t>
-            </a:r>
-            <a:r>
-              <a:rPr lang="en-US" sz="3200"/>
-              <a:t>(Figure 3).</a:t>
-            </a:r>
-            <a:endParaRPr lang="en-US" sz="3200" dirty="0"/>
-          </a:p>
-          <a:p>
-            <a:pPr algn="just"/>
-            <a:endParaRPr lang="en-US" sz="3200" dirty="0"/>
+              <a:t>Our project uses JavaScript, PHP, and HTML. Since some of the main functions of the application include creating and saving palettes, we also utilize MySQL for storing the information. The general feel of the website is shown by our Home Page (Figure 2).</a:t>
+            </a:r>
           </a:p>
           <a:p>
             <a:pPr algn="just"/>
@@ -4054,18 +4045,14 @@
             </a:r>
             <a:r>
               <a:rPr lang="en-US" sz="3200" dirty="0"/>
-              <a:t> interface that connects to the database. This connects two users to one another in the database and gives them more access to interact with each other. </a:t>
+              <a:t> interface that connects to the database. This connects two users to one another in the database and gives them more access to interact with each other.</a:t>
             </a:r>
           </a:p>
           <a:p>
             <a:pPr algn="just"/>
-            <a:endParaRPr lang="en-US" sz="3200" dirty="0"/>
-          </a:p>
-          <a:p>
-            <a:pPr algn="just"/>
             <a:r>
               <a:rPr lang="en-US" sz="3200" dirty="0"/>
-              <a:t>The database (ERD shown in Figure 2) includes four tables: a User table, a Palette table, a </a:t>
+              <a:t>The database (ERD shown in Figure 4) includes four tables: a User table, a Palette table, a </a:t>
             </a:r>
             <a:r>
               <a:rPr lang="en-US" sz="3200" dirty="0" err="1"/>
@@ -4081,31 +4068,7 @@
             </a:r>
             <a:r>
               <a:rPr lang="en-US" sz="3200" dirty="0"/>
-              <a:t> table. The User table has 3 classes: an ID as the primary key, a username, and a password. The Palette table has ten classes: an integer ID as a primary key, an integer user id that is a foreign key, a title, 6 hex codes representing each color in the palette, a date representing the day the palette was created, and the number of times a person has clicked the palette’s page. The </a:t>
-            </a:r>
-            <a:r>
-              <a:rPr lang="en-US" sz="3200" dirty="0" err="1"/>
-              <a:t>User_friend</a:t>
-            </a:r>
-            <a:r>
-              <a:rPr lang="en-US" sz="3200" dirty="0"/>
-              <a:t> table has two classes that make its primary key: a user id and another </a:t>
-            </a:r>
-            <a:r>
-              <a:rPr lang="en-US" sz="3200" dirty="0" err="1"/>
-              <a:t>user_id</a:t>
-            </a:r>
-            <a:r>
-              <a:rPr lang="en-US" sz="3200" dirty="0"/>
-              <a:t> representing the person’s friend. The </a:t>
-            </a:r>
-            <a:r>
-              <a:rPr lang="en-US" sz="3200" dirty="0" err="1"/>
-              <a:t>Saved_palette</a:t>
-            </a:r>
-            <a:r>
-              <a:rPr lang="en-US" sz="3200" dirty="0"/>
-              <a:t> table also has two fields as a primary key: a user id and a palette id. </a:t>
+              <a:t> table. </a:t>
             </a:r>
           </a:p>
         </p:txBody>
@@ -4213,7 +4176,7 @@
             <a:pPr algn="just"/>
             <a:r>
               <a:rPr lang="en-US" sz="3200" dirty="0"/>
-              <a:t>There are also some features we would like to add but will not have the opportunity to implement. One feature would create a second palette of colors that compliment the first. For example, by uploading an image of a room, a user could learn what color items or furniture would work well with the room. Another feature would allow users to download a PNG of a palette, including the hex codes of the colors. While this could be nice, users could already snip a palette, making it of minor importance in comparison.</a:t>
+              <a:t>There are also some features we would like to add but will not have the opportunity to implement this semester. One feature would create a second palette of colors that compliment the first. For example, by uploading an image of a room, a user could learn what color items or furniture would work well with the room. Another feature would allow users to download a PNG of a palette, including the hex codes of the colors. While this could be nice, users could already snip a palette, making it of minor importance in comparison.</a:t>
             </a:r>
             <a:endParaRPr lang="en-US" sz="3200" b="1" dirty="0"/>
           </a:p>
@@ -4378,7 +4341,7 @@
           </a:bodyPr>
           <a:lstStyle/>
           <a:p>
-            <a:pPr rtl="0">
+            <a:pPr algn="just" rtl="0">
               <a:spcBef>
                 <a:spcPts val="0"/>
               </a:spcBef>
@@ -4404,7 +4367,7 @@
             </a:endParaRPr>
           </a:p>
           <a:p>
-            <a:pPr rtl="0">
+            <a:pPr algn="just" rtl="0">
               <a:spcBef>
                 <a:spcPts val="0"/>
               </a:spcBef>
@@ -4426,7 +4389,7 @@
             </a:endParaRPr>
           </a:p>
           <a:p>
-            <a:pPr rtl="0">
+            <a:pPr algn="just" rtl="0">
               <a:spcBef>
                 <a:spcPts val="0"/>
               </a:spcBef>
@@ -4478,7 +4441,7 @@
         </p:nvSpPr>
         <p:spPr>
           <a:xfrm>
-            <a:off x="10807948" y="21073955"/>
+            <a:off x="10807948" y="20769275"/>
             <a:ext cx="7543800" cy="584775"/>
           </a:xfrm>
           <a:prstGeom prst="rect">
@@ -4610,11 +4573,11 @@
                   <a:srgbClr val="BB1C3F"/>
                 </a:solidFill>
               </a:rPr>
-              <a:t>Figure 2: </a:t>
+              <a:t>Figure 4: </a:t>
             </a:r>
             <a:r>
               <a:rPr lang="en-US" sz="3200" dirty="0"/>
-              <a:t>The database Entity Relationship Diagram is shown above. </a:t>
+              <a:t>The database Entity Relationship Diagram</a:t>
             </a:r>
           </a:p>
         </p:txBody>
@@ -4646,7 +4609,7 @@
         </p:blipFill>
         <p:spPr>
           <a:xfrm>
-            <a:off x="10744199" y="22522079"/>
+            <a:off x="10744199" y="22041870"/>
             <a:ext cx="7543800" cy="5920550"/>
           </a:xfrm>
           <a:prstGeom prst="rect">
@@ -4676,7 +4639,7 @@
         </p:nvSpPr>
         <p:spPr>
           <a:xfrm>
-            <a:off x="10744199" y="29130569"/>
+            <a:off x="10744199" y="28650240"/>
             <a:ext cx="7543800" cy="584775"/>
           </a:xfrm>
           <a:prstGeom prst="rect">
@@ -4713,7 +4676,7 @@
                   <a:srgbClr val="BB1C3F"/>
                 </a:solidFill>
               </a:rPr>
-              <a:t>Figure 3:</a:t>
+              <a:t>Figure 2:</a:t>
             </a:r>
             <a:r>
               <a:rPr lang="en-US" sz="3200" dirty="0"/>
@@ -5142,7 +5105,7 @@
         </p:blipFill>
         <p:spPr>
           <a:xfrm>
-            <a:off x="10667998" y="12829949"/>
+            <a:off x="10667998" y="12527335"/>
             <a:ext cx="7543800" cy="7554120"/>
           </a:xfrm>
           <a:prstGeom prst="rect">
@@ -5164,7 +5127,7 @@
         </p:nvGrpSpPr>
         <p:grpSpPr>
           <a:xfrm>
-            <a:off x="10744199" y="30402563"/>
+            <a:off x="10744199" y="29922835"/>
             <a:ext cx="7543800" cy="5223960"/>
             <a:chOff x="10744199" y="30274924"/>
             <a:chExt cx="7543800" cy="5223960"/>
@@ -5282,11 +5245,160 @@
                   <a:srgbClr val="BB1C3F"/>
                 </a:solidFill>
               </a:rPr>
-              <a:t>Figure 4: </a:t>
+              <a:t>Figure 3a: </a:t>
             </a:r>
             <a:r>
               <a:rPr lang="en-US" sz="3200" dirty="0"/>
-              <a:t>Palette Example from Van Gogh’s Starry Night</a:t>
+              <a:t>Palette Example from Van Gogh’s </a:t>
+            </a:r>
+            <a:r>
+              <a:rPr lang="en-US" sz="3200" i="1" dirty="0"/>
+              <a:t>Starry Night</a:t>
+            </a:r>
+          </a:p>
+        </p:txBody>
+      </p:sp>
+      <p:grpSp>
+        <p:nvGrpSpPr>
+          <p:cNvPr id="12" name="Group 11">
+            <a:extLst>
+              <a:ext uri="{FF2B5EF4-FFF2-40B4-BE49-F238E27FC236}">
+                <a16:creationId xmlns:a16="http://schemas.microsoft.com/office/drawing/2014/main" id="{B84AFED9-641E-464A-A4A4-6A5DEF052393}"/>
+              </a:ext>
+            </a:extLst>
+          </p:cNvPr>
+          <p:cNvGrpSpPr/>
+          <p:nvPr/>
+        </p:nvGrpSpPr>
+        <p:grpSpPr>
+          <a:xfrm>
+            <a:off x="20116800" y="30000937"/>
+            <a:ext cx="7543800" cy="4908465"/>
+            <a:chOff x="20116800" y="30235567"/>
+            <a:chExt cx="7513320" cy="4908465"/>
+          </a:xfrm>
+        </p:grpSpPr>
+        <p:pic>
+          <p:nvPicPr>
+            <p:cNvPr id="6" name="Picture 5">
+              <a:extLst>
+                <a:ext uri="{FF2B5EF4-FFF2-40B4-BE49-F238E27FC236}">
+                  <a16:creationId xmlns:a16="http://schemas.microsoft.com/office/drawing/2014/main" id="{A767B04F-1682-43A3-9B02-2466533BCDBE}"/>
+                </a:ext>
+              </a:extLst>
+            </p:cNvPr>
+            <p:cNvPicPr>
+              <a:picLocks noChangeAspect="1"/>
+            </p:cNvPicPr>
+            <p:nvPr/>
+          </p:nvPicPr>
+          <p:blipFill>
+            <a:blip r:embed="rId11"/>
+            <a:stretch>
+              <a:fillRect/>
+            </a:stretch>
+          </p:blipFill>
+          <p:spPr>
+            <a:xfrm>
+              <a:off x="26652153" y="30235567"/>
+              <a:ext cx="977967" cy="4908465"/>
+            </a:xfrm>
+            <a:prstGeom prst="rect">
+              <a:avLst/>
+            </a:prstGeom>
+          </p:spPr>
+        </p:pic>
+        <p:pic>
+          <p:nvPicPr>
+            <p:cNvPr id="8" name="Picture 7">
+              <a:extLst>
+                <a:ext uri="{FF2B5EF4-FFF2-40B4-BE49-F238E27FC236}">
+                  <a16:creationId xmlns:a16="http://schemas.microsoft.com/office/drawing/2014/main" id="{BE140DBE-A0FA-416A-AC68-F7CBBADC278B}"/>
+                </a:ext>
+              </a:extLst>
+            </p:cNvPr>
+            <p:cNvPicPr>
+              <a:picLocks noChangeAspect="1"/>
+            </p:cNvPicPr>
+            <p:nvPr/>
+          </p:nvPicPr>
+          <p:blipFill>
+            <a:blip r:embed="rId12"/>
+            <a:stretch>
+              <a:fillRect/>
+            </a:stretch>
+          </p:blipFill>
+          <p:spPr>
+            <a:xfrm>
+              <a:off x="20116800" y="30236641"/>
+              <a:ext cx="6558496" cy="4906483"/>
+            </a:xfrm>
+            <a:prstGeom prst="rect">
+              <a:avLst/>
+            </a:prstGeom>
+          </p:spPr>
+        </p:pic>
+      </p:grpSp>
+      <p:sp>
+        <p:nvSpPr>
+          <p:cNvPr id="37" name="TextBox 36">
+            <a:extLst>
+              <a:ext uri="{FF2B5EF4-FFF2-40B4-BE49-F238E27FC236}">
+                <a16:creationId xmlns:a16="http://schemas.microsoft.com/office/drawing/2014/main" id="{7D523E05-4E5D-411C-B5D7-AABB27AB10A7}"/>
+              </a:ext>
+            </a:extLst>
+          </p:cNvPr>
+          <p:cNvSpPr txBox="1"/>
+          <p:nvPr/>
+        </p:nvSpPr>
+        <p:spPr>
+          <a:xfrm>
+            <a:off x="20116800" y="35835336"/>
+            <a:ext cx="7543800" cy="1077218"/>
+          </a:xfrm>
+          <a:prstGeom prst="rect">
+            <a:avLst/>
+          </a:prstGeom>
+          <a:ln>
+            <a:noFill/>
+          </a:ln>
+        </p:spPr>
+        <p:style>
+          <a:lnRef idx="2">
+            <a:schemeClr val="dk1"/>
+          </a:lnRef>
+          <a:fillRef idx="1">
+            <a:schemeClr val="lt1"/>
+          </a:fillRef>
+          <a:effectRef idx="0">
+            <a:schemeClr val="dk1"/>
+          </a:effectRef>
+          <a:fontRef idx="minor">
+            <a:schemeClr val="dk1"/>
+          </a:fontRef>
+        </p:style>
+        <p:txBody>
+          <a:bodyPr wrap="square" rtlCol="0">
+            <a:spAutoFit/>
+          </a:bodyPr>
+          <a:lstStyle/>
+          <a:p>
+            <a:pPr algn="just"/>
+            <a:r>
+              <a:rPr lang="en-US" sz="3200" b="1" dirty="0">
+                <a:solidFill>
+                  <a:srgbClr val="BB1C3F"/>
+                </a:solidFill>
+              </a:rPr>
+              <a:t>Figure 3b: </a:t>
+            </a:r>
+            <a:r>
+              <a:rPr lang="en-US" sz="3200" dirty="0"/>
+              <a:t>Palette Example from Claude Monet’s </a:t>
+            </a:r>
+            <a:r>
+              <a:rPr lang="en-US" sz="3200" i="1" dirty="0"/>
+              <a:t>Spring Water Lilies</a:t>
             </a:r>
           </a:p>
         </p:txBody>
